--- a/01-Documentación/Presentación.pptx
+++ b/01-Documentación/Presentación.pptx
@@ -5,7 +5,7 @@
     <p:sldMasterId id="2147483648" r:id="rId1"/>
   </p:sldMasterIdLst>
   <p:notesMasterIdLst>
-    <p:notesMasterId r:id="rId27"/>
+    <p:notesMasterId r:id="rId29"/>
   </p:notesMasterIdLst>
   <p:sldIdLst>
     <p:sldId id="256" r:id="rId2"/>
@@ -16,23 +16,25 @@
     <p:sldId id="264" r:id="rId7"/>
     <p:sldId id="265" r:id="rId8"/>
     <p:sldId id="266" r:id="rId9"/>
-    <p:sldId id="267" r:id="rId10"/>
-    <p:sldId id="259" r:id="rId11"/>
-    <p:sldId id="268" r:id="rId12"/>
-    <p:sldId id="272" r:id="rId13"/>
-    <p:sldId id="269" r:id="rId14"/>
-    <p:sldId id="274" r:id="rId15"/>
-    <p:sldId id="270" r:id="rId16"/>
-    <p:sldId id="273" r:id="rId17"/>
-    <p:sldId id="275" r:id="rId18"/>
-    <p:sldId id="276" r:id="rId19"/>
-    <p:sldId id="277" r:id="rId20"/>
-    <p:sldId id="278" r:id="rId21"/>
-    <p:sldId id="279" r:id="rId22"/>
-    <p:sldId id="280" r:id="rId23"/>
-    <p:sldId id="281" r:id="rId24"/>
-    <p:sldId id="282" r:id="rId25"/>
-    <p:sldId id="283" r:id="rId26"/>
+    <p:sldId id="284" r:id="rId10"/>
+    <p:sldId id="267" r:id="rId11"/>
+    <p:sldId id="285" r:id="rId12"/>
+    <p:sldId id="259" r:id="rId13"/>
+    <p:sldId id="268" r:id="rId14"/>
+    <p:sldId id="272" r:id="rId15"/>
+    <p:sldId id="269" r:id="rId16"/>
+    <p:sldId id="274" r:id="rId17"/>
+    <p:sldId id="270" r:id="rId18"/>
+    <p:sldId id="273" r:id="rId19"/>
+    <p:sldId id="275" r:id="rId20"/>
+    <p:sldId id="276" r:id="rId21"/>
+    <p:sldId id="277" r:id="rId22"/>
+    <p:sldId id="278" r:id="rId23"/>
+    <p:sldId id="279" r:id="rId24"/>
+    <p:sldId id="280" r:id="rId25"/>
+    <p:sldId id="281" r:id="rId26"/>
+    <p:sldId id="282" r:id="rId27"/>
+    <p:sldId id="283" r:id="rId28"/>
   </p:sldIdLst>
   <p:sldSz cx="9144000" cy="5143500" type="screen16x9"/>
   <p:notesSz cx="6858000" cy="9144000"/>
@@ -155,6 +157,788 @@
 </file>
 
 <file path=ppt/diagrams/colors1.xml><?xml version="1.0" encoding="utf-8"?>
+<dgm:colorsDef xmlns:dgm="http://schemas.openxmlformats.org/drawingml/2006/diagram" xmlns:a="http://schemas.openxmlformats.org/drawingml/2006/main" uniqueId="urn:microsoft.com/office/officeart/2005/8/colors/colorful2">
+  <dgm:title val=""/>
+  <dgm:desc val=""/>
+  <dgm:catLst>
+    <dgm:cat type="colorful" pri="10200"/>
+  </dgm:catLst>
+  <dgm:styleLbl name="node0">
+    <dgm:fillClrLst meth="repeat">
+      <a:schemeClr val="accent1"/>
+    </dgm:fillClrLst>
+    <dgm:linClrLst meth="repeat">
+      <a:schemeClr val="lt1"/>
+    </dgm:linClrLst>
+    <dgm:effectClrLst/>
+    <dgm:txLinClrLst/>
+    <dgm:txFillClrLst/>
+    <dgm:txEffectClrLst/>
+  </dgm:styleLbl>
+  <dgm:styleLbl name="node1">
+    <dgm:fillClrLst>
+      <a:schemeClr val="accent2"/>
+      <a:schemeClr val="accent3"/>
+    </dgm:fillClrLst>
+    <dgm:linClrLst meth="repeat">
+      <a:schemeClr val="lt1"/>
+    </dgm:linClrLst>
+    <dgm:effectClrLst/>
+    <dgm:txLinClrLst/>
+    <dgm:txFillClrLst/>
+    <dgm:txEffectClrLst/>
+  </dgm:styleLbl>
+  <dgm:styleLbl name="alignNode1">
+    <dgm:fillClrLst>
+      <a:schemeClr val="accent2"/>
+      <a:schemeClr val="accent3"/>
+    </dgm:fillClrLst>
+    <dgm:linClrLst>
+      <a:schemeClr val="accent2"/>
+      <a:schemeClr val="accent3"/>
+    </dgm:linClrLst>
+    <dgm:effectClrLst/>
+    <dgm:txLinClrLst/>
+    <dgm:txFillClrLst/>
+    <dgm:txEffectClrLst/>
+  </dgm:styleLbl>
+  <dgm:styleLbl name="lnNode1">
+    <dgm:fillClrLst>
+      <a:schemeClr val="accent2"/>
+      <a:schemeClr val="accent3"/>
+    </dgm:fillClrLst>
+    <dgm:linClrLst meth="repeat">
+      <a:schemeClr val="lt1"/>
+    </dgm:linClrLst>
+    <dgm:effectClrLst/>
+    <dgm:txLinClrLst/>
+    <dgm:txFillClrLst/>
+    <dgm:txEffectClrLst/>
+  </dgm:styleLbl>
+  <dgm:styleLbl name="vennNode1">
+    <dgm:fillClrLst>
+      <a:schemeClr val="accent2">
+        <a:alpha val="50000"/>
+      </a:schemeClr>
+      <a:schemeClr val="accent3">
+        <a:alpha val="50000"/>
+      </a:schemeClr>
+    </dgm:fillClrLst>
+    <dgm:linClrLst meth="repeat">
+      <a:schemeClr val="lt1"/>
+    </dgm:linClrLst>
+    <dgm:effectClrLst/>
+    <dgm:txLinClrLst/>
+    <dgm:txFillClrLst/>
+    <dgm:txEffectClrLst/>
+  </dgm:styleLbl>
+  <dgm:styleLbl name="node2">
+    <dgm:fillClrLst>
+      <a:schemeClr val="accent3"/>
+    </dgm:fillClrLst>
+    <dgm:linClrLst meth="repeat">
+      <a:schemeClr val="lt1"/>
+    </dgm:linClrLst>
+    <dgm:effectClrLst/>
+    <dgm:txLinClrLst/>
+    <dgm:txFillClrLst/>
+    <dgm:txEffectClrLst/>
+  </dgm:styleLbl>
+  <dgm:styleLbl name="node3">
+    <dgm:fillClrLst>
+      <a:schemeClr val="accent4"/>
+    </dgm:fillClrLst>
+    <dgm:linClrLst meth="repeat">
+      <a:schemeClr val="lt1"/>
+    </dgm:linClrLst>
+    <dgm:effectClrLst/>
+    <dgm:txLinClrLst/>
+    <dgm:txFillClrLst/>
+    <dgm:txEffectClrLst/>
+  </dgm:styleLbl>
+  <dgm:styleLbl name="node4">
+    <dgm:fillClrLst>
+      <a:schemeClr val="accent5"/>
+    </dgm:fillClrLst>
+    <dgm:linClrLst meth="repeat">
+      <a:schemeClr val="lt1"/>
+    </dgm:linClrLst>
+    <dgm:effectClrLst/>
+    <dgm:txLinClrLst/>
+    <dgm:txFillClrLst/>
+    <dgm:txEffectClrLst/>
+  </dgm:styleLbl>
+  <dgm:styleLbl name="fgImgPlace1">
+    <dgm:fillClrLst>
+      <a:schemeClr val="accent2">
+        <a:tint val="50000"/>
+      </a:schemeClr>
+      <a:schemeClr val="accent3">
+        <a:tint val="50000"/>
+      </a:schemeClr>
+    </dgm:fillClrLst>
+    <dgm:linClrLst meth="repeat">
+      <a:schemeClr val="lt1"/>
+    </dgm:linClrLst>
+    <dgm:effectClrLst/>
+    <dgm:txLinClrLst/>
+    <dgm:txFillClrLst meth="repeat">
+      <a:schemeClr val="lt1"/>
+    </dgm:txFillClrLst>
+    <dgm:txEffectClrLst/>
+  </dgm:styleLbl>
+  <dgm:styleLbl name="alignImgPlace1">
+    <dgm:fillClrLst>
+      <a:schemeClr val="accent2">
+        <a:tint val="50000"/>
+      </a:schemeClr>
+      <a:schemeClr val="accent3">
+        <a:tint val="20000"/>
+      </a:schemeClr>
+    </dgm:fillClrLst>
+    <dgm:linClrLst meth="repeat">
+      <a:schemeClr val="lt1"/>
+    </dgm:linClrLst>
+    <dgm:effectClrLst/>
+    <dgm:txLinClrLst/>
+    <dgm:txFillClrLst meth="repeat">
+      <a:schemeClr val="lt1"/>
+    </dgm:txFillClrLst>
+    <dgm:txEffectClrLst/>
+  </dgm:styleLbl>
+  <dgm:styleLbl name="bgImgPlace1">
+    <dgm:fillClrLst>
+      <a:schemeClr val="accent2">
+        <a:tint val="50000"/>
+      </a:schemeClr>
+      <a:schemeClr val="accent3">
+        <a:tint val="20000"/>
+      </a:schemeClr>
+    </dgm:fillClrLst>
+    <dgm:linClrLst meth="repeat">
+      <a:schemeClr val="lt1"/>
+    </dgm:linClrLst>
+    <dgm:effectClrLst/>
+    <dgm:txLinClrLst/>
+    <dgm:txFillClrLst meth="repeat">
+      <a:schemeClr val="lt1"/>
+    </dgm:txFillClrLst>
+    <dgm:txEffectClrLst/>
+  </dgm:styleLbl>
+  <dgm:styleLbl name="sibTrans2D1">
+    <dgm:fillClrLst>
+      <a:schemeClr val="accent2"/>
+      <a:schemeClr val="accent3"/>
+    </dgm:fillClrLst>
+    <dgm:linClrLst meth="repeat">
+      <a:schemeClr val="lt1"/>
+    </dgm:linClrLst>
+    <dgm:effectClrLst/>
+    <dgm:txLinClrLst/>
+    <dgm:txFillClrLst/>
+    <dgm:txEffectClrLst/>
+  </dgm:styleLbl>
+  <dgm:styleLbl name="fgSibTrans2D1">
+    <dgm:fillClrLst>
+      <a:schemeClr val="accent2"/>
+      <a:schemeClr val="accent3"/>
+    </dgm:fillClrLst>
+    <dgm:linClrLst meth="repeat">
+      <a:schemeClr val="lt1"/>
+    </dgm:linClrLst>
+    <dgm:effectClrLst/>
+    <dgm:txLinClrLst/>
+    <dgm:txFillClrLst meth="repeat">
+      <a:schemeClr val="lt1"/>
+    </dgm:txFillClrLst>
+    <dgm:txEffectClrLst/>
+  </dgm:styleLbl>
+  <dgm:styleLbl name="bgSibTrans2D1">
+    <dgm:fillClrLst>
+      <a:schemeClr val="accent2"/>
+      <a:schemeClr val="accent3"/>
+    </dgm:fillClrLst>
+    <dgm:linClrLst meth="repeat">
+      <a:schemeClr val="lt1"/>
+    </dgm:linClrLst>
+    <dgm:effectClrLst/>
+    <dgm:txLinClrLst/>
+    <dgm:txFillClrLst meth="repeat">
+      <a:schemeClr val="lt1"/>
+    </dgm:txFillClrLst>
+    <dgm:txEffectClrLst/>
+  </dgm:styleLbl>
+  <dgm:styleLbl name="sibTrans1D1">
+    <dgm:fillClrLst/>
+    <dgm:linClrLst>
+      <a:schemeClr val="accent2"/>
+      <a:schemeClr val="accent3"/>
+    </dgm:linClrLst>
+    <dgm:effectClrLst/>
+    <dgm:txLinClrLst/>
+    <dgm:txFillClrLst meth="repeat">
+      <a:schemeClr val="tx1"/>
+    </dgm:txFillClrLst>
+    <dgm:txEffectClrLst/>
+  </dgm:styleLbl>
+  <dgm:styleLbl name="callout">
+    <dgm:fillClrLst meth="repeat">
+      <a:schemeClr val="accent2"/>
+    </dgm:fillClrLst>
+    <dgm:linClrLst meth="repeat">
+      <a:schemeClr val="accent2">
+        <a:tint val="50000"/>
+      </a:schemeClr>
+    </dgm:linClrLst>
+    <dgm:effectClrLst/>
+    <dgm:txLinClrLst/>
+    <dgm:txFillClrLst meth="repeat">
+      <a:schemeClr val="tx1"/>
+    </dgm:txFillClrLst>
+    <dgm:txEffectClrLst/>
+  </dgm:styleLbl>
+  <dgm:styleLbl name="asst0">
+    <dgm:fillClrLst meth="repeat">
+      <a:schemeClr val="accent2"/>
+    </dgm:fillClrLst>
+    <dgm:linClrLst meth="repeat">
+      <a:schemeClr val="lt1">
+        <a:shade val="80000"/>
+      </a:schemeClr>
+    </dgm:linClrLst>
+    <dgm:effectClrLst/>
+    <dgm:txLinClrLst/>
+    <dgm:txFillClrLst/>
+    <dgm:txEffectClrLst/>
+  </dgm:styleLbl>
+  <dgm:styleLbl name="asst1">
+    <dgm:fillClrLst meth="repeat">
+      <a:schemeClr val="accent3"/>
+    </dgm:fillClrLst>
+    <dgm:linClrLst meth="repeat">
+      <a:schemeClr val="lt1">
+        <a:shade val="80000"/>
+      </a:schemeClr>
+    </dgm:linClrLst>
+    <dgm:effectClrLst/>
+    <dgm:txLinClrLst/>
+    <dgm:txFillClrLst/>
+    <dgm:txEffectClrLst/>
+  </dgm:styleLbl>
+  <dgm:styleLbl name="asst2">
+    <dgm:fillClrLst>
+      <a:schemeClr val="accent4"/>
+    </dgm:fillClrLst>
+    <dgm:linClrLst meth="repeat">
+      <a:schemeClr val="lt1"/>
+    </dgm:linClrLst>
+    <dgm:effectClrLst/>
+    <dgm:txLinClrLst/>
+    <dgm:txFillClrLst/>
+    <dgm:txEffectClrLst/>
+  </dgm:styleLbl>
+  <dgm:styleLbl name="asst3">
+    <dgm:fillClrLst>
+      <a:schemeClr val="accent5"/>
+    </dgm:fillClrLst>
+    <dgm:linClrLst meth="repeat">
+      <a:schemeClr val="lt1"/>
+    </dgm:linClrLst>
+    <dgm:effectClrLst/>
+    <dgm:txLinClrLst/>
+    <dgm:txFillClrLst/>
+    <dgm:txEffectClrLst/>
+  </dgm:styleLbl>
+  <dgm:styleLbl name="asst4">
+    <dgm:fillClrLst>
+      <a:schemeClr val="accent6"/>
+    </dgm:fillClrLst>
+    <dgm:linClrLst meth="repeat">
+      <a:schemeClr val="lt1"/>
+    </dgm:linClrLst>
+    <dgm:effectClrLst/>
+    <dgm:txLinClrLst/>
+    <dgm:txFillClrLst/>
+    <dgm:txEffectClrLst/>
+  </dgm:styleLbl>
+  <dgm:styleLbl name="parChTrans2D1">
+    <dgm:fillClrLst meth="repeat">
+      <a:schemeClr val="accent2"/>
+    </dgm:fillClrLst>
+    <dgm:linClrLst meth="repeat">
+      <a:schemeClr val="lt1"/>
+    </dgm:linClrLst>
+    <dgm:effectClrLst/>
+    <dgm:txLinClrLst/>
+    <dgm:txFillClrLst meth="repeat">
+      <a:schemeClr val="lt1"/>
+    </dgm:txFillClrLst>
+    <dgm:txEffectClrLst/>
+  </dgm:styleLbl>
+  <dgm:styleLbl name="parChTrans2D2">
+    <dgm:fillClrLst meth="repeat">
+      <a:schemeClr val="accent3"/>
+    </dgm:fillClrLst>
+    <dgm:linClrLst meth="repeat">
+      <a:schemeClr val="lt1"/>
+    </dgm:linClrLst>
+    <dgm:effectClrLst/>
+    <dgm:txLinClrLst/>
+    <dgm:txFillClrLst/>
+    <dgm:txEffectClrLst/>
+  </dgm:styleLbl>
+  <dgm:styleLbl name="parChTrans2D3">
+    <dgm:fillClrLst meth="repeat">
+      <a:schemeClr val="accent4"/>
+    </dgm:fillClrLst>
+    <dgm:linClrLst meth="repeat">
+      <a:schemeClr val="lt1"/>
+    </dgm:linClrLst>
+    <dgm:effectClrLst/>
+    <dgm:txLinClrLst/>
+    <dgm:txFillClrLst/>
+    <dgm:txEffectClrLst/>
+  </dgm:styleLbl>
+  <dgm:styleLbl name="parChTrans2D4">
+    <dgm:fillClrLst meth="repeat">
+      <a:schemeClr val="accent5"/>
+    </dgm:fillClrLst>
+    <dgm:linClrLst meth="repeat">
+      <a:schemeClr val="lt1"/>
+    </dgm:linClrLst>
+    <dgm:effectClrLst/>
+    <dgm:txLinClrLst/>
+    <dgm:txFillClrLst meth="repeat">
+      <a:schemeClr val="lt1"/>
+    </dgm:txFillClrLst>
+    <dgm:txEffectClrLst/>
+  </dgm:styleLbl>
+  <dgm:styleLbl name="parChTrans1D1">
+    <dgm:fillClrLst meth="repeat">
+      <a:schemeClr val="accent2"/>
+    </dgm:fillClrLst>
+    <dgm:linClrLst meth="repeat">
+      <a:schemeClr val="accent2"/>
+    </dgm:linClrLst>
+    <dgm:effectClrLst/>
+    <dgm:txLinClrLst/>
+    <dgm:txFillClrLst meth="repeat">
+      <a:schemeClr val="tx1"/>
+    </dgm:txFillClrLst>
+    <dgm:txEffectClrLst/>
+  </dgm:styleLbl>
+  <dgm:styleLbl name="parChTrans1D2">
+    <dgm:fillClrLst meth="repeat">
+      <a:schemeClr val="accent2">
+        <a:tint val="90000"/>
+      </a:schemeClr>
+    </dgm:fillClrLst>
+    <dgm:linClrLst meth="repeat">
+      <a:schemeClr val="accent3"/>
+    </dgm:linClrLst>
+    <dgm:effectClrLst/>
+    <dgm:txLinClrLst/>
+    <dgm:txFillClrLst meth="repeat">
+      <a:schemeClr val="tx1"/>
+    </dgm:txFillClrLst>
+    <dgm:txEffectClrLst/>
+  </dgm:styleLbl>
+  <dgm:styleLbl name="parChTrans1D3">
+    <dgm:fillClrLst meth="repeat">
+      <a:schemeClr val="accent2">
+        <a:tint val="70000"/>
+      </a:schemeClr>
+    </dgm:fillClrLst>
+    <dgm:linClrLst meth="repeat">
+      <a:schemeClr val="accent4"/>
+    </dgm:linClrLst>
+    <dgm:effectClrLst/>
+    <dgm:txLinClrLst/>
+    <dgm:txFillClrLst meth="repeat">
+      <a:schemeClr val="tx1"/>
+    </dgm:txFillClrLst>
+    <dgm:txEffectClrLst/>
+  </dgm:styleLbl>
+  <dgm:styleLbl name="parChTrans1D4">
+    <dgm:fillClrLst meth="repeat">
+      <a:schemeClr val="accent2">
+        <a:tint val="50000"/>
+      </a:schemeClr>
+    </dgm:fillClrLst>
+    <dgm:linClrLst meth="repeat">
+      <a:schemeClr val="accent5"/>
+    </dgm:linClrLst>
+    <dgm:effectClrLst/>
+    <dgm:txLinClrLst/>
+    <dgm:txFillClrLst meth="repeat">
+      <a:schemeClr val="tx1"/>
+    </dgm:txFillClrLst>
+    <dgm:txEffectClrLst/>
+  </dgm:styleLbl>
+  <dgm:styleLbl name="fgAcc1">
+    <dgm:fillClrLst meth="repeat">
+      <a:schemeClr val="lt1">
+        <a:alpha val="90000"/>
+      </a:schemeClr>
+    </dgm:fillClrLst>
+    <dgm:linClrLst>
+      <a:schemeClr val="accent2"/>
+      <a:schemeClr val="accent3"/>
+    </dgm:linClrLst>
+    <dgm:effectClrLst/>
+    <dgm:txLinClrLst/>
+    <dgm:txFillClrLst meth="repeat">
+      <a:schemeClr val="dk1"/>
+    </dgm:txFillClrLst>
+    <dgm:txEffectClrLst/>
+  </dgm:styleLbl>
+  <dgm:styleLbl name="conFgAcc1">
+    <dgm:fillClrLst meth="repeat">
+      <a:schemeClr val="lt1">
+        <a:alpha val="90000"/>
+      </a:schemeClr>
+    </dgm:fillClrLst>
+    <dgm:linClrLst>
+      <a:schemeClr val="accent2"/>
+      <a:schemeClr val="accent3"/>
+    </dgm:linClrLst>
+    <dgm:effectClrLst/>
+    <dgm:txLinClrLst/>
+    <dgm:txFillClrLst meth="repeat">
+      <a:schemeClr val="dk1"/>
+    </dgm:txFillClrLst>
+    <dgm:txEffectClrLst/>
+  </dgm:styleLbl>
+  <dgm:styleLbl name="alignAcc1">
+    <dgm:fillClrLst meth="repeat">
+      <a:schemeClr val="lt1">
+        <a:alpha val="90000"/>
+      </a:schemeClr>
+    </dgm:fillClrLst>
+    <dgm:linClrLst>
+      <a:schemeClr val="accent2"/>
+      <a:schemeClr val="accent3"/>
+    </dgm:linClrLst>
+    <dgm:effectClrLst/>
+    <dgm:txLinClrLst/>
+    <dgm:txFillClrLst meth="repeat">
+      <a:schemeClr val="dk1"/>
+    </dgm:txFillClrLst>
+    <dgm:txEffectClrLst/>
+  </dgm:styleLbl>
+  <dgm:styleLbl name="trAlignAcc1">
+    <dgm:fillClrLst meth="repeat">
+      <a:schemeClr val="lt1">
+        <a:alpha val="40000"/>
+      </a:schemeClr>
+    </dgm:fillClrLst>
+    <dgm:linClrLst meth="repeat">
+      <a:schemeClr val="accent2"/>
+    </dgm:linClrLst>
+    <dgm:effectClrLst/>
+    <dgm:txLinClrLst/>
+    <dgm:txFillClrLst meth="repeat">
+      <a:schemeClr val="dk1"/>
+    </dgm:txFillClrLst>
+    <dgm:txEffectClrLst/>
+  </dgm:styleLbl>
+  <dgm:styleLbl name="bgAcc1">
+    <dgm:fillClrLst meth="repeat">
+      <a:schemeClr val="lt1">
+        <a:alpha val="90000"/>
+      </a:schemeClr>
+    </dgm:fillClrLst>
+    <dgm:linClrLst>
+      <a:schemeClr val="accent2"/>
+      <a:schemeClr val="accent3"/>
+    </dgm:linClrLst>
+    <dgm:effectClrLst/>
+    <dgm:txLinClrLst/>
+    <dgm:txFillClrLst meth="repeat">
+      <a:schemeClr val="dk1"/>
+    </dgm:txFillClrLst>
+    <dgm:txEffectClrLst/>
+  </dgm:styleLbl>
+  <dgm:styleLbl name="solidFgAcc1">
+    <dgm:fillClrLst meth="repeat">
+      <a:schemeClr val="lt1"/>
+    </dgm:fillClrLst>
+    <dgm:linClrLst>
+      <a:schemeClr val="accent2"/>
+      <a:schemeClr val="accent3"/>
+    </dgm:linClrLst>
+    <dgm:effectClrLst/>
+    <dgm:txLinClrLst/>
+    <dgm:txFillClrLst meth="repeat">
+      <a:schemeClr val="dk1"/>
+    </dgm:txFillClrLst>
+    <dgm:txEffectClrLst/>
+  </dgm:styleLbl>
+  <dgm:styleLbl name="solidAlignAcc1">
+    <dgm:fillClrLst meth="repeat">
+      <a:schemeClr val="lt1"/>
+    </dgm:fillClrLst>
+    <dgm:linClrLst>
+      <a:schemeClr val="accent2"/>
+      <a:schemeClr val="accent3"/>
+    </dgm:linClrLst>
+    <dgm:effectClrLst/>
+    <dgm:txLinClrLst/>
+    <dgm:txFillClrLst meth="repeat">
+      <a:schemeClr val="dk1"/>
+    </dgm:txFillClrLst>
+    <dgm:txEffectClrLst/>
+  </dgm:styleLbl>
+  <dgm:styleLbl name="solidBgAcc1">
+    <dgm:fillClrLst meth="repeat">
+      <a:schemeClr val="lt1"/>
+    </dgm:fillClrLst>
+    <dgm:linClrLst>
+      <a:schemeClr val="accent2"/>
+      <a:schemeClr val="accent3"/>
+    </dgm:linClrLst>
+    <dgm:effectClrLst/>
+    <dgm:txLinClrLst/>
+    <dgm:txFillClrLst meth="repeat">
+      <a:schemeClr val="dk1"/>
+    </dgm:txFillClrLst>
+    <dgm:txEffectClrLst/>
+  </dgm:styleLbl>
+  <dgm:styleLbl name="fgAccFollowNode1">
+    <dgm:fillClrLst>
+      <a:schemeClr val="accent2">
+        <a:tint val="40000"/>
+        <a:alpha val="90000"/>
+      </a:schemeClr>
+      <a:schemeClr val="accent3">
+        <a:tint val="40000"/>
+        <a:alpha val="90000"/>
+      </a:schemeClr>
+    </dgm:fillClrLst>
+    <dgm:linClrLst>
+      <a:schemeClr val="accent2">
+        <a:tint val="40000"/>
+        <a:alpha val="90000"/>
+      </a:schemeClr>
+      <a:schemeClr val="accent3">
+        <a:tint val="40000"/>
+        <a:alpha val="90000"/>
+      </a:schemeClr>
+    </dgm:linClrLst>
+    <dgm:effectClrLst/>
+    <dgm:txLinClrLst/>
+    <dgm:txFillClrLst meth="repeat">
+      <a:schemeClr val="dk1"/>
+    </dgm:txFillClrLst>
+    <dgm:txEffectClrLst/>
+  </dgm:styleLbl>
+  <dgm:styleLbl name="alignAccFollowNode1">
+    <dgm:fillClrLst>
+      <a:schemeClr val="accent2">
+        <a:tint val="40000"/>
+        <a:alpha val="90000"/>
+      </a:schemeClr>
+      <a:schemeClr val="accent3">
+        <a:tint val="40000"/>
+        <a:alpha val="90000"/>
+      </a:schemeClr>
+    </dgm:fillClrLst>
+    <dgm:linClrLst>
+      <a:schemeClr val="accent2">
+        <a:tint val="40000"/>
+        <a:alpha val="90000"/>
+      </a:schemeClr>
+      <a:schemeClr val="accent3">
+        <a:tint val="40000"/>
+        <a:alpha val="90000"/>
+      </a:schemeClr>
+    </dgm:linClrLst>
+    <dgm:effectClrLst/>
+    <dgm:txLinClrLst/>
+    <dgm:txFillClrLst meth="repeat">
+      <a:schemeClr val="dk1"/>
+    </dgm:txFillClrLst>
+    <dgm:txEffectClrLst/>
+  </dgm:styleLbl>
+  <dgm:styleLbl name="bgAccFollowNode1">
+    <dgm:fillClrLst>
+      <a:schemeClr val="accent2">
+        <a:tint val="40000"/>
+        <a:alpha val="90000"/>
+      </a:schemeClr>
+      <a:schemeClr val="accent3">
+        <a:tint val="40000"/>
+        <a:alpha val="90000"/>
+      </a:schemeClr>
+    </dgm:fillClrLst>
+    <dgm:linClrLst>
+      <a:schemeClr val="accent2">
+        <a:tint val="40000"/>
+        <a:alpha val="90000"/>
+      </a:schemeClr>
+      <a:schemeClr val="accent3">
+        <a:tint val="40000"/>
+        <a:alpha val="90000"/>
+      </a:schemeClr>
+    </dgm:linClrLst>
+    <dgm:effectClrLst/>
+    <dgm:txLinClrLst/>
+    <dgm:txFillClrLst meth="repeat">
+      <a:schemeClr val="dk1"/>
+    </dgm:txFillClrLst>
+    <dgm:txEffectClrLst/>
+  </dgm:styleLbl>
+  <dgm:styleLbl name="fgAcc0">
+    <dgm:fillClrLst meth="repeat">
+      <a:schemeClr val="lt1">
+        <a:alpha val="90000"/>
+      </a:schemeClr>
+    </dgm:fillClrLst>
+    <dgm:linClrLst>
+      <a:schemeClr val="accent1"/>
+    </dgm:linClrLst>
+    <dgm:effectClrLst/>
+    <dgm:txLinClrLst/>
+    <dgm:txFillClrLst meth="repeat">
+      <a:schemeClr val="dk1"/>
+    </dgm:txFillClrLst>
+    <dgm:txEffectClrLst/>
+  </dgm:styleLbl>
+  <dgm:styleLbl name="fgAcc2">
+    <dgm:fillClrLst meth="repeat">
+      <a:schemeClr val="lt1">
+        <a:alpha val="90000"/>
+      </a:schemeClr>
+    </dgm:fillClrLst>
+    <dgm:linClrLst>
+      <a:schemeClr val="accent3"/>
+    </dgm:linClrLst>
+    <dgm:effectClrLst/>
+    <dgm:txLinClrLst/>
+    <dgm:txFillClrLst meth="repeat">
+      <a:schemeClr val="dk1"/>
+    </dgm:txFillClrLst>
+    <dgm:txEffectClrLst/>
+  </dgm:styleLbl>
+  <dgm:styleLbl name="fgAcc3">
+    <dgm:fillClrLst meth="repeat">
+      <a:schemeClr val="lt1">
+        <a:alpha val="90000"/>
+      </a:schemeClr>
+    </dgm:fillClrLst>
+    <dgm:linClrLst>
+      <a:schemeClr val="accent4"/>
+    </dgm:linClrLst>
+    <dgm:effectClrLst/>
+    <dgm:txLinClrLst/>
+    <dgm:txFillClrLst meth="repeat">
+      <a:schemeClr val="dk1"/>
+    </dgm:txFillClrLst>
+    <dgm:txEffectClrLst/>
+  </dgm:styleLbl>
+  <dgm:styleLbl name="fgAcc4">
+    <dgm:fillClrLst meth="repeat">
+      <a:schemeClr val="lt1">
+        <a:alpha val="90000"/>
+      </a:schemeClr>
+    </dgm:fillClrLst>
+    <dgm:linClrLst>
+      <a:schemeClr val="accent5"/>
+    </dgm:linClrLst>
+    <dgm:effectClrLst/>
+    <dgm:txLinClrLst/>
+    <dgm:txFillClrLst meth="repeat">
+      <a:schemeClr val="dk1"/>
+    </dgm:txFillClrLst>
+    <dgm:txEffectClrLst/>
+  </dgm:styleLbl>
+  <dgm:styleLbl name="bgShp">
+    <dgm:fillClrLst meth="repeat">
+      <a:schemeClr val="accent2">
+        <a:tint val="40000"/>
+      </a:schemeClr>
+    </dgm:fillClrLst>
+    <dgm:linClrLst meth="repeat">
+      <a:schemeClr val="dk1"/>
+    </dgm:linClrLst>
+    <dgm:effectClrLst/>
+    <dgm:txLinClrLst/>
+    <dgm:txFillClrLst meth="repeat">
+      <a:schemeClr val="dk1"/>
+    </dgm:txFillClrLst>
+    <dgm:txEffectClrLst/>
+  </dgm:styleLbl>
+  <dgm:styleLbl name="dkBgShp">
+    <dgm:fillClrLst meth="repeat">
+      <a:schemeClr val="accent2">
+        <a:shade val="90000"/>
+      </a:schemeClr>
+    </dgm:fillClrLst>
+    <dgm:linClrLst meth="repeat">
+      <a:schemeClr val="dk1"/>
+    </dgm:linClrLst>
+    <dgm:effectClrLst/>
+    <dgm:txLinClrLst/>
+    <dgm:txFillClrLst meth="repeat">
+      <a:schemeClr val="lt1"/>
+    </dgm:txFillClrLst>
+    <dgm:txEffectClrLst/>
+  </dgm:styleLbl>
+  <dgm:styleLbl name="trBgShp">
+    <dgm:fillClrLst meth="repeat">
+      <a:schemeClr val="accent2">
+        <a:tint val="50000"/>
+        <a:alpha val="40000"/>
+      </a:schemeClr>
+    </dgm:fillClrLst>
+    <dgm:linClrLst meth="repeat">
+      <a:schemeClr val="accent2"/>
+    </dgm:linClrLst>
+    <dgm:effectClrLst/>
+    <dgm:txLinClrLst/>
+    <dgm:txFillClrLst meth="repeat">
+      <a:schemeClr val="lt1"/>
+    </dgm:txFillClrLst>
+    <dgm:txEffectClrLst/>
+  </dgm:styleLbl>
+  <dgm:styleLbl name="fgShp">
+    <dgm:fillClrLst meth="repeat">
+      <a:schemeClr val="accent2">
+        <a:tint val="40000"/>
+      </a:schemeClr>
+    </dgm:fillClrLst>
+    <dgm:linClrLst meth="repeat">
+      <a:schemeClr val="lt1"/>
+    </dgm:linClrLst>
+    <dgm:effectClrLst/>
+    <dgm:txLinClrLst/>
+    <dgm:txFillClrLst meth="repeat">
+      <a:schemeClr val="dk1"/>
+    </dgm:txFillClrLst>
+    <dgm:txEffectClrLst/>
+  </dgm:styleLbl>
+  <dgm:styleLbl name="revTx">
+    <dgm:fillClrLst meth="repeat">
+      <a:schemeClr val="lt1">
+        <a:alpha val="0"/>
+      </a:schemeClr>
+    </dgm:fillClrLst>
+    <dgm:linClrLst meth="repeat">
+      <a:schemeClr val="dk1">
+        <a:alpha val="0"/>
+      </a:schemeClr>
+    </dgm:linClrLst>
+    <dgm:effectClrLst/>
+    <dgm:txLinClrLst/>
+    <dgm:txFillClrLst meth="repeat">
+      <a:schemeClr val="tx1"/>
+    </dgm:txFillClrLst>
+    <dgm:txEffectClrLst/>
+  </dgm:styleLbl>
+</dgm:colorsDef>
+</file>
+
+<file path=ppt/diagrams/colors2.xml><?xml version="1.0" encoding="utf-8"?>
 <dgm:colorsDef xmlns:dgm="http://schemas.openxmlformats.org/drawingml/2006/diagram" xmlns:a="http://schemas.openxmlformats.org/drawingml/2006/main" uniqueId="urn:microsoft.com/office/officeart/2005/8/colors/colorful3">
   <dgm:title val=""/>
   <dgm:desc val=""/>
@@ -937,6 +1721,587 @@
 </file>
 
 <file path=ppt/diagrams/data1.xml><?xml version="1.0" encoding="utf-8"?>
+<dgm:dataModel xmlns:dgm="http://schemas.openxmlformats.org/drawingml/2006/diagram" xmlns:a="http://schemas.openxmlformats.org/drawingml/2006/main">
+  <dgm:ptLst>
+    <dgm:pt modelId="{59FB3EFA-349F-4D1D-B8B2-3AE77D863EA3}" type="doc">
+      <dgm:prSet loTypeId="urn:microsoft.com/office/officeart/2005/8/layout/vProcess5" loCatId="process" qsTypeId="urn:microsoft.com/office/officeart/2005/8/quickstyle/simple1" qsCatId="simple" csTypeId="urn:microsoft.com/office/officeart/2005/8/colors/colorful2" csCatId="colorful" phldr="1"/>
+      <dgm:spPr/>
+      <dgm:t>
+        <a:bodyPr/>
+        <a:lstStyle/>
+        <a:p>
+          <a:endParaRPr lang="es-ES"/>
+        </a:p>
+      </dgm:t>
+    </dgm:pt>
+    <dgm:pt modelId="{E92DD4FE-BAC5-4C5B-8E50-48D19F00E382}">
+      <dgm:prSet phldrT="[Texto]" custT="1"/>
+      <dgm:spPr/>
+      <dgm:t>
+        <a:bodyPr/>
+        <a:lstStyle/>
+        <a:p>
+          <a:pPr algn="just"/>
+          <a:r>
+            <a:rPr lang="es-PE" sz="1000" dirty="0" smtClean="0"/>
+            <a:t>Decreto Supremo Nº 005-2003-JUS. Se crea la Comisión Especial de Alto Nivel para proponer las modificaciones y mecanismos legales de implementación del nuevo Código Procesal Penal.</a:t>
+          </a:r>
+          <a:endParaRPr lang="es-ES" sz="1000" dirty="0"/>
+        </a:p>
+      </dgm:t>
+    </dgm:pt>
+    <dgm:pt modelId="{46AABA2F-FDFD-48FC-8F2D-01644144E630}" type="parTrans" cxnId="{08137D0E-18E8-4E2B-9453-85EC64E55E4D}">
+      <dgm:prSet/>
+      <dgm:spPr/>
+      <dgm:t>
+        <a:bodyPr/>
+        <a:lstStyle/>
+        <a:p>
+          <a:pPr algn="just"/>
+          <a:endParaRPr lang="es-ES" sz="2000"/>
+        </a:p>
+      </dgm:t>
+    </dgm:pt>
+    <dgm:pt modelId="{7DBD4D5A-81AB-48D3-92BE-EA737777DC66}" type="sibTrans" cxnId="{08137D0E-18E8-4E2B-9453-85EC64E55E4D}">
+      <dgm:prSet custT="1"/>
+      <dgm:spPr/>
+      <dgm:t>
+        <a:bodyPr/>
+        <a:lstStyle/>
+        <a:p>
+          <a:pPr algn="just"/>
+          <a:endParaRPr lang="es-ES" sz="2400"/>
+        </a:p>
+      </dgm:t>
+    </dgm:pt>
+    <dgm:pt modelId="{F292E73C-F1E9-4CFE-B963-9BA2DCF300E8}">
+      <dgm:prSet phldrT="[Texto]" custT="1"/>
+      <dgm:spPr/>
+      <dgm:t>
+        <a:bodyPr/>
+        <a:lstStyle/>
+        <a:p>
+          <a:pPr algn="just"/>
+          <a:r>
+            <a:rPr lang="es-PE" sz="1000" dirty="0" smtClean="0"/>
+            <a:t>Decreto Legislativo Nº 957. Se promulgó el Nuevo Código Procesal Penal.</a:t>
+          </a:r>
+          <a:endParaRPr lang="es-ES" sz="1000" dirty="0"/>
+        </a:p>
+      </dgm:t>
+    </dgm:pt>
+    <dgm:pt modelId="{1397905D-4CC6-4FC2-BADC-D9B90EBB5A50}" type="parTrans" cxnId="{7FD122FB-AEC9-44D9-8DCD-64584A93202A}">
+      <dgm:prSet/>
+      <dgm:spPr/>
+      <dgm:t>
+        <a:bodyPr/>
+        <a:lstStyle/>
+        <a:p>
+          <a:pPr algn="just"/>
+          <a:endParaRPr lang="es-ES" sz="2000"/>
+        </a:p>
+      </dgm:t>
+    </dgm:pt>
+    <dgm:pt modelId="{EC084870-9B49-4EDC-895F-867C26C5F5A3}" type="sibTrans" cxnId="{7FD122FB-AEC9-44D9-8DCD-64584A93202A}">
+      <dgm:prSet custT="1"/>
+      <dgm:spPr/>
+      <dgm:t>
+        <a:bodyPr/>
+        <a:lstStyle/>
+        <a:p>
+          <a:pPr algn="just"/>
+          <a:endParaRPr lang="es-ES" sz="2400"/>
+        </a:p>
+      </dgm:t>
+    </dgm:pt>
+    <dgm:pt modelId="{80AB9F0F-EF8F-4946-83ED-FBC8BF8E15F3}">
+      <dgm:prSet phldrT="[Texto]" custT="1"/>
+      <dgm:spPr/>
+      <dgm:t>
+        <a:bodyPr/>
+        <a:lstStyle/>
+        <a:p>
+          <a:pPr algn="just"/>
+          <a:r>
+            <a:rPr lang="es-PE" sz="1000" dirty="0" smtClean="0"/>
+            <a:t>Decreto Supremo N° 003- 2014-JUS. Se decreta que una de las atribuciones de dicha Comisión Especial es elaborar el Calendario Oficial de Aplicación Progresiva del citado código.</a:t>
+          </a:r>
+          <a:endParaRPr lang="es-ES" sz="1000" dirty="0"/>
+        </a:p>
+      </dgm:t>
+    </dgm:pt>
+    <dgm:pt modelId="{B097E492-590E-4AF8-8860-827FF6BA1B0A}" type="parTrans" cxnId="{61E55817-96A1-4C99-9C0A-AE534446F4C1}">
+      <dgm:prSet/>
+      <dgm:spPr/>
+      <dgm:t>
+        <a:bodyPr/>
+        <a:lstStyle/>
+        <a:p>
+          <a:pPr algn="just"/>
+          <a:endParaRPr lang="es-ES" sz="2000"/>
+        </a:p>
+      </dgm:t>
+    </dgm:pt>
+    <dgm:pt modelId="{9DE92422-99B3-4324-95DB-7D87B2F2EB0B}" type="sibTrans" cxnId="{61E55817-96A1-4C99-9C0A-AE534446F4C1}">
+      <dgm:prSet custT="1"/>
+      <dgm:spPr/>
+      <dgm:t>
+        <a:bodyPr/>
+        <a:lstStyle/>
+        <a:p>
+          <a:pPr algn="just"/>
+          <a:endParaRPr lang="es-ES" sz="2400"/>
+        </a:p>
+      </dgm:t>
+    </dgm:pt>
+    <dgm:pt modelId="{2E25FED3-9E1E-499D-AD6D-3D1CD41183CA}">
+      <dgm:prSet phldrT="[Texto]" custT="1"/>
+      <dgm:spPr/>
+      <dgm:t>
+        <a:bodyPr/>
+        <a:lstStyle/>
+        <a:p>
+          <a:pPr algn="just"/>
+          <a:r>
+            <a:rPr lang="es-PE" sz="1100" dirty="0" smtClean="0"/>
+            <a:t>Decreto Supremo Nº 015-2017-JUS. El Calendario Oficial de Aplicación Progresiva del Código Procesal Penal es el siguiente:</a:t>
+          </a:r>
+          <a:endParaRPr lang="es-ES" sz="1100" dirty="0"/>
+        </a:p>
+      </dgm:t>
+    </dgm:pt>
+    <dgm:pt modelId="{B69DF7B3-0D0F-4616-9DF8-46B6B64EF4B3}" type="parTrans" cxnId="{5D5FC2C3-0D5F-4C7F-8C77-E303C9BBD72E}">
+      <dgm:prSet/>
+      <dgm:spPr/>
+      <dgm:t>
+        <a:bodyPr/>
+        <a:lstStyle/>
+        <a:p>
+          <a:pPr algn="just"/>
+          <a:endParaRPr lang="es-ES" sz="2000"/>
+        </a:p>
+      </dgm:t>
+    </dgm:pt>
+    <dgm:pt modelId="{30CE0F28-0959-4D36-82ED-0E8BD5B61AB3}" type="sibTrans" cxnId="{5D5FC2C3-0D5F-4C7F-8C77-E303C9BBD72E}">
+      <dgm:prSet custT="1"/>
+      <dgm:spPr/>
+      <dgm:t>
+        <a:bodyPr/>
+        <a:lstStyle/>
+        <a:p>
+          <a:pPr algn="just"/>
+          <a:endParaRPr lang="es-ES" sz="2400"/>
+        </a:p>
+      </dgm:t>
+    </dgm:pt>
+    <dgm:pt modelId="{90E92987-8CCD-498A-9A17-899D04D2AA96}">
+      <dgm:prSet custT="1"/>
+      <dgm:spPr/>
+      <dgm:t>
+        <a:bodyPr/>
+        <a:lstStyle/>
+        <a:p>
+          <a:pPr algn="just"/>
+          <a:r>
+            <a:rPr lang="es-PE" sz="1000" dirty="0" smtClean="0"/>
+            <a:t>Año 2017: El Callao. Año 2018: Lima Norte. Año 2019: Lima Este. Año 2020: Lima Sur y Lima Centro.</a:t>
+          </a:r>
+          <a:endParaRPr lang="es-PE" sz="1000" dirty="0"/>
+        </a:p>
+      </dgm:t>
+    </dgm:pt>
+    <dgm:pt modelId="{E2F106FF-60A0-4A81-9608-5D30227661D8}" type="parTrans" cxnId="{3AA9FC6F-6B4B-4D17-93EF-4215F7DA1AC0}">
+      <dgm:prSet/>
+      <dgm:spPr/>
+      <dgm:t>
+        <a:bodyPr/>
+        <a:lstStyle/>
+        <a:p>
+          <a:pPr algn="just"/>
+          <a:endParaRPr lang="es-ES" sz="2000"/>
+        </a:p>
+      </dgm:t>
+    </dgm:pt>
+    <dgm:pt modelId="{8D349F4C-05CE-4219-BAB4-5199DEBF4368}" type="sibTrans" cxnId="{3AA9FC6F-6B4B-4D17-93EF-4215F7DA1AC0}">
+      <dgm:prSet/>
+      <dgm:spPr/>
+      <dgm:t>
+        <a:bodyPr/>
+        <a:lstStyle/>
+        <a:p>
+          <a:pPr algn="just"/>
+          <a:endParaRPr lang="es-ES" sz="2000"/>
+        </a:p>
+      </dgm:t>
+    </dgm:pt>
+    <dgm:pt modelId="{A488BD96-374D-4F24-908D-06C32C1DD0C6}">
+      <dgm:prSet custT="1"/>
+      <dgm:spPr/>
+      <dgm:t>
+        <a:bodyPr/>
+        <a:lstStyle/>
+        <a:p>
+          <a:pPr algn="just"/>
+          <a:r>
+            <a:rPr lang="es-PE" sz="1100" dirty="0" smtClean="0"/>
+            <a:t>Decreto Supremo N° 012-2019-JUS. Última modificación del calendario de aplicación del NCPP:</a:t>
+          </a:r>
+          <a:endParaRPr lang="es-PE" sz="1100" dirty="0"/>
+        </a:p>
+      </dgm:t>
+    </dgm:pt>
+    <dgm:pt modelId="{1ADBF0FE-549F-46D6-81D1-8B27D46BEDD3}" type="parTrans" cxnId="{5263928A-22C4-4A42-A256-7347A8BC6E90}">
+      <dgm:prSet/>
+      <dgm:spPr/>
+      <dgm:t>
+        <a:bodyPr/>
+        <a:lstStyle/>
+        <a:p>
+          <a:pPr algn="just"/>
+          <a:endParaRPr lang="es-ES" sz="2000"/>
+        </a:p>
+      </dgm:t>
+    </dgm:pt>
+    <dgm:pt modelId="{D25C51E2-9CCF-4987-B01F-CE2FEA889862}" type="sibTrans" cxnId="{5263928A-22C4-4A42-A256-7347A8BC6E90}">
+      <dgm:prSet/>
+      <dgm:spPr/>
+      <dgm:t>
+        <a:bodyPr/>
+        <a:lstStyle/>
+        <a:p>
+          <a:pPr algn="just"/>
+          <a:endParaRPr lang="es-ES" sz="2000"/>
+        </a:p>
+      </dgm:t>
+    </dgm:pt>
+    <dgm:pt modelId="{C5989249-98F0-4076-82A7-87793C8BEB20}">
+      <dgm:prSet custT="1"/>
+      <dgm:spPr/>
+      <dgm:t>
+        <a:bodyPr/>
+        <a:lstStyle/>
+        <a:p>
+          <a:pPr algn="just"/>
+          <a:r>
+            <a:rPr lang="es-PE" sz="1000" smtClean="0"/>
+            <a:t>Lima Este: 1 de octubre de 2019.Lima Sur y Lima Centro: 1 de julio de 2020.</a:t>
+          </a:r>
+          <a:endParaRPr lang="es-PE" sz="1000"/>
+        </a:p>
+      </dgm:t>
+    </dgm:pt>
+    <dgm:pt modelId="{2556EEC2-9FE5-4787-8B10-A55F252EBA27}" type="parTrans" cxnId="{5D1B991E-114F-48F7-88BA-7FA8E7CCAB9D}">
+      <dgm:prSet/>
+      <dgm:spPr/>
+      <dgm:t>
+        <a:bodyPr/>
+        <a:lstStyle/>
+        <a:p>
+          <a:pPr algn="just"/>
+          <a:endParaRPr lang="es-ES" sz="2000"/>
+        </a:p>
+      </dgm:t>
+    </dgm:pt>
+    <dgm:pt modelId="{8BF55B53-F9AA-4901-AE4C-1F0CED1B56A1}" type="sibTrans" cxnId="{5D1B991E-114F-48F7-88BA-7FA8E7CCAB9D}">
+      <dgm:prSet/>
+      <dgm:spPr/>
+      <dgm:t>
+        <a:bodyPr/>
+        <a:lstStyle/>
+        <a:p>
+          <a:pPr algn="just"/>
+          <a:endParaRPr lang="es-ES" sz="2000"/>
+        </a:p>
+      </dgm:t>
+    </dgm:pt>
+    <dgm:pt modelId="{E1887B73-297E-40C8-BA45-3DC86974196A}" type="pres">
+      <dgm:prSet presAssocID="{59FB3EFA-349F-4D1D-B8B2-3AE77D863EA3}" presName="outerComposite" presStyleCnt="0">
+        <dgm:presLayoutVars>
+          <dgm:chMax val="5"/>
+          <dgm:dir/>
+          <dgm:resizeHandles val="exact"/>
+        </dgm:presLayoutVars>
+      </dgm:prSet>
+      <dgm:spPr/>
+      <dgm:t>
+        <a:bodyPr/>
+        <a:lstStyle/>
+        <a:p>
+          <a:endParaRPr lang="es-ES"/>
+        </a:p>
+      </dgm:t>
+    </dgm:pt>
+    <dgm:pt modelId="{AEB687EE-69FD-4E23-96B0-D0A18738D85A}" type="pres">
+      <dgm:prSet presAssocID="{59FB3EFA-349F-4D1D-B8B2-3AE77D863EA3}" presName="dummyMaxCanvas" presStyleCnt="0">
+        <dgm:presLayoutVars/>
+      </dgm:prSet>
+      <dgm:spPr/>
+    </dgm:pt>
+    <dgm:pt modelId="{70B48280-A823-4712-B790-08891EB029A6}" type="pres">
+      <dgm:prSet presAssocID="{59FB3EFA-349F-4D1D-B8B2-3AE77D863EA3}" presName="FiveNodes_1" presStyleLbl="node1" presStyleIdx="0" presStyleCnt="5">
+        <dgm:presLayoutVars>
+          <dgm:bulletEnabled val="1"/>
+        </dgm:presLayoutVars>
+      </dgm:prSet>
+      <dgm:spPr/>
+      <dgm:t>
+        <a:bodyPr/>
+        <a:lstStyle/>
+        <a:p>
+          <a:endParaRPr lang="es-ES"/>
+        </a:p>
+      </dgm:t>
+    </dgm:pt>
+    <dgm:pt modelId="{C7DCDEC0-AFF3-4B69-9E5D-5C09C38F3682}" type="pres">
+      <dgm:prSet presAssocID="{59FB3EFA-349F-4D1D-B8B2-3AE77D863EA3}" presName="FiveNodes_2" presStyleLbl="node1" presStyleIdx="1" presStyleCnt="5">
+        <dgm:presLayoutVars>
+          <dgm:bulletEnabled val="1"/>
+        </dgm:presLayoutVars>
+      </dgm:prSet>
+      <dgm:spPr/>
+      <dgm:t>
+        <a:bodyPr/>
+        <a:lstStyle/>
+        <a:p>
+          <a:endParaRPr lang="es-ES"/>
+        </a:p>
+      </dgm:t>
+    </dgm:pt>
+    <dgm:pt modelId="{D7A1F6D1-73D3-43D6-A6E2-DD31C766E6B9}" type="pres">
+      <dgm:prSet presAssocID="{59FB3EFA-349F-4D1D-B8B2-3AE77D863EA3}" presName="FiveNodes_3" presStyleLbl="node1" presStyleIdx="2" presStyleCnt="5">
+        <dgm:presLayoutVars>
+          <dgm:bulletEnabled val="1"/>
+        </dgm:presLayoutVars>
+      </dgm:prSet>
+      <dgm:spPr/>
+      <dgm:t>
+        <a:bodyPr/>
+        <a:lstStyle/>
+        <a:p>
+          <a:endParaRPr lang="es-ES"/>
+        </a:p>
+      </dgm:t>
+    </dgm:pt>
+    <dgm:pt modelId="{2ECF53FB-1842-4D8C-9954-ABFEBACC7F20}" type="pres">
+      <dgm:prSet presAssocID="{59FB3EFA-349F-4D1D-B8B2-3AE77D863EA3}" presName="FiveNodes_4" presStyleLbl="node1" presStyleIdx="3" presStyleCnt="5">
+        <dgm:presLayoutVars>
+          <dgm:bulletEnabled val="1"/>
+        </dgm:presLayoutVars>
+      </dgm:prSet>
+      <dgm:spPr/>
+      <dgm:t>
+        <a:bodyPr/>
+        <a:lstStyle/>
+        <a:p>
+          <a:endParaRPr lang="es-ES"/>
+        </a:p>
+      </dgm:t>
+    </dgm:pt>
+    <dgm:pt modelId="{55569FAB-5F24-4945-8A61-AAC663C022F5}" type="pres">
+      <dgm:prSet presAssocID="{59FB3EFA-349F-4D1D-B8B2-3AE77D863EA3}" presName="FiveNodes_5" presStyleLbl="node1" presStyleIdx="4" presStyleCnt="5">
+        <dgm:presLayoutVars>
+          <dgm:bulletEnabled val="1"/>
+        </dgm:presLayoutVars>
+      </dgm:prSet>
+      <dgm:spPr/>
+      <dgm:t>
+        <a:bodyPr/>
+        <a:lstStyle/>
+        <a:p>
+          <a:endParaRPr lang="es-ES"/>
+        </a:p>
+      </dgm:t>
+    </dgm:pt>
+    <dgm:pt modelId="{6045E22E-8791-408D-B6DB-5B85A76620A3}" type="pres">
+      <dgm:prSet presAssocID="{59FB3EFA-349F-4D1D-B8B2-3AE77D863EA3}" presName="FiveConn_1-2" presStyleLbl="fgAccFollowNode1" presStyleIdx="0" presStyleCnt="4">
+        <dgm:presLayoutVars>
+          <dgm:bulletEnabled val="1"/>
+        </dgm:presLayoutVars>
+      </dgm:prSet>
+      <dgm:spPr/>
+      <dgm:t>
+        <a:bodyPr/>
+        <a:lstStyle/>
+        <a:p>
+          <a:endParaRPr lang="es-ES"/>
+        </a:p>
+      </dgm:t>
+    </dgm:pt>
+    <dgm:pt modelId="{742E155A-512C-4C7E-B380-1D9DC9B0B64B}" type="pres">
+      <dgm:prSet presAssocID="{59FB3EFA-349F-4D1D-B8B2-3AE77D863EA3}" presName="FiveConn_2-3" presStyleLbl="fgAccFollowNode1" presStyleIdx="1" presStyleCnt="4">
+        <dgm:presLayoutVars>
+          <dgm:bulletEnabled val="1"/>
+        </dgm:presLayoutVars>
+      </dgm:prSet>
+      <dgm:spPr/>
+      <dgm:t>
+        <a:bodyPr/>
+        <a:lstStyle/>
+        <a:p>
+          <a:endParaRPr lang="es-ES"/>
+        </a:p>
+      </dgm:t>
+    </dgm:pt>
+    <dgm:pt modelId="{B1CB7DA1-C05F-4F43-B38B-34D704B06413}" type="pres">
+      <dgm:prSet presAssocID="{59FB3EFA-349F-4D1D-B8B2-3AE77D863EA3}" presName="FiveConn_3-4" presStyleLbl="fgAccFollowNode1" presStyleIdx="2" presStyleCnt="4">
+        <dgm:presLayoutVars>
+          <dgm:bulletEnabled val="1"/>
+        </dgm:presLayoutVars>
+      </dgm:prSet>
+      <dgm:spPr/>
+      <dgm:t>
+        <a:bodyPr/>
+        <a:lstStyle/>
+        <a:p>
+          <a:endParaRPr lang="es-ES"/>
+        </a:p>
+      </dgm:t>
+    </dgm:pt>
+    <dgm:pt modelId="{96F149BF-BFE0-4A7E-B042-79C30A9D71F1}" type="pres">
+      <dgm:prSet presAssocID="{59FB3EFA-349F-4D1D-B8B2-3AE77D863EA3}" presName="FiveConn_4-5" presStyleLbl="fgAccFollowNode1" presStyleIdx="3" presStyleCnt="4">
+        <dgm:presLayoutVars>
+          <dgm:bulletEnabled val="1"/>
+        </dgm:presLayoutVars>
+      </dgm:prSet>
+      <dgm:spPr/>
+      <dgm:t>
+        <a:bodyPr/>
+        <a:lstStyle/>
+        <a:p>
+          <a:endParaRPr lang="es-ES"/>
+        </a:p>
+      </dgm:t>
+    </dgm:pt>
+    <dgm:pt modelId="{70393647-722F-4E2A-8FD8-16EED7885C0F}" type="pres">
+      <dgm:prSet presAssocID="{59FB3EFA-349F-4D1D-B8B2-3AE77D863EA3}" presName="FiveNodes_1_text" presStyleLbl="node1" presStyleIdx="4" presStyleCnt="5">
+        <dgm:presLayoutVars>
+          <dgm:bulletEnabled val="1"/>
+        </dgm:presLayoutVars>
+      </dgm:prSet>
+      <dgm:spPr/>
+      <dgm:t>
+        <a:bodyPr/>
+        <a:lstStyle/>
+        <a:p>
+          <a:endParaRPr lang="es-ES"/>
+        </a:p>
+      </dgm:t>
+    </dgm:pt>
+    <dgm:pt modelId="{832F158F-FF83-4782-B7E3-ADE9AA56AEE6}" type="pres">
+      <dgm:prSet presAssocID="{59FB3EFA-349F-4D1D-B8B2-3AE77D863EA3}" presName="FiveNodes_2_text" presStyleLbl="node1" presStyleIdx="4" presStyleCnt="5">
+        <dgm:presLayoutVars>
+          <dgm:bulletEnabled val="1"/>
+        </dgm:presLayoutVars>
+      </dgm:prSet>
+      <dgm:spPr/>
+      <dgm:t>
+        <a:bodyPr/>
+        <a:lstStyle/>
+        <a:p>
+          <a:endParaRPr lang="es-ES"/>
+        </a:p>
+      </dgm:t>
+    </dgm:pt>
+    <dgm:pt modelId="{67A667EB-73E0-4333-B581-8D13ED5EA51B}" type="pres">
+      <dgm:prSet presAssocID="{59FB3EFA-349F-4D1D-B8B2-3AE77D863EA3}" presName="FiveNodes_3_text" presStyleLbl="node1" presStyleIdx="4" presStyleCnt="5">
+        <dgm:presLayoutVars>
+          <dgm:bulletEnabled val="1"/>
+        </dgm:presLayoutVars>
+      </dgm:prSet>
+      <dgm:spPr/>
+      <dgm:t>
+        <a:bodyPr/>
+        <a:lstStyle/>
+        <a:p>
+          <a:endParaRPr lang="es-ES"/>
+        </a:p>
+      </dgm:t>
+    </dgm:pt>
+    <dgm:pt modelId="{35E330AC-4478-4D41-A4A0-7D568C5F842C}" type="pres">
+      <dgm:prSet presAssocID="{59FB3EFA-349F-4D1D-B8B2-3AE77D863EA3}" presName="FiveNodes_4_text" presStyleLbl="node1" presStyleIdx="4" presStyleCnt="5">
+        <dgm:presLayoutVars>
+          <dgm:bulletEnabled val="1"/>
+        </dgm:presLayoutVars>
+      </dgm:prSet>
+      <dgm:spPr/>
+      <dgm:t>
+        <a:bodyPr/>
+        <a:lstStyle/>
+        <a:p>
+          <a:endParaRPr lang="es-ES"/>
+        </a:p>
+      </dgm:t>
+    </dgm:pt>
+    <dgm:pt modelId="{DF1C37D2-6BAC-47F1-80EA-9206899E84BF}" type="pres">
+      <dgm:prSet presAssocID="{59FB3EFA-349F-4D1D-B8B2-3AE77D863EA3}" presName="FiveNodes_5_text" presStyleLbl="node1" presStyleIdx="4" presStyleCnt="5">
+        <dgm:presLayoutVars>
+          <dgm:bulletEnabled val="1"/>
+        </dgm:presLayoutVars>
+      </dgm:prSet>
+      <dgm:spPr/>
+      <dgm:t>
+        <a:bodyPr/>
+        <a:lstStyle/>
+        <a:p>
+          <a:endParaRPr lang="es-ES"/>
+        </a:p>
+      </dgm:t>
+    </dgm:pt>
+  </dgm:ptLst>
+  <dgm:cxnLst>
+    <dgm:cxn modelId="{F7931E49-7A3D-4306-A1D9-F549091B1DC4}" type="presOf" srcId="{2E25FED3-9E1E-499D-AD6D-3D1CD41183CA}" destId="{35E330AC-4478-4D41-A4A0-7D568C5F842C}" srcOrd="1" destOrd="0" presId="urn:microsoft.com/office/officeart/2005/8/layout/vProcess5"/>
+    <dgm:cxn modelId="{5D5FC2C3-0D5F-4C7F-8C77-E303C9BBD72E}" srcId="{59FB3EFA-349F-4D1D-B8B2-3AE77D863EA3}" destId="{2E25FED3-9E1E-499D-AD6D-3D1CD41183CA}" srcOrd="3" destOrd="0" parTransId="{B69DF7B3-0D0F-4616-9DF8-46B6B64EF4B3}" sibTransId="{30CE0F28-0959-4D36-82ED-0E8BD5B61AB3}"/>
+    <dgm:cxn modelId="{7FD122FB-AEC9-44D9-8DCD-64584A93202A}" srcId="{59FB3EFA-349F-4D1D-B8B2-3AE77D863EA3}" destId="{F292E73C-F1E9-4CFE-B963-9BA2DCF300E8}" srcOrd="1" destOrd="0" parTransId="{1397905D-4CC6-4FC2-BADC-D9B90EBB5A50}" sibTransId="{EC084870-9B49-4EDC-895F-867C26C5F5A3}"/>
+    <dgm:cxn modelId="{4850A475-93D3-4854-8939-9539A734941B}" type="presOf" srcId="{9DE92422-99B3-4324-95DB-7D87B2F2EB0B}" destId="{B1CB7DA1-C05F-4F43-B38B-34D704B06413}" srcOrd="0" destOrd="0" presId="urn:microsoft.com/office/officeart/2005/8/layout/vProcess5"/>
+    <dgm:cxn modelId="{B5B19694-7AE7-4DE4-9652-8FA2578E3AED}" type="presOf" srcId="{C5989249-98F0-4076-82A7-87793C8BEB20}" destId="{55569FAB-5F24-4945-8A61-AAC663C022F5}" srcOrd="0" destOrd="1" presId="urn:microsoft.com/office/officeart/2005/8/layout/vProcess5"/>
+    <dgm:cxn modelId="{55C80CAF-8E89-4991-8404-1F0DA4A0C7AD}" type="presOf" srcId="{A488BD96-374D-4F24-908D-06C32C1DD0C6}" destId="{55569FAB-5F24-4945-8A61-AAC663C022F5}" srcOrd="0" destOrd="0" presId="urn:microsoft.com/office/officeart/2005/8/layout/vProcess5"/>
+    <dgm:cxn modelId="{5263928A-22C4-4A42-A256-7347A8BC6E90}" srcId="{59FB3EFA-349F-4D1D-B8B2-3AE77D863EA3}" destId="{A488BD96-374D-4F24-908D-06C32C1DD0C6}" srcOrd="4" destOrd="0" parTransId="{1ADBF0FE-549F-46D6-81D1-8B27D46BEDD3}" sibTransId="{D25C51E2-9CCF-4987-B01F-CE2FEA889862}"/>
+    <dgm:cxn modelId="{E7BF5772-03F7-486E-9027-0F146B228E18}" type="presOf" srcId="{F292E73C-F1E9-4CFE-B963-9BA2DCF300E8}" destId="{C7DCDEC0-AFF3-4B69-9E5D-5C09C38F3682}" srcOrd="0" destOrd="0" presId="urn:microsoft.com/office/officeart/2005/8/layout/vProcess5"/>
+    <dgm:cxn modelId="{D3EC2B4B-076F-4FAF-ABF9-3B5446B84D50}" type="presOf" srcId="{C5989249-98F0-4076-82A7-87793C8BEB20}" destId="{DF1C37D2-6BAC-47F1-80EA-9206899E84BF}" srcOrd="1" destOrd="1" presId="urn:microsoft.com/office/officeart/2005/8/layout/vProcess5"/>
+    <dgm:cxn modelId="{CC566C3E-E390-4423-90C0-7F27A5EFA8A1}" type="presOf" srcId="{A488BD96-374D-4F24-908D-06C32C1DD0C6}" destId="{DF1C37D2-6BAC-47F1-80EA-9206899E84BF}" srcOrd="1" destOrd="0" presId="urn:microsoft.com/office/officeart/2005/8/layout/vProcess5"/>
+    <dgm:cxn modelId="{7A84F25D-0D7D-488C-906A-6E585F799B18}" type="presOf" srcId="{90E92987-8CCD-498A-9A17-899D04D2AA96}" destId="{35E330AC-4478-4D41-A4A0-7D568C5F842C}" srcOrd="1" destOrd="1" presId="urn:microsoft.com/office/officeart/2005/8/layout/vProcess5"/>
+    <dgm:cxn modelId="{0436FF03-5F52-46C1-AB0A-D370BDBD59FC}" type="presOf" srcId="{E92DD4FE-BAC5-4C5B-8E50-48D19F00E382}" destId="{70393647-722F-4E2A-8FD8-16EED7885C0F}" srcOrd="1" destOrd="0" presId="urn:microsoft.com/office/officeart/2005/8/layout/vProcess5"/>
+    <dgm:cxn modelId="{49B2C448-99A5-4A9C-9AC5-536FF4D212CC}" type="presOf" srcId="{80AB9F0F-EF8F-4946-83ED-FBC8BF8E15F3}" destId="{D7A1F6D1-73D3-43D6-A6E2-DD31C766E6B9}" srcOrd="0" destOrd="0" presId="urn:microsoft.com/office/officeart/2005/8/layout/vProcess5"/>
+    <dgm:cxn modelId="{A0300FF4-3D6C-4DA0-AF34-3806A3774A03}" type="presOf" srcId="{7DBD4D5A-81AB-48D3-92BE-EA737777DC66}" destId="{6045E22E-8791-408D-B6DB-5B85A76620A3}" srcOrd="0" destOrd="0" presId="urn:microsoft.com/office/officeart/2005/8/layout/vProcess5"/>
+    <dgm:cxn modelId="{CD1BD58A-F96F-4432-A53B-474825CFEBB0}" type="presOf" srcId="{F292E73C-F1E9-4CFE-B963-9BA2DCF300E8}" destId="{832F158F-FF83-4782-B7E3-ADE9AA56AEE6}" srcOrd="1" destOrd="0" presId="urn:microsoft.com/office/officeart/2005/8/layout/vProcess5"/>
+    <dgm:cxn modelId="{61E55817-96A1-4C99-9C0A-AE534446F4C1}" srcId="{59FB3EFA-349F-4D1D-B8B2-3AE77D863EA3}" destId="{80AB9F0F-EF8F-4946-83ED-FBC8BF8E15F3}" srcOrd="2" destOrd="0" parTransId="{B097E492-590E-4AF8-8860-827FF6BA1B0A}" sibTransId="{9DE92422-99B3-4324-95DB-7D87B2F2EB0B}"/>
+    <dgm:cxn modelId="{D5E6A317-7F1B-496E-9C41-73416C84D5D6}" type="presOf" srcId="{90E92987-8CCD-498A-9A17-899D04D2AA96}" destId="{2ECF53FB-1842-4D8C-9954-ABFEBACC7F20}" srcOrd="0" destOrd="1" presId="urn:microsoft.com/office/officeart/2005/8/layout/vProcess5"/>
+    <dgm:cxn modelId="{45059401-5588-4592-B564-B8F644286DC3}" type="presOf" srcId="{EC084870-9B49-4EDC-895F-867C26C5F5A3}" destId="{742E155A-512C-4C7E-B380-1D9DC9B0B64B}" srcOrd="0" destOrd="0" presId="urn:microsoft.com/office/officeart/2005/8/layout/vProcess5"/>
+    <dgm:cxn modelId="{3AA9FC6F-6B4B-4D17-93EF-4215F7DA1AC0}" srcId="{2E25FED3-9E1E-499D-AD6D-3D1CD41183CA}" destId="{90E92987-8CCD-498A-9A17-899D04D2AA96}" srcOrd="0" destOrd="0" parTransId="{E2F106FF-60A0-4A81-9608-5D30227661D8}" sibTransId="{8D349F4C-05CE-4219-BAB4-5199DEBF4368}"/>
+    <dgm:cxn modelId="{08137D0E-18E8-4E2B-9453-85EC64E55E4D}" srcId="{59FB3EFA-349F-4D1D-B8B2-3AE77D863EA3}" destId="{E92DD4FE-BAC5-4C5B-8E50-48D19F00E382}" srcOrd="0" destOrd="0" parTransId="{46AABA2F-FDFD-48FC-8F2D-01644144E630}" sibTransId="{7DBD4D5A-81AB-48D3-92BE-EA737777DC66}"/>
+    <dgm:cxn modelId="{5D1B991E-114F-48F7-88BA-7FA8E7CCAB9D}" srcId="{A488BD96-374D-4F24-908D-06C32C1DD0C6}" destId="{C5989249-98F0-4076-82A7-87793C8BEB20}" srcOrd="0" destOrd="0" parTransId="{2556EEC2-9FE5-4787-8B10-A55F252EBA27}" sibTransId="{8BF55B53-F9AA-4901-AE4C-1F0CED1B56A1}"/>
+    <dgm:cxn modelId="{A800323D-396C-4D3E-8F65-CBD754FD1253}" type="presOf" srcId="{E92DD4FE-BAC5-4C5B-8E50-48D19F00E382}" destId="{70B48280-A823-4712-B790-08891EB029A6}" srcOrd="0" destOrd="0" presId="urn:microsoft.com/office/officeart/2005/8/layout/vProcess5"/>
+    <dgm:cxn modelId="{EF38D731-B0F4-46B9-8C0B-D94BA14801B2}" type="presOf" srcId="{59FB3EFA-349F-4D1D-B8B2-3AE77D863EA3}" destId="{E1887B73-297E-40C8-BA45-3DC86974196A}" srcOrd="0" destOrd="0" presId="urn:microsoft.com/office/officeart/2005/8/layout/vProcess5"/>
+    <dgm:cxn modelId="{62D2923C-2205-477C-8F87-A359BEF05336}" type="presOf" srcId="{80AB9F0F-EF8F-4946-83ED-FBC8BF8E15F3}" destId="{67A667EB-73E0-4333-B581-8D13ED5EA51B}" srcOrd="1" destOrd="0" presId="urn:microsoft.com/office/officeart/2005/8/layout/vProcess5"/>
+    <dgm:cxn modelId="{9A48E190-95D6-4951-8C06-8BC7DF45207D}" type="presOf" srcId="{2E25FED3-9E1E-499D-AD6D-3D1CD41183CA}" destId="{2ECF53FB-1842-4D8C-9954-ABFEBACC7F20}" srcOrd="0" destOrd="0" presId="urn:microsoft.com/office/officeart/2005/8/layout/vProcess5"/>
+    <dgm:cxn modelId="{F4B92F3A-E2F7-4149-BB45-9F61BA72BCA5}" type="presOf" srcId="{30CE0F28-0959-4D36-82ED-0E8BD5B61AB3}" destId="{96F149BF-BFE0-4A7E-B042-79C30A9D71F1}" srcOrd="0" destOrd="0" presId="urn:microsoft.com/office/officeart/2005/8/layout/vProcess5"/>
+    <dgm:cxn modelId="{AF712822-1E78-4CF1-B4BF-BCCA160BA548}" type="presParOf" srcId="{E1887B73-297E-40C8-BA45-3DC86974196A}" destId="{AEB687EE-69FD-4E23-96B0-D0A18738D85A}" srcOrd="0" destOrd="0" presId="urn:microsoft.com/office/officeart/2005/8/layout/vProcess5"/>
+    <dgm:cxn modelId="{257CD58F-612E-4D5D-9C7E-6B0C1122BE80}" type="presParOf" srcId="{E1887B73-297E-40C8-BA45-3DC86974196A}" destId="{70B48280-A823-4712-B790-08891EB029A6}" srcOrd="1" destOrd="0" presId="urn:microsoft.com/office/officeart/2005/8/layout/vProcess5"/>
+    <dgm:cxn modelId="{6EB441D0-0D3B-4AC4-A194-BD3B6822EA5D}" type="presParOf" srcId="{E1887B73-297E-40C8-BA45-3DC86974196A}" destId="{C7DCDEC0-AFF3-4B69-9E5D-5C09C38F3682}" srcOrd="2" destOrd="0" presId="urn:microsoft.com/office/officeart/2005/8/layout/vProcess5"/>
+    <dgm:cxn modelId="{73B0DD63-7C43-4A10-8A12-59376AB7F75F}" type="presParOf" srcId="{E1887B73-297E-40C8-BA45-3DC86974196A}" destId="{D7A1F6D1-73D3-43D6-A6E2-DD31C766E6B9}" srcOrd="3" destOrd="0" presId="urn:microsoft.com/office/officeart/2005/8/layout/vProcess5"/>
+    <dgm:cxn modelId="{C05338E2-1D55-4179-A727-8B3E6EF275E0}" type="presParOf" srcId="{E1887B73-297E-40C8-BA45-3DC86974196A}" destId="{2ECF53FB-1842-4D8C-9954-ABFEBACC7F20}" srcOrd="4" destOrd="0" presId="urn:microsoft.com/office/officeart/2005/8/layout/vProcess5"/>
+    <dgm:cxn modelId="{6927FB33-A869-492E-908B-4D68140264D1}" type="presParOf" srcId="{E1887B73-297E-40C8-BA45-3DC86974196A}" destId="{55569FAB-5F24-4945-8A61-AAC663C022F5}" srcOrd="5" destOrd="0" presId="urn:microsoft.com/office/officeart/2005/8/layout/vProcess5"/>
+    <dgm:cxn modelId="{74CC942C-7D27-4783-A305-87F4B472F1AC}" type="presParOf" srcId="{E1887B73-297E-40C8-BA45-3DC86974196A}" destId="{6045E22E-8791-408D-B6DB-5B85A76620A3}" srcOrd="6" destOrd="0" presId="urn:microsoft.com/office/officeart/2005/8/layout/vProcess5"/>
+    <dgm:cxn modelId="{191236CD-B692-49EB-946B-3EF80D971C4B}" type="presParOf" srcId="{E1887B73-297E-40C8-BA45-3DC86974196A}" destId="{742E155A-512C-4C7E-B380-1D9DC9B0B64B}" srcOrd="7" destOrd="0" presId="urn:microsoft.com/office/officeart/2005/8/layout/vProcess5"/>
+    <dgm:cxn modelId="{A2724C60-E72B-4ECF-BD8D-209CCA1A9270}" type="presParOf" srcId="{E1887B73-297E-40C8-BA45-3DC86974196A}" destId="{B1CB7DA1-C05F-4F43-B38B-34D704B06413}" srcOrd="8" destOrd="0" presId="urn:microsoft.com/office/officeart/2005/8/layout/vProcess5"/>
+    <dgm:cxn modelId="{AAFFE377-9308-40D7-8452-23A515232653}" type="presParOf" srcId="{E1887B73-297E-40C8-BA45-3DC86974196A}" destId="{96F149BF-BFE0-4A7E-B042-79C30A9D71F1}" srcOrd="9" destOrd="0" presId="urn:microsoft.com/office/officeart/2005/8/layout/vProcess5"/>
+    <dgm:cxn modelId="{FF9CD1DC-0752-4C19-B063-3F7DADF2464D}" type="presParOf" srcId="{E1887B73-297E-40C8-BA45-3DC86974196A}" destId="{70393647-722F-4E2A-8FD8-16EED7885C0F}" srcOrd="10" destOrd="0" presId="urn:microsoft.com/office/officeart/2005/8/layout/vProcess5"/>
+    <dgm:cxn modelId="{2F2C9DC4-5BFE-4F44-A9B0-B47879239B89}" type="presParOf" srcId="{E1887B73-297E-40C8-BA45-3DC86974196A}" destId="{832F158F-FF83-4782-B7E3-ADE9AA56AEE6}" srcOrd="11" destOrd="0" presId="urn:microsoft.com/office/officeart/2005/8/layout/vProcess5"/>
+    <dgm:cxn modelId="{612DB0FC-8DA3-440C-8912-760F60F41821}" type="presParOf" srcId="{E1887B73-297E-40C8-BA45-3DC86974196A}" destId="{67A667EB-73E0-4333-B581-8D13ED5EA51B}" srcOrd="12" destOrd="0" presId="urn:microsoft.com/office/officeart/2005/8/layout/vProcess5"/>
+    <dgm:cxn modelId="{7A28FB62-2129-4842-9486-8A4E30A8CD97}" type="presParOf" srcId="{E1887B73-297E-40C8-BA45-3DC86974196A}" destId="{35E330AC-4478-4D41-A4A0-7D568C5F842C}" srcOrd="13" destOrd="0" presId="urn:microsoft.com/office/officeart/2005/8/layout/vProcess5"/>
+    <dgm:cxn modelId="{DC3218AF-F571-43AA-A524-E97AE4AA27D8}" type="presParOf" srcId="{E1887B73-297E-40C8-BA45-3DC86974196A}" destId="{DF1C37D2-6BAC-47F1-80EA-9206899E84BF}" srcOrd="14" destOrd="0" presId="urn:microsoft.com/office/officeart/2005/8/layout/vProcess5"/>
+  </dgm:cxnLst>
+  <dgm:bg/>
+  <dgm:whole/>
+  <dgm:extLst>
+    <a:ext uri="http://schemas.microsoft.com/office/drawing/2008/diagram">
+      <dsp:dataModelExt xmlns:dsp="http://schemas.microsoft.com/office/drawing/2008/diagram" relId="rId6" minVer="http://schemas.openxmlformats.org/drawingml/2006/diagram"/>
+    </a:ext>
+  </dgm:extLst>
+</dgm:dataModel>
+</file>
+
+<file path=ppt/diagrams/data2.xml><?xml version="1.0" encoding="utf-8"?>
 <dgm:dataModel xmlns:dgm="http://schemas.openxmlformats.org/drawingml/2006/diagram" xmlns:a="http://schemas.openxmlformats.org/drawingml/2006/main">
   <dgm:ptLst>
     <dgm:pt modelId="{31D2E157-ECA5-4190-B311-6F5FF2765926}" type="doc">
@@ -1186,6 +2551,13 @@
         </dgm:presLayoutVars>
       </dgm:prSet>
       <dgm:spPr/>
+      <dgm:t>
+        <a:bodyPr/>
+        <a:lstStyle/>
+        <a:p>
+          <a:endParaRPr lang="es-ES"/>
+        </a:p>
+      </dgm:t>
     </dgm:pt>
     <dgm:pt modelId="{5CB268AE-711E-4DC7-B141-694C384F7BA4}" type="pres">
       <dgm:prSet presAssocID="{4F373E5D-E021-4EE5-BA14-02DB17BFABD3}" presName="levelTx" presStyleLbl="revTx" presStyleIdx="0" presStyleCnt="0">
@@ -1195,6 +2567,13 @@
         </dgm:presLayoutVars>
       </dgm:prSet>
       <dgm:spPr/>
+      <dgm:t>
+        <a:bodyPr/>
+        <a:lstStyle/>
+        <a:p>
+          <a:endParaRPr lang="es-ES"/>
+        </a:p>
+      </dgm:t>
     </dgm:pt>
     <dgm:pt modelId="{70813EF8-6ED9-4E0D-A8D5-43D46F034ED8}" type="pres">
       <dgm:prSet presAssocID="{5B9A4EBA-7B9C-4027-9218-FC4BC9D37A42}" presName="Name8" presStyleCnt="0"/>
@@ -1244,6 +2623,13 @@
         </dgm:presLayoutVars>
       </dgm:prSet>
       <dgm:spPr/>
+      <dgm:t>
+        <a:bodyPr/>
+        <a:lstStyle/>
+        <a:p>
+          <a:endParaRPr lang="es-ES"/>
+        </a:p>
+      </dgm:t>
     </dgm:pt>
     <dgm:pt modelId="{4EFF7616-4C80-4133-8E95-557D8E8AC4DC}" type="pres">
       <dgm:prSet presAssocID="{7FD0F8EF-DD83-4018-8FEA-7721475B6EF8}" presName="levelTx" presStyleLbl="revTx" presStyleIdx="0" presStyleCnt="0">
@@ -1253,6 +2639,13 @@
         </dgm:presLayoutVars>
       </dgm:prSet>
       <dgm:spPr/>
+      <dgm:t>
+        <a:bodyPr/>
+        <a:lstStyle/>
+        <a:p>
+          <a:endParaRPr lang="es-ES"/>
+        </a:p>
+      </dgm:t>
     </dgm:pt>
     <dgm:pt modelId="{15BA12BC-0C69-4162-BE71-FD844D46EF7F}" type="pres">
       <dgm:prSet presAssocID="{8378F446-44C3-4CEB-8A59-E8488B2A60DA}" presName="Name8" presStyleCnt="0"/>
@@ -1292,22 +2685,22 @@
     </dgm:pt>
   </dgm:ptLst>
   <dgm:cxnLst>
+    <dgm:cxn modelId="{FE0270C2-E1E6-47C1-9B28-7D247AA33D14}" type="presOf" srcId="{5B9A4EBA-7B9C-4027-9218-FC4BC9D37A42}" destId="{05400A77-CE18-42BB-AD1C-C52361A25FBA}" srcOrd="1" destOrd="0" presId="urn:microsoft.com/office/officeart/2005/8/layout/pyramid1"/>
+    <dgm:cxn modelId="{C4C267A4-A38B-4F0D-8497-00C0AA8C399B}" type="presOf" srcId="{7FD0F8EF-DD83-4018-8FEA-7721475B6EF8}" destId="{4EFF7616-4C80-4133-8E95-557D8E8AC4DC}" srcOrd="1" destOrd="0" presId="urn:microsoft.com/office/officeart/2005/8/layout/pyramid1"/>
+    <dgm:cxn modelId="{B429039A-69EB-4890-9833-31F0AF0403D1}" type="presOf" srcId="{8378F446-44C3-4CEB-8A59-E8488B2A60DA}" destId="{4FB59874-48D4-485B-8602-CF3D67B21D96}" srcOrd="0" destOrd="0" presId="urn:microsoft.com/office/officeart/2005/8/layout/pyramid1"/>
+    <dgm:cxn modelId="{548F8383-0FD5-4654-BD34-673F332BF206}" srcId="{31D2E157-ECA5-4190-B311-6F5FF2765926}" destId="{C9609B18-F3AB-4590-A7D2-2DB5A56FB576}" srcOrd="0" destOrd="0" parTransId="{39F9D9CF-75DC-4608-BDF4-FCE4AE01AF22}" sibTransId="{6658005F-585E-4CCD-8A70-A54239093A5C}"/>
+    <dgm:cxn modelId="{9142C2CF-CB49-4C5D-ACC6-E9DDBDFA8085}" type="presOf" srcId="{C9609B18-F3AB-4590-A7D2-2DB5A56FB576}" destId="{1F9B6E5C-DC21-4F67-B48F-A157E8789D46}" srcOrd="1" destOrd="0" presId="urn:microsoft.com/office/officeart/2005/8/layout/pyramid1"/>
+    <dgm:cxn modelId="{F61BDA63-11B4-428D-BC29-ED379711CEC5}" type="presOf" srcId="{C9609B18-F3AB-4590-A7D2-2DB5A56FB576}" destId="{86E8BBA6-2BC8-4BD0-819C-91DF34B79140}" srcOrd="0" destOrd="0" presId="urn:microsoft.com/office/officeart/2005/8/layout/pyramid1"/>
+    <dgm:cxn modelId="{7A4C05AC-2F09-4E0F-9AEB-C0AE4BD137C2}" srcId="{31D2E157-ECA5-4190-B311-6F5FF2765926}" destId="{5B9A4EBA-7B9C-4027-9218-FC4BC9D37A42}" srcOrd="2" destOrd="0" parTransId="{E45603D1-99D1-4414-AF32-45E9C0158EFB}" sibTransId="{D0633CFE-8F4D-4370-BB06-AFDA727AC6BB}"/>
+    <dgm:cxn modelId="{36846B23-3FAF-4225-A6A7-373A1D162EA8}" type="presOf" srcId="{5B9A4EBA-7B9C-4027-9218-FC4BC9D37A42}" destId="{D1A94AE2-9252-4C6C-A22D-3577A9D669B6}" srcOrd="0" destOrd="0" presId="urn:microsoft.com/office/officeart/2005/8/layout/pyramid1"/>
+    <dgm:cxn modelId="{089FED2E-51DF-4E44-B0EC-6F719D495D27}" srcId="{31D2E157-ECA5-4190-B311-6F5FF2765926}" destId="{7FD0F8EF-DD83-4018-8FEA-7721475B6EF8}" srcOrd="3" destOrd="0" parTransId="{1F33372F-2D35-4C38-8D20-CA9390FEDEA8}" sibTransId="{2454C33F-ED62-4335-840F-0F1810AA1C7B}"/>
+    <dgm:cxn modelId="{BCF8DCCE-3702-4430-8790-D4F17CD6BD90}" type="presOf" srcId="{7FD0F8EF-DD83-4018-8FEA-7721475B6EF8}" destId="{DB24F4CC-4894-4964-99BB-467CC8F62729}" srcOrd="0" destOrd="0" presId="urn:microsoft.com/office/officeart/2005/8/layout/pyramid1"/>
+    <dgm:cxn modelId="{E83FFA9C-C89E-45EA-979A-AA941216A905}" srcId="{31D2E157-ECA5-4190-B311-6F5FF2765926}" destId="{8378F446-44C3-4CEB-8A59-E8488B2A60DA}" srcOrd="4" destOrd="0" parTransId="{3B28445E-05B8-4C36-A92D-EF256D46232B}" sibTransId="{BE9A88BF-B7D4-48D5-A3BD-952156E1FF0A}"/>
+    <dgm:cxn modelId="{E3EC8567-F466-4DD5-B62B-B8CAA4087763}" type="presOf" srcId="{8378F446-44C3-4CEB-8A59-E8488B2A60DA}" destId="{2CE34D54-020A-4C27-972B-E6F0124BA87A}" srcOrd="1" destOrd="0" presId="urn:microsoft.com/office/officeart/2005/8/layout/pyramid1"/>
     <dgm:cxn modelId="{994F5C3C-A944-4C5F-92BD-EA1CBE2010E5}" type="presOf" srcId="{4F373E5D-E021-4EE5-BA14-02DB17BFABD3}" destId="{5CB268AE-711E-4DC7-B141-694C384F7BA4}" srcOrd="1" destOrd="0" presId="urn:microsoft.com/office/officeart/2005/8/layout/pyramid1"/>
-    <dgm:cxn modelId="{36846B23-3FAF-4225-A6A7-373A1D162EA8}" type="presOf" srcId="{5B9A4EBA-7B9C-4027-9218-FC4BC9D37A42}" destId="{D1A94AE2-9252-4C6C-A22D-3577A9D669B6}" srcOrd="0" destOrd="0" presId="urn:microsoft.com/office/officeart/2005/8/layout/pyramid1"/>
-    <dgm:cxn modelId="{7A4C05AC-2F09-4E0F-9AEB-C0AE4BD137C2}" srcId="{31D2E157-ECA5-4190-B311-6F5FF2765926}" destId="{5B9A4EBA-7B9C-4027-9218-FC4BC9D37A42}" srcOrd="2" destOrd="0" parTransId="{E45603D1-99D1-4414-AF32-45E9C0158EFB}" sibTransId="{D0633CFE-8F4D-4370-BB06-AFDA727AC6BB}"/>
-    <dgm:cxn modelId="{FE0270C2-E1E6-47C1-9B28-7D247AA33D14}" type="presOf" srcId="{5B9A4EBA-7B9C-4027-9218-FC4BC9D37A42}" destId="{05400A77-CE18-42BB-AD1C-C52361A25FBA}" srcOrd="1" destOrd="0" presId="urn:microsoft.com/office/officeart/2005/8/layout/pyramid1"/>
+    <dgm:cxn modelId="{2C9BAF61-8150-41CC-9D89-384398E1E4F8}" type="presOf" srcId="{4F373E5D-E021-4EE5-BA14-02DB17BFABD3}" destId="{5BC3FBF4-0AA5-4754-8BB7-1B52037AF19B}" srcOrd="0" destOrd="0" presId="urn:microsoft.com/office/officeart/2005/8/layout/pyramid1"/>
     <dgm:cxn modelId="{C03B8AD2-7EEA-4E60-A798-5C5BF53FED6A}" type="presOf" srcId="{31D2E157-ECA5-4190-B311-6F5FF2765926}" destId="{45A81988-358A-4669-90C9-A1F4DC2B4063}" srcOrd="0" destOrd="0" presId="urn:microsoft.com/office/officeart/2005/8/layout/pyramid1"/>
     <dgm:cxn modelId="{43D20366-3ADB-47A2-96DF-A0642F8EB0C3}" srcId="{31D2E157-ECA5-4190-B311-6F5FF2765926}" destId="{4F373E5D-E021-4EE5-BA14-02DB17BFABD3}" srcOrd="1" destOrd="0" parTransId="{29C715CC-FDA6-4316-85EA-4E529548784E}" sibTransId="{FDEF675F-4180-488B-97EB-62181B0A4761}"/>
-    <dgm:cxn modelId="{2C9BAF61-8150-41CC-9D89-384398E1E4F8}" type="presOf" srcId="{4F373E5D-E021-4EE5-BA14-02DB17BFABD3}" destId="{5BC3FBF4-0AA5-4754-8BB7-1B52037AF19B}" srcOrd="0" destOrd="0" presId="urn:microsoft.com/office/officeart/2005/8/layout/pyramid1"/>
-    <dgm:cxn modelId="{089FED2E-51DF-4E44-B0EC-6F719D495D27}" srcId="{31D2E157-ECA5-4190-B311-6F5FF2765926}" destId="{7FD0F8EF-DD83-4018-8FEA-7721475B6EF8}" srcOrd="3" destOrd="0" parTransId="{1F33372F-2D35-4C38-8D20-CA9390FEDEA8}" sibTransId="{2454C33F-ED62-4335-840F-0F1810AA1C7B}"/>
-    <dgm:cxn modelId="{C4C267A4-A38B-4F0D-8497-00C0AA8C399B}" type="presOf" srcId="{7FD0F8EF-DD83-4018-8FEA-7721475B6EF8}" destId="{4EFF7616-4C80-4133-8E95-557D8E8AC4DC}" srcOrd="1" destOrd="0" presId="urn:microsoft.com/office/officeart/2005/8/layout/pyramid1"/>
-    <dgm:cxn modelId="{548F8383-0FD5-4654-BD34-673F332BF206}" srcId="{31D2E157-ECA5-4190-B311-6F5FF2765926}" destId="{C9609B18-F3AB-4590-A7D2-2DB5A56FB576}" srcOrd="0" destOrd="0" parTransId="{39F9D9CF-75DC-4608-BDF4-FCE4AE01AF22}" sibTransId="{6658005F-585E-4CCD-8A70-A54239093A5C}"/>
-    <dgm:cxn modelId="{BCF8DCCE-3702-4430-8790-D4F17CD6BD90}" type="presOf" srcId="{7FD0F8EF-DD83-4018-8FEA-7721475B6EF8}" destId="{DB24F4CC-4894-4964-99BB-467CC8F62729}" srcOrd="0" destOrd="0" presId="urn:microsoft.com/office/officeart/2005/8/layout/pyramid1"/>
-    <dgm:cxn modelId="{E83FFA9C-C89E-45EA-979A-AA941216A905}" srcId="{31D2E157-ECA5-4190-B311-6F5FF2765926}" destId="{8378F446-44C3-4CEB-8A59-E8488B2A60DA}" srcOrd="4" destOrd="0" parTransId="{3B28445E-05B8-4C36-A92D-EF256D46232B}" sibTransId="{BE9A88BF-B7D4-48D5-A3BD-952156E1FF0A}"/>
-    <dgm:cxn modelId="{B429039A-69EB-4890-9833-31F0AF0403D1}" type="presOf" srcId="{8378F446-44C3-4CEB-8A59-E8488B2A60DA}" destId="{4FB59874-48D4-485B-8602-CF3D67B21D96}" srcOrd="0" destOrd="0" presId="urn:microsoft.com/office/officeart/2005/8/layout/pyramid1"/>
-    <dgm:cxn modelId="{F61BDA63-11B4-428D-BC29-ED379711CEC5}" type="presOf" srcId="{C9609B18-F3AB-4590-A7D2-2DB5A56FB576}" destId="{86E8BBA6-2BC8-4BD0-819C-91DF34B79140}" srcOrd="0" destOrd="0" presId="urn:microsoft.com/office/officeart/2005/8/layout/pyramid1"/>
-    <dgm:cxn modelId="{E3EC8567-F466-4DD5-B62B-B8CAA4087763}" type="presOf" srcId="{8378F446-44C3-4CEB-8A59-E8488B2A60DA}" destId="{2CE34D54-020A-4C27-972B-E6F0124BA87A}" srcOrd="1" destOrd="0" presId="urn:microsoft.com/office/officeart/2005/8/layout/pyramid1"/>
-    <dgm:cxn modelId="{9142C2CF-CB49-4C5D-ACC6-E9DDBDFA8085}" type="presOf" srcId="{C9609B18-F3AB-4590-A7D2-2DB5A56FB576}" destId="{1F9B6E5C-DC21-4F67-B48F-A157E8789D46}" srcOrd="1" destOrd="0" presId="urn:microsoft.com/office/officeart/2005/8/layout/pyramid1"/>
     <dgm:cxn modelId="{638DC7FC-E0FF-4DCC-B785-385E08004A1D}" type="presParOf" srcId="{45A81988-358A-4669-90C9-A1F4DC2B4063}" destId="{969E4125-25B4-4116-8CD9-193F69A451A4}" srcOrd="0" destOrd="0" presId="urn:microsoft.com/office/officeart/2005/8/layout/pyramid1"/>
     <dgm:cxn modelId="{D8A4AD94-014C-458F-A209-352C9A034DCB}" type="presParOf" srcId="{969E4125-25B4-4116-8CD9-193F69A451A4}" destId="{86E8BBA6-2BC8-4BD0-819C-91DF34B79140}" srcOrd="0" destOrd="0" presId="urn:microsoft.com/office/officeart/2005/8/layout/pyramid1"/>
     <dgm:cxn modelId="{71DEFD2A-0488-48BC-9895-2EF68F37AF50}" type="presParOf" srcId="{969E4125-25B4-4116-8CD9-193F69A451A4}" destId="{1F9B6E5C-DC21-4F67-B48F-A157E8789D46}" srcOrd="1" destOrd="0" presId="urn:microsoft.com/office/officeart/2005/8/layout/pyramid1"/>
@@ -1335,6 +2728,763 @@
 </file>
 
 <file path=ppt/diagrams/drawing1.xml><?xml version="1.0" encoding="utf-8"?>
+<dsp:drawing xmlns:dgm="http://schemas.openxmlformats.org/drawingml/2006/diagram" xmlns:dsp="http://schemas.microsoft.com/office/drawing/2008/diagram" xmlns:a="http://schemas.openxmlformats.org/drawingml/2006/main">
+  <dsp:spTree>
+    <dsp:nvGrpSpPr>
+      <dsp:cNvPr id="0" name=""/>
+      <dsp:cNvGrpSpPr/>
+    </dsp:nvGrpSpPr>
+    <dsp:grpSpPr/>
+    <dsp:sp modelId="{70B48280-A823-4712-B790-08891EB029A6}">
+      <dsp:nvSpPr>
+        <dsp:cNvPr id="0" name=""/>
+        <dsp:cNvSpPr/>
+      </dsp:nvSpPr>
+      <dsp:spPr>
+        <a:xfrm>
+          <a:off x="0" y="0"/>
+          <a:ext cx="4844942" cy="692717"/>
+        </a:xfrm>
+        <a:prstGeom prst="roundRect">
+          <a:avLst>
+            <a:gd name="adj" fmla="val 10000"/>
+          </a:avLst>
+        </a:prstGeom>
+        <a:solidFill>
+          <a:schemeClr val="accent2">
+            <a:hueOff val="0"/>
+            <a:satOff val="0"/>
+            <a:lumOff val="0"/>
+            <a:alphaOff val="0"/>
+          </a:schemeClr>
+        </a:solidFill>
+        <a:ln w="25400" cap="flat" cmpd="sng" algn="ctr">
+          <a:solidFill>
+            <a:schemeClr val="lt1">
+              <a:hueOff val="0"/>
+              <a:satOff val="0"/>
+              <a:lumOff val="0"/>
+              <a:alphaOff val="0"/>
+            </a:schemeClr>
+          </a:solidFill>
+          <a:prstDash val="solid"/>
+        </a:ln>
+        <a:effectLst/>
+      </dsp:spPr>
+      <dsp:style>
+        <a:lnRef idx="2">
+          <a:scrgbClr r="0" g="0" b="0"/>
+        </a:lnRef>
+        <a:fillRef idx="1">
+          <a:scrgbClr r="0" g="0" b="0"/>
+        </a:fillRef>
+        <a:effectRef idx="0">
+          <a:scrgbClr r="0" g="0" b="0"/>
+        </a:effectRef>
+        <a:fontRef idx="minor">
+          <a:schemeClr val="lt1"/>
+        </a:fontRef>
+      </dsp:style>
+      <dsp:txBody>
+        <a:bodyPr spcFirstLastPara="0" vert="horz" wrap="square" lIns="38100" tIns="38100" rIns="38100" bIns="38100" numCol="1" spcCol="1270" anchor="ctr" anchorCtr="0">
+          <a:noAutofit/>
+        </a:bodyPr>
+        <a:lstStyle/>
+        <a:p>
+          <a:pPr lvl="0" algn="just" defTabSz="444500">
+            <a:lnSpc>
+              <a:spcPct val="90000"/>
+            </a:lnSpc>
+            <a:spcBef>
+              <a:spcPct val="0"/>
+            </a:spcBef>
+            <a:spcAft>
+              <a:spcPct val="35000"/>
+            </a:spcAft>
+          </a:pPr>
+          <a:r>
+            <a:rPr lang="es-PE" sz="1000" kern="1200" dirty="0" smtClean="0"/>
+            <a:t>Decreto Supremo Nº 005-2003-JUS. Se crea la Comisión Especial de Alto Nivel para proponer las modificaciones y mecanismos legales de implementación del nuevo Código Procesal Penal.</a:t>
+          </a:r>
+          <a:endParaRPr lang="es-ES" sz="1000" kern="1200" dirty="0"/>
+        </a:p>
+      </dsp:txBody>
+      <dsp:txXfrm>
+        <a:off x="20289" y="20289"/>
+        <a:ext cx="4016397" cy="652139"/>
+      </dsp:txXfrm>
+    </dsp:sp>
+    <dsp:sp modelId="{C7DCDEC0-AFF3-4B69-9E5D-5C09C38F3682}">
+      <dsp:nvSpPr>
+        <dsp:cNvPr id="0" name=""/>
+        <dsp:cNvSpPr/>
+      </dsp:nvSpPr>
+      <dsp:spPr>
+        <a:xfrm>
+          <a:off x="361797" y="788928"/>
+          <a:ext cx="4844942" cy="692717"/>
+        </a:xfrm>
+        <a:prstGeom prst="roundRect">
+          <a:avLst>
+            <a:gd name="adj" fmla="val 10000"/>
+          </a:avLst>
+        </a:prstGeom>
+        <a:solidFill>
+          <a:schemeClr val="accent2">
+            <a:hueOff val="1170380"/>
+            <a:satOff val="-1460"/>
+            <a:lumOff val="343"/>
+            <a:alphaOff val="0"/>
+          </a:schemeClr>
+        </a:solidFill>
+        <a:ln w="25400" cap="flat" cmpd="sng" algn="ctr">
+          <a:solidFill>
+            <a:schemeClr val="lt1">
+              <a:hueOff val="0"/>
+              <a:satOff val="0"/>
+              <a:lumOff val="0"/>
+              <a:alphaOff val="0"/>
+            </a:schemeClr>
+          </a:solidFill>
+          <a:prstDash val="solid"/>
+        </a:ln>
+        <a:effectLst/>
+      </dsp:spPr>
+      <dsp:style>
+        <a:lnRef idx="2">
+          <a:scrgbClr r="0" g="0" b="0"/>
+        </a:lnRef>
+        <a:fillRef idx="1">
+          <a:scrgbClr r="0" g="0" b="0"/>
+        </a:fillRef>
+        <a:effectRef idx="0">
+          <a:scrgbClr r="0" g="0" b="0"/>
+        </a:effectRef>
+        <a:fontRef idx="minor">
+          <a:schemeClr val="lt1"/>
+        </a:fontRef>
+      </dsp:style>
+      <dsp:txBody>
+        <a:bodyPr spcFirstLastPara="0" vert="horz" wrap="square" lIns="38100" tIns="38100" rIns="38100" bIns="38100" numCol="1" spcCol="1270" anchor="ctr" anchorCtr="0">
+          <a:noAutofit/>
+        </a:bodyPr>
+        <a:lstStyle/>
+        <a:p>
+          <a:pPr lvl="0" algn="just" defTabSz="444500">
+            <a:lnSpc>
+              <a:spcPct val="90000"/>
+            </a:lnSpc>
+            <a:spcBef>
+              <a:spcPct val="0"/>
+            </a:spcBef>
+            <a:spcAft>
+              <a:spcPct val="35000"/>
+            </a:spcAft>
+          </a:pPr>
+          <a:r>
+            <a:rPr lang="es-PE" sz="1000" kern="1200" dirty="0" smtClean="0"/>
+            <a:t>Decreto Legislativo Nº 957. Se promulgó el Nuevo Código Procesal Penal.</a:t>
+          </a:r>
+          <a:endParaRPr lang="es-ES" sz="1000" kern="1200" dirty="0"/>
+        </a:p>
+      </dsp:txBody>
+      <dsp:txXfrm>
+        <a:off x="382086" y="809217"/>
+        <a:ext cx="3992300" cy="652139"/>
+      </dsp:txXfrm>
+    </dsp:sp>
+    <dsp:sp modelId="{D7A1F6D1-73D3-43D6-A6E2-DD31C766E6B9}">
+      <dsp:nvSpPr>
+        <dsp:cNvPr id="0" name=""/>
+        <dsp:cNvSpPr/>
+      </dsp:nvSpPr>
+      <dsp:spPr>
+        <a:xfrm>
+          <a:off x="723595" y="1577857"/>
+          <a:ext cx="4844942" cy="692717"/>
+        </a:xfrm>
+        <a:prstGeom prst="roundRect">
+          <a:avLst>
+            <a:gd name="adj" fmla="val 10000"/>
+          </a:avLst>
+        </a:prstGeom>
+        <a:solidFill>
+          <a:schemeClr val="accent2">
+            <a:hueOff val="2340759"/>
+            <a:satOff val="-2919"/>
+            <a:lumOff val="686"/>
+            <a:alphaOff val="0"/>
+          </a:schemeClr>
+        </a:solidFill>
+        <a:ln w="25400" cap="flat" cmpd="sng" algn="ctr">
+          <a:solidFill>
+            <a:schemeClr val="lt1">
+              <a:hueOff val="0"/>
+              <a:satOff val="0"/>
+              <a:lumOff val="0"/>
+              <a:alphaOff val="0"/>
+            </a:schemeClr>
+          </a:solidFill>
+          <a:prstDash val="solid"/>
+        </a:ln>
+        <a:effectLst/>
+      </dsp:spPr>
+      <dsp:style>
+        <a:lnRef idx="2">
+          <a:scrgbClr r="0" g="0" b="0"/>
+        </a:lnRef>
+        <a:fillRef idx="1">
+          <a:scrgbClr r="0" g="0" b="0"/>
+        </a:fillRef>
+        <a:effectRef idx="0">
+          <a:scrgbClr r="0" g="0" b="0"/>
+        </a:effectRef>
+        <a:fontRef idx="minor">
+          <a:schemeClr val="lt1"/>
+        </a:fontRef>
+      </dsp:style>
+      <dsp:txBody>
+        <a:bodyPr spcFirstLastPara="0" vert="horz" wrap="square" lIns="38100" tIns="38100" rIns="38100" bIns="38100" numCol="1" spcCol="1270" anchor="ctr" anchorCtr="0">
+          <a:noAutofit/>
+        </a:bodyPr>
+        <a:lstStyle/>
+        <a:p>
+          <a:pPr lvl="0" algn="just" defTabSz="444500">
+            <a:lnSpc>
+              <a:spcPct val="90000"/>
+            </a:lnSpc>
+            <a:spcBef>
+              <a:spcPct val="0"/>
+            </a:spcBef>
+            <a:spcAft>
+              <a:spcPct val="35000"/>
+            </a:spcAft>
+          </a:pPr>
+          <a:r>
+            <a:rPr lang="es-PE" sz="1000" kern="1200" dirty="0" smtClean="0"/>
+            <a:t>Decreto Supremo N° 003- 2014-JUS. Se decreta que una de las atribuciones de dicha Comisión Especial es elaborar el Calendario Oficial de Aplicación Progresiva del citado código.</a:t>
+          </a:r>
+          <a:endParaRPr lang="es-ES" sz="1000" kern="1200" dirty="0"/>
+        </a:p>
+      </dsp:txBody>
+      <dsp:txXfrm>
+        <a:off x="743884" y="1598146"/>
+        <a:ext cx="3992300" cy="652139"/>
+      </dsp:txXfrm>
+    </dsp:sp>
+    <dsp:sp modelId="{2ECF53FB-1842-4D8C-9954-ABFEBACC7F20}">
+      <dsp:nvSpPr>
+        <dsp:cNvPr id="0" name=""/>
+        <dsp:cNvSpPr/>
+      </dsp:nvSpPr>
+      <dsp:spPr>
+        <a:xfrm>
+          <a:off x="1085392" y="2366785"/>
+          <a:ext cx="4844942" cy="692717"/>
+        </a:xfrm>
+        <a:prstGeom prst="roundRect">
+          <a:avLst>
+            <a:gd name="adj" fmla="val 10000"/>
+          </a:avLst>
+        </a:prstGeom>
+        <a:solidFill>
+          <a:schemeClr val="accent2">
+            <a:hueOff val="3511139"/>
+            <a:satOff val="-4379"/>
+            <a:lumOff val="1030"/>
+            <a:alphaOff val="0"/>
+          </a:schemeClr>
+        </a:solidFill>
+        <a:ln w="25400" cap="flat" cmpd="sng" algn="ctr">
+          <a:solidFill>
+            <a:schemeClr val="lt1">
+              <a:hueOff val="0"/>
+              <a:satOff val="0"/>
+              <a:lumOff val="0"/>
+              <a:alphaOff val="0"/>
+            </a:schemeClr>
+          </a:solidFill>
+          <a:prstDash val="solid"/>
+        </a:ln>
+        <a:effectLst/>
+      </dsp:spPr>
+      <dsp:style>
+        <a:lnRef idx="2">
+          <a:scrgbClr r="0" g="0" b="0"/>
+        </a:lnRef>
+        <a:fillRef idx="1">
+          <a:scrgbClr r="0" g="0" b="0"/>
+        </a:fillRef>
+        <a:effectRef idx="0">
+          <a:scrgbClr r="0" g="0" b="0"/>
+        </a:effectRef>
+        <a:fontRef idx="minor">
+          <a:schemeClr val="lt1"/>
+        </a:fontRef>
+      </dsp:style>
+      <dsp:txBody>
+        <a:bodyPr spcFirstLastPara="0" vert="horz" wrap="square" lIns="41910" tIns="41910" rIns="41910" bIns="41910" numCol="1" spcCol="1270" anchor="ctr" anchorCtr="0">
+          <a:noAutofit/>
+        </a:bodyPr>
+        <a:lstStyle/>
+        <a:p>
+          <a:pPr lvl="0" algn="just" defTabSz="488950">
+            <a:lnSpc>
+              <a:spcPct val="90000"/>
+            </a:lnSpc>
+            <a:spcBef>
+              <a:spcPct val="0"/>
+            </a:spcBef>
+            <a:spcAft>
+              <a:spcPct val="35000"/>
+            </a:spcAft>
+          </a:pPr>
+          <a:r>
+            <a:rPr lang="es-PE" sz="1100" kern="1200" dirty="0" smtClean="0"/>
+            <a:t>Decreto Supremo Nº 015-2017-JUS. El Calendario Oficial de Aplicación Progresiva del Código Procesal Penal es el siguiente:</a:t>
+          </a:r>
+          <a:endParaRPr lang="es-ES" sz="1100" kern="1200" dirty="0"/>
+        </a:p>
+        <a:p>
+          <a:pPr marL="57150" lvl="1" indent="-57150" algn="just" defTabSz="444500">
+            <a:lnSpc>
+              <a:spcPct val="90000"/>
+            </a:lnSpc>
+            <a:spcBef>
+              <a:spcPct val="0"/>
+            </a:spcBef>
+            <a:spcAft>
+              <a:spcPct val="15000"/>
+            </a:spcAft>
+            <a:buChar char="••"/>
+          </a:pPr>
+          <a:r>
+            <a:rPr lang="es-PE" sz="1000" kern="1200" dirty="0" smtClean="0"/>
+            <a:t>Año 2017: El Callao. Año 2018: Lima Norte. Año 2019: Lima Este. Año 2020: Lima Sur y Lima Centro.</a:t>
+          </a:r>
+          <a:endParaRPr lang="es-PE" sz="1000" kern="1200" dirty="0"/>
+        </a:p>
+      </dsp:txBody>
+      <dsp:txXfrm>
+        <a:off x="1105681" y="2387074"/>
+        <a:ext cx="3992300" cy="652139"/>
+      </dsp:txXfrm>
+    </dsp:sp>
+    <dsp:sp modelId="{55569FAB-5F24-4945-8A61-AAC663C022F5}">
+      <dsp:nvSpPr>
+        <dsp:cNvPr id="0" name=""/>
+        <dsp:cNvSpPr/>
+      </dsp:nvSpPr>
+      <dsp:spPr>
+        <a:xfrm>
+          <a:off x="1447190" y="3155714"/>
+          <a:ext cx="4844942" cy="692717"/>
+        </a:xfrm>
+        <a:prstGeom prst="roundRect">
+          <a:avLst>
+            <a:gd name="adj" fmla="val 10000"/>
+          </a:avLst>
+        </a:prstGeom>
+        <a:solidFill>
+          <a:schemeClr val="accent2">
+            <a:hueOff val="4681519"/>
+            <a:satOff val="-5839"/>
+            <a:lumOff val="1373"/>
+            <a:alphaOff val="0"/>
+          </a:schemeClr>
+        </a:solidFill>
+        <a:ln w="25400" cap="flat" cmpd="sng" algn="ctr">
+          <a:solidFill>
+            <a:schemeClr val="lt1">
+              <a:hueOff val="0"/>
+              <a:satOff val="0"/>
+              <a:lumOff val="0"/>
+              <a:alphaOff val="0"/>
+            </a:schemeClr>
+          </a:solidFill>
+          <a:prstDash val="solid"/>
+        </a:ln>
+        <a:effectLst/>
+      </dsp:spPr>
+      <dsp:style>
+        <a:lnRef idx="2">
+          <a:scrgbClr r="0" g="0" b="0"/>
+        </a:lnRef>
+        <a:fillRef idx="1">
+          <a:scrgbClr r="0" g="0" b="0"/>
+        </a:fillRef>
+        <a:effectRef idx="0">
+          <a:scrgbClr r="0" g="0" b="0"/>
+        </a:effectRef>
+        <a:fontRef idx="minor">
+          <a:schemeClr val="lt1"/>
+        </a:fontRef>
+      </dsp:style>
+      <dsp:txBody>
+        <a:bodyPr spcFirstLastPara="0" vert="horz" wrap="square" lIns="41910" tIns="41910" rIns="41910" bIns="41910" numCol="1" spcCol="1270" anchor="ctr" anchorCtr="0">
+          <a:noAutofit/>
+        </a:bodyPr>
+        <a:lstStyle/>
+        <a:p>
+          <a:pPr lvl="0" algn="just" defTabSz="488950">
+            <a:lnSpc>
+              <a:spcPct val="90000"/>
+            </a:lnSpc>
+            <a:spcBef>
+              <a:spcPct val="0"/>
+            </a:spcBef>
+            <a:spcAft>
+              <a:spcPct val="35000"/>
+            </a:spcAft>
+          </a:pPr>
+          <a:r>
+            <a:rPr lang="es-PE" sz="1100" kern="1200" dirty="0" smtClean="0"/>
+            <a:t>Decreto Supremo N° 012-2019-JUS. Última modificación del calendario de aplicación del NCPP:</a:t>
+          </a:r>
+          <a:endParaRPr lang="es-PE" sz="1100" kern="1200" dirty="0"/>
+        </a:p>
+        <a:p>
+          <a:pPr marL="57150" lvl="1" indent="-57150" algn="just" defTabSz="444500">
+            <a:lnSpc>
+              <a:spcPct val="90000"/>
+            </a:lnSpc>
+            <a:spcBef>
+              <a:spcPct val="0"/>
+            </a:spcBef>
+            <a:spcAft>
+              <a:spcPct val="15000"/>
+            </a:spcAft>
+            <a:buChar char="••"/>
+          </a:pPr>
+          <a:r>
+            <a:rPr lang="es-PE" sz="1000" kern="1200" smtClean="0"/>
+            <a:t>Lima Este: 1 de octubre de 2019.Lima Sur y Lima Centro: 1 de julio de 2020.</a:t>
+          </a:r>
+          <a:endParaRPr lang="es-PE" sz="1000" kern="1200"/>
+        </a:p>
+      </dsp:txBody>
+      <dsp:txXfrm>
+        <a:off x="1467479" y="3176003"/>
+        <a:ext cx="3992300" cy="652139"/>
+      </dsp:txXfrm>
+    </dsp:sp>
+    <dsp:sp modelId="{6045E22E-8791-408D-B6DB-5B85A76620A3}">
+      <dsp:nvSpPr>
+        <dsp:cNvPr id="0" name=""/>
+        <dsp:cNvSpPr/>
+      </dsp:nvSpPr>
+      <dsp:spPr>
+        <a:xfrm>
+          <a:off x="4394675" y="506068"/>
+          <a:ext cx="450266" cy="450266"/>
+        </a:xfrm>
+        <a:prstGeom prst="downArrow">
+          <a:avLst>
+            <a:gd name="adj1" fmla="val 55000"/>
+            <a:gd name="adj2" fmla="val 45000"/>
+          </a:avLst>
+        </a:prstGeom>
+        <a:solidFill>
+          <a:schemeClr val="accent2">
+            <a:tint val="40000"/>
+            <a:alpha val="90000"/>
+            <a:hueOff val="0"/>
+            <a:satOff val="0"/>
+            <a:lumOff val="0"/>
+            <a:alphaOff val="0"/>
+          </a:schemeClr>
+        </a:solidFill>
+        <a:ln w="25400" cap="flat" cmpd="sng" algn="ctr">
+          <a:solidFill>
+            <a:schemeClr val="accent2">
+              <a:tint val="40000"/>
+              <a:alpha val="90000"/>
+              <a:hueOff val="0"/>
+              <a:satOff val="0"/>
+              <a:lumOff val="0"/>
+              <a:alphaOff val="0"/>
+            </a:schemeClr>
+          </a:solidFill>
+          <a:prstDash val="solid"/>
+        </a:ln>
+        <a:effectLst/>
+      </dsp:spPr>
+      <dsp:style>
+        <a:lnRef idx="2">
+          <a:scrgbClr r="0" g="0" b="0"/>
+        </a:lnRef>
+        <a:fillRef idx="1">
+          <a:scrgbClr r="0" g="0" b="0"/>
+        </a:fillRef>
+        <a:effectRef idx="0">
+          <a:scrgbClr r="0" g="0" b="0"/>
+        </a:effectRef>
+        <a:fontRef idx="minor"/>
+      </dsp:style>
+      <dsp:txBody>
+        <a:bodyPr spcFirstLastPara="0" vert="horz" wrap="square" lIns="30480" tIns="30480" rIns="30480" bIns="30480" numCol="1" spcCol="1270" anchor="ctr" anchorCtr="0">
+          <a:noAutofit/>
+        </a:bodyPr>
+        <a:lstStyle/>
+        <a:p>
+          <a:pPr lvl="0" algn="just" defTabSz="1066800">
+            <a:lnSpc>
+              <a:spcPct val="90000"/>
+            </a:lnSpc>
+            <a:spcBef>
+              <a:spcPct val="0"/>
+            </a:spcBef>
+            <a:spcAft>
+              <a:spcPct val="35000"/>
+            </a:spcAft>
+          </a:pPr>
+          <a:endParaRPr lang="es-ES" sz="2400" kern="1200"/>
+        </a:p>
+      </dsp:txBody>
+      <dsp:txXfrm>
+        <a:off x="4495985" y="506068"/>
+        <a:ext cx="247646" cy="338825"/>
+      </dsp:txXfrm>
+    </dsp:sp>
+    <dsp:sp modelId="{742E155A-512C-4C7E-B380-1D9DC9B0B64B}">
+      <dsp:nvSpPr>
+        <dsp:cNvPr id="0" name=""/>
+        <dsp:cNvSpPr/>
+      </dsp:nvSpPr>
+      <dsp:spPr>
+        <a:xfrm>
+          <a:off x="4756473" y="1294997"/>
+          <a:ext cx="450266" cy="450266"/>
+        </a:xfrm>
+        <a:prstGeom prst="downArrow">
+          <a:avLst>
+            <a:gd name="adj1" fmla="val 55000"/>
+            <a:gd name="adj2" fmla="val 45000"/>
+          </a:avLst>
+        </a:prstGeom>
+        <a:solidFill>
+          <a:schemeClr val="accent2">
+            <a:tint val="40000"/>
+            <a:alpha val="90000"/>
+            <a:hueOff val="1675274"/>
+            <a:satOff val="-1459"/>
+            <a:lumOff val="-2"/>
+            <a:alphaOff val="0"/>
+          </a:schemeClr>
+        </a:solidFill>
+        <a:ln w="25400" cap="flat" cmpd="sng" algn="ctr">
+          <a:solidFill>
+            <a:schemeClr val="accent2">
+              <a:tint val="40000"/>
+              <a:alpha val="90000"/>
+              <a:hueOff val="1675274"/>
+              <a:satOff val="-1459"/>
+              <a:lumOff val="-2"/>
+              <a:alphaOff val="0"/>
+            </a:schemeClr>
+          </a:solidFill>
+          <a:prstDash val="solid"/>
+        </a:ln>
+        <a:effectLst/>
+      </dsp:spPr>
+      <dsp:style>
+        <a:lnRef idx="2">
+          <a:scrgbClr r="0" g="0" b="0"/>
+        </a:lnRef>
+        <a:fillRef idx="1">
+          <a:scrgbClr r="0" g="0" b="0"/>
+        </a:fillRef>
+        <a:effectRef idx="0">
+          <a:scrgbClr r="0" g="0" b="0"/>
+        </a:effectRef>
+        <a:fontRef idx="minor"/>
+      </dsp:style>
+      <dsp:txBody>
+        <a:bodyPr spcFirstLastPara="0" vert="horz" wrap="square" lIns="30480" tIns="30480" rIns="30480" bIns="30480" numCol="1" spcCol="1270" anchor="ctr" anchorCtr="0">
+          <a:noAutofit/>
+        </a:bodyPr>
+        <a:lstStyle/>
+        <a:p>
+          <a:pPr lvl="0" algn="just" defTabSz="1066800">
+            <a:lnSpc>
+              <a:spcPct val="90000"/>
+            </a:lnSpc>
+            <a:spcBef>
+              <a:spcPct val="0"/>
+            </a:spcBef>
+            <a:spcAft>
+              <a:spcPct val="35000"/>
+            </a:spcAft>
+          </a:pPr>
+          <a:endParaRPr lang="es-ES" sz="2400" kern="1200"/>
+        </a:p>
+      </dsp:txBody>
+      <dsp:txXfrm>
+        <a:off x="4857783" y="1294997"/>
+        <a:ext cx="247646" cy="338825"/>
+      </dsp:txXfrm>
+    </dsp:sp>
+    <dsp:sp modelId="{B1CB7DA1-C05F-4F43-B38B-34D704B06413}">
+      <dsp:nvSpPr>
+        <dsp:cNvPr id="0" name=""/>
+        <dsp:cNvSpPr/>
+      </dsp:nvSpPr>
+      <dsp:spPr>
+        <a:xfrm>
+          <a:off x="5118271" y="2072380"/>
+          <a:ext cx="450266" cy="450266"/>
+        </a:xfrm>
+        <a:prstGeom prst="downArrow">
+          <a:avLst>
+            <a:gd name="adj1" fmla="val 55000"/>
+            <a:gd name="adj2" fmla="val 45000"/>
+          </a:avLst>
+        </a:prstGeom>
+        <a:solidFill>
+          <a:schemeClr val="accent2">
+            <a:tint val="40000"/>
+            <a:alpha val="90000"/>
+            <a:hueOff val="3350547"/>
+            <a:satOff val="-2919"/>
+            <a:lumOff val="-4"/>
+            <a:alphaOff val="0"/>
+          </a:schemeClr>
+        </a:solidFill>
+        <a:ln w="25400" cap="flat" cmpd="sng" algn="ctr">
+          <a:solidFill>
+            <a:schemeClr val="accent2">
+              <a:tint val="40000"/>
+              <a:alpha val="90000"/>
+              <a:hueOff val="3350547"/>
+              <a:satOff val="-2919"/>
+              <a:lumOff val="-4"/>
+              <a:alphaOff val="0"/>
+            </a:schemeClr>
+          </a:solidFill>
+          <a:prstDash val="solid"/>
+        </a:ln>
+        <a:effectLst/>
+      </dsp:spPr>
+      <dsp:style>
+        <a:lnRef idx="2">
+          <a:scrgbClr r="0" g="0" b="0"/>
+        </a:lnRef>
+        <a:fillRef idx="1">
+          <a:scrgbClr r="0" g="0" b="0"/>
+        </a:fillRef>
+        <a:effectRef idx="0">
+          <a:scrgbClr r="0" g="0" b="0"/>
+        </a:effectRef>
+        <a:fontRef idx="minor"/>
+      </dsp:style>
+      <dsp:txBody>
+        <a:bodyPr spcFirstLastPara="0" vert="horz" wrap="square" lIns="30480" tIns="30480" rIns="30480" bIns="30480" numCol="1" spcCol="1270" anchor="ctr" anchorCtr="0">
+          <a:noAutofit/>
+        </a:bodyPr>
+        <a:lstStyle/>
+        <a:p>
+          <a:pPr lvl="0" algn="just" defTabSz="1066800">
+            <a:lnSpc>
+              <a:spcPct val="90000"/>
+            </a:lnSpc>
+            <a:spcBef>
+              <a:spcPct val="0"/>
+            </a:spcBef>
+            <a:spcAft>
+              <a:spcPct val="35000"/>
+            </a:spcAft>
+          </a:pPr>
+          <a:endParaRPr lang="es-ES" sz="2400" kern="1200"/>
+        </a:p>
+      </dsp:txBody>
+      <dsp:txXfrm>
+        <a:off x="5219581" y="2072380"/>
+        <a:ext cx="247646" cy="338825"/>
+      </dsp:txXfrm>
+    </dsp:sp>
+    <dsp:sp modelId="{96F149BF-BFE0-4A7E-B042-79C30A9D71F1}">
+      <dsp:nvSpPr>
+        <dsp:cNvPr id="0" name=""/>
+        <dsp:cNvSpPr/>
+      </dsp:nvSpPr>
+      <dsp:spPr>
+        <a:xfrm>
+          <a:off x="5480068" y="2869006"/>
+          <a:ext cx="450266" cy="450266"/>
+        </a:xfrm>
+        <a:prstGeom prst="downArrow">
+          <a:avLst>
+            <a:gd name="adj1" fmla="val 55000"/>
+            <a:gd name="adj2" fmla="val 45000"/>
+          </a:avLst>
+        </a:prstGeom>
+        <a:solidFill>
+          <a:schemeClr val="accent2">
+            <a:tint val="40000"/>
+            <a:alpha val="90000"/>
+            <a:hueOff val="5025821"/>
+            <a:satOff val="-4378"/>
+            <a:lumOff val="-6"/>
+            <a:alphaOff val="0"/>
+          </a:schemeClr>
+        </a:solidFill>
+        <a:ln w="25400" cap="flat" cmpd="sng" algn="ctr">
+          <a:solidFill>
+            <a:schemeClr val="accent2">
+              <a:tint val="40000"/>
+              <a:alpha val="90000"/>
+              <a:hueOff val="5025821"/>
+              <a:satOff val="-4378"/>
+              <a:lumOff val="-6"/>
+              <a:alphaOff val="0"/>
+            </a:schemeClr>
+          </a:solidFill>
+          <a:prstDash val="solid"/>
+        </a:ln>
+        <a:effectLst/>
+      </dsp:spPr>
+      <dsp:style>
+        <a:lnRef idx="2">
+          <a:scrgbClr r="0" g="0" b="0"/>
+        </a:lnRef>
+        <a:fillRef idx="1">
+          <a:scrgbClr r="0" g="0" b="0"/>
+        </a:fillRef>
+        <a:effectRef idx="0">
+          <a:scrgbClr r="0" g="0" b="0"/>
+        </a:effectRef>
+        <a:fontRef idx="minor"/>
+      </dsp:style>
+      <dsp:txBody>
+        <a:bodyPr spcFirstLastPara="0" vert="horz" wrap="square" lIns="30480" tIns="30480" rIns="30480" bIns="30480" numCol="1" spcCol="1270" anchor="ctr" anchorCtr="0">
+          <a:noAutofit/>
+        </a:bodyPr>
+        <a:lstStyle/>
+        <a:p>
+          <a:pPr lvl="0" algn="just" defTabSz="1066800">
+            <a:lnSpc>
+              <a:spcPct val="90000"/>
+            </a:lnSpc>
+            <a:spcBef>
+              <a:spcPct val="0"/>
+            </a:spcBef>
+            <a:spcAft>
+              <a:spcPct val="35000"/>
+            </a:spcAft>
+          </a:pPr>
+          <a:endParaRPr lang="es-ES" sz="2400" kern="1200"/>
+        </a:p>
+      </dsp:txBody>
+      <dsp:txXfrm>
+        <a:off x="5581378" y="2869006"/>
+        <a:ext cx="247646" cy="338825"/>
+      </dsp:txXfrm>
+    </dsp:sp>
+  </dsp:spTree>
+</dsp:drawing>
+</file>
+
+<file path=ppt/diagrams/drawing2.xml><?xml version="1.0" encoding="utf-8"?>
 <dsp:drawing xmlns:dgm="http://schemas.openxmlformats.org/drawingml/2006/diagram" xmlns:dsp="http://schemas.microsoft.com/office/drawing/2008/diagram" xmlns:a="http://schemas.openxmlformats.org/drawingml/2006/main">
   <dsp:spTree>
     <dsp:nvGrpSpPr>
@@ -1922,6 +4072,1232 @@
 </file>
 
 <file path=ppt/diagrams/layout1.xml><?xml version="1.0" encoding="utf-8"?>
+<dgm:layoutDef xmlns:dgm="http://schemas.openxmlformats.org/drawingml/2006/diagram" xmlns:a="http://schemas.openxmlformats.org/drawingml/2006/main" uniqueId="urn:microsoft.com/office/officeart/2005/8/layout/vProcess5">
+  <dgm:title val=""/>
+  <dgm:desc val=""/>
+  <dgm:catLst>
+    <dgm:cat type="process" pri="14000"/>
+  </dgm:catLst>
+  <dgm:sampData>
+    <dgm:dataModel>
+      <dgm:ptLst>
+        <dgm:pt modelId="0" type="doc"/>
+        <dgm:pt modelId="1">
+          <dgm:prSet phldr="1"/>
+        </dgm:pt>
+        <dgm:pt modelId="2">
+          <dgm:prSet phldr="1"/>
+        </dgm:pt>
+        <dgm:pt modelId="3">
+          <dgm:prSet phldr="1"/>
+        </dgm:pt>
+      </dgm:ptLst>
+      <dgm:cxnLst>
+        <dgm:cxn modelId="5" srcId="0" destId="1" srcOrd="0" destOrd="0"/>
+        <dgm:cxn modelId="6" srcId="0" destId="2" srcOrd="1" destOrd="0"/>
+        <dgm:cxn modelId="7" srcId="0" destId="3" srcOrd="2" destOrd="0"/>
+      </dgm:cxnLst>
+      <dgm:bg/>
+      <dgm:whole/>
+    </dgm:dataModel>
+  </dgm:sampData>
+  <dgm:styleData>
+    <dgm:dataModel>
+      <dgm:ptLst>
+        <dgm:pt modelId="0" type="doc"/>
+        <dgm:pt modelId="1"/>
+        <dgm:pt modelId="2"/>
+      </dgm:ptLst>
+      <dgm:cxnLst>
+        <dgm:cxn modelId="3" srcId="0" destId="1" srcOrd="0" destOrd="0"/>
+        <dgm:cxn modelId="4" srcId="0" destId="2" srcOrd="1" destOrd="0"/>
+      </dgm:cxnLst>
+      <dgm:bg/>
+      <dgm:whole/>
+    </dgm:dataModel>
+  </dgm:styleData>
+  <dgm:clrData>
+    <dgm:dataModel>
+      <dgm:ptLst>
+        <dgm:pt modelId="0" type="doc"/>
+        <dgm:pt modelId="1"/>
+        <dgm:pt modelId="2"/>
+        <dgm:pt modelId="3"/>
+        <dgm:pt modelId="4"/>
+      </dgm:ptLst>
+      <dgm:cxnLst>
+        <dgm:cxn modelId="6" srcId="0" destId="1" srcOrd="0" destOrd="0"/>
+        <dgm:cxn modelId="7" srcId="0" destId="2" srcOrd="1" destOrd="0"/>
+        <dgm:cxn modelId="8" srcId="0" destId="3" srcOrd="2" destOrd="0"/>
+        <dgm:cxn modelId="9" srcId="0" destId="4" srcOrd="3" destOrd="0"/>
+      </dgm:cxnLst>
+      <dgm:bg/>
+      <dgm:whole/>
+    </dgm:dataModel>
+  </dgm:clrData>
+  <dgm:layoutNode name="outerComposite">
+    <dgm:varLst>
+      <dgm:chMax val="5"/>
+      <dgm:dir/>
+      <dgm:resizeHandles val="exact"/>
+    </dgm:varLst>
+    <dgm:alg type="composite"/>
+    <dgm:shape xmlns:r="http://schemas.openxmlformats.org/officeDocument/2006/relationships" r:blip="">
+      <dgm:adjLst/>
+    </dgm:shape>
+    <dgm:presOf/>
+    <dgm:choose name="Name0">
+      <dgm:if name="Name1" func="var" arg="dir" op="equ" val="norm">
+        <dgm:constrLst>
+          <dgm:constr type="primFontSz" for="ch" ptType="node" op="equ" val="65"/>
+          <dgm:constr type="w" for="ch" forName="dummyMaxCanvas" refType="w"/>
+          <dgm:constr type="h" for="ch" forName="dummyMaxCanvas" refType="h"/>
+          <dgm:constr type="w" for="ch" forName="OneNode_1" refType="w"/>
+          <dgm:constr type="h" for="ch" forName="OneNode_1" refType="h" fact="0.5"/>
+          <dgm:constr type="ctrY" for="ch" forName="OneNode_1" refType="h" fact="0.5"/>
+          <dgm:constr type="w" for="ch" forName="TwoNodes_1" refType="w" fact="0.85"/>
+          <dgm:constr type="h" for="ch" forName="TwoNodes_1" refType="h" fact="0.45"/>
+          <dgm:constr type="t" for="ch" forName="TwoNodes_1"/>
+          <dgm:constr type="l" for="ch" forName="TwoNodes_1"/>
+          <dgm:constr type="w" for="ch" forName="TwoNodes_2" refType="w" fact="0.85"/>
+          <dgm:constr type="h" for="ch" forName="TwoNodes_2" refType="h" fact="0.45"/>
+          <dgm:constr type="b" for="ch" forName="TwoNodes_2" refType="h"/>
+          <dgm:constr type="r" for="ch" forName="TwoNodes_2" refType="w"/>
+          <dgm:constr type="w" for="ch" forName="TwoConn_1-2" refType="h" refFor="ch" refForName="TwoNodes_1" fact="0.65"/>
+          <dgm:constr type="h" for="ch" forName="TwoConn_1-2" refType="h" refFor="ch" refForName="TwoNodes_1" fact="0.65"/>
+          <dgm:constr type="ctrY" for="ch" forName="TwoConn_1-2" refType="h" fact="0.5"/>
+          <dgm:constr type="r" for="ch" forName="TwoConn_1-2" refType="r" refFor="ch" refForName="TwoNodes_1"/>
+          <dgm:constr type="r" for="ch" forName="TwoNodes_1_text" refType="l" refFor="ch" refForName="TwoConn_1-2"/>
+          <dgm:constr type="rOff" for="ch" forName="TwoNodes_1_text" refType="w" refFor="ch" refForName="TwoConn_1-2" fact="-0.5"/>
+          <dgm:constr type="t" for="ch" forName="TwoNodes_1_text" refType="t" refFor="ch" refForName="TwoNodes_1"/>
+          <dgm:constr type="b" for="ch" forName="TwoNodes_1_text" refType="b" refFor="ch" refForName="TwoNodes_1"/>
+          <dgm:constr type="l" for="ch" forName="TwoNodes_1_text" refType="l" refFor="ch" refForName="TwoNodes_1"/>
+          <dgm:constr type="r" for="ch" forName="TwoNodes_2_text" refType="l" refFor="ch" refForName="TwoConn_1-2"/>
+          <dgm:constr type="t" for="ch" forName="TwoNodes_2_text" refType="t" refFor="ch" refForName="TwoNodes_2"/>
+          <dgm:constr type="b" for="ch" forName="TwoNodes_2_text" refType="b" refFor="ch" refForName="TwoNodes_2"/>
+          <dgm:constr type="l" for="ch" forName="TwoNodes_2_text" refType="l" refFor="ch" refForName="TwoNodes_2"/>
+          <dgm:constr type="w" for="ch" forName="ThreeNodes_1" refType="w" fact="0.85"/>
+          <dgm:constr type="h" for="ch" forName="ThreeNodes_1" refType="h" fact="0.3"/>
+          <dgm:constr type="t" for="ch" forName="ThreeNodes_1"/>
+          <dgm:constr type="l" for="ch" forName="ThreeNodes_1"/>
+          <dgm:constr type="w" for="ch" forName="ThreeNodes_2" refType="w" fact="0.85"/>
+          <dgm:constr type="h" for="ch" forName="ThreeNodes_2" refType="h" fact="0.3"/>
+          <dgm:constr type="ctrY" for="ch" forName="ThreeNodes_2" refType="h" fact="0.5"/>
+          <dgm:constr type="ctrX" for="ch" forName="ThreeNodes_2" refType="w" fact="0.5"/>
+          <dgm:constr type="w" for="ch" forName="ThreeNodes_3" refType="w" fact="0.85"/>
+          <dgm:constr type="h" for="ch" forName="ThreeNodes_3" refType="h" fact="0.3"/>
+          <dgm:constr type="b" for="ch" forName="ThreeNodes_3" refType="h"/>
+          <dgm:constr type="r" for="ch" forName="ThreeNodes_3" refType="w"/>
+          <dgm:constr type="w" for="ch" forName="ThreeConn_1-2" refType="h" refFor="ch" refForName="ThreeNodes_1" fact="0.65"/>
+          <dgm:constr type="h" for="ch" forName="ThreeConn_1-2" refType="h" refFor="ch" refForName="ThreeNodes_1" fact="0.65"/>
+          <dgm:constr type="ctrY" for="ch" forName="ThreeConn_1-2" refType="h" fact="0.325"/>
+          <dgm:constr type="r" for="ch" forName="ThreeConn_1-2" refType="r" refFor="ch" refForName="ThreeNodes_1"/>
+          <dgm:constr type="w" for="ch" forName="ThreeConn_2-3" refType="h" refFor="ch" refForName="ThreeNodes_2" fact="0.65"/>
+          <dgm:constr type="h" for="ch" forName="ThreeConn_2-3" refType="h" refFor="ch" refForName="ThreeNodes_2" fact="0.65"/>
+          <dgm:constr type="ctrY" for="ch" forName="ThreeConn_2-3" refType="h" fact="0.673"/>
+          <dgm:constr type="r" for="ch" forName="ThreeConn_2-3" refType="r" refFor="ch" refForName="ThreeNodes_2"/>
+          <dgm:constr type="r" for="ch" forName="ThreeNodes_1_text" refType="l" refFor="ch" refForName="ThreeConn_1-2"/>
+          <dgm:constr type="rOff" for="ch" forName="ThreeNodes_1_text" refType="w" refFor="ch" refForName="ThreeConn_1-2" fact="-0.57"/>
+          <dgm:constr type="t" for="ch" forName="ThreeNodes_1_text" refType="t" refFor="ch" refForName="ThreeNodes_1"/>
+          <dgm:constr type="b" for="ch" forName="ThreeNodes_1_text" refType="b" refFor="ch" refForName="ThreeNodes_1"/>
+          <dgm:constr type="l" for="ch" forName="ThreeNodes_1_text" refType="l" refFor="ch" refForName="ThreeNodes_1"/>
+          <dgm:constr type="r" for="ch" forName="ThreeNodes_2_text" refType="l" refFor="ch" refForName="ThreeConn_1-2"/>
+          <dgm:constr type="t" for="ch" forName="ThreeNodes_2_text" refType="t" refFor="ch" refForName="ThreeNodes_2"/>
+          <dgm:constr type="b" for="ch" forName="ThreeNodes_2_text" refType="b" refFor="ch" refForName="ThreeNodes_2"/>
+          <dgm:constr type="l" for="ch" forName="ThreeNodes_2_text" refType="l" refFor="ch" refForName="ThreeNodes_2"/>
+          <dgm:constr type="r" for="ch" forName="ThreeNodes_3_text" refType="l" refFor="ch" refForName="ThreeConn_2-3"/>
+          <dgm:constr type="t" for="ch" forName="ThreeNodes_3_text" refType="t" refFor="ch" refForName="ThreeNodes_3"/>
+          <dgm:constr type="b" for="ch" forName="ThreeNodes_3_text" refType="b" refFor="ch" refForName="ThreeNodes_3"/>
+          <dgm:constr type="l" for="ch" forName="ThreeNodes_3_text" refType="l" refFor="ch" refForName="ThreeNodes_3"/>
+          <dgm:constr type="w" for="ch" forName="FourNodes_1" refType="w" fact="0.8"/>
+          <dgm:constr type="h" for="ch" forName="FourNodes_1" refType="h" fact="0.22"/>
+          <dgm:constr type="t" for="ch" forName="FourNodes_1"/>
+          <dgm:constr type="l" for="ch" forName="FourNodes_1"/>
+          <dgm:constr type="w" for="ch" forName="FourNodes_2" refType="w" fact="0.8"/>
+          <dgm:constr type="h" for="ch" forName="FourNodes_2" refType="h" fact="0.22"/>
+          <dgm:constr type="ctrY" for="ch" forName="FourNodes_2" refType="h" fact="0.37"/>
+          <dgm:constr type="ctrX" for="ch" forName="FourNodes_2" refType="w" fact="0.467"/>
+          <dgm:constr type="w" for="ch" forName="FourNodes_3" refType="w" fact="0.8"/>
+          <dgm:constr type="h" for="ch" forName="FourNodes_3" refType="h" fact="0.22"/>
+          <dgm:constr type="ctrY" for="ch" forName="FourNodes_3" refType="h" fact="0.63"/>
+          <dgm:constr type="ctrX" for="ch" forName="FourNodes_3" refType="w" fact="0.533"/>
+          <dgm:constr type="w" for="ch" forName="FourNodes_4" refType="w" fact="0.8"/>
+          <dgm:constr type="h" for="ch" forName="FourNodes_4" refType="h" fact="0.22"/>
+          <dgm:constr type="b" for="ch" forName="FourNodes_4" refType="h"/>
+          <dgm:constr type="r" for="ch" forName="FourNodes_4" refType="w"/>
+          <dgm:constr type="w" for="ch" forName="FourConn_1-2" refType="h" refFor="ch" refForName="FourNodes_1" fact="0.65"/>
+          <dgm:constr type="h" for="ch" forName="FourConn_1-2" refType="h" refFor="ch" refForName="FourNodes_1" fact="0.65"/>
+          <dgm:constr type="ctrY" for="ch" forName="FourConn_1-2" refType="h" fact="0.24"/>
+          <dgm:constr type="r" for="ch" forName="FourConn_1-2" refType="r" refFor="ch" refForName="FourNodes_1"/>
+          <dgm:constr type="w" for="ch" forName="FourConn_2-3" refType="h" refFor="ch" refForName="FourNodes_2" fact="0.65"/>
+          <dgm:constr type="h" for="ch" forName="FourConn_2-3" refType="h" refFor="ch" refForName="FourNodes_2" fact="0.65"/>
+          <dgm:constr type="ctrY" for="ch" forName="FourConn_2-3" refType="h" fact="0.5"/>
+          <dgm:constr type="r" for="ch" forName="FourConn_2-3" refType="r" refFor="ch" refForName="FourNodes_2"/>
+          <dgm:constr type="w" for="ch" forName="FourConn_3-4" refType="h" refFor="ch" refForName="FourNodes_3" fact="0.65"/>
+          <dgm:constr type="h" for="ch" forName="FourConn_3-4" refType="h" refFor="ch" refForName="FourNodes_3" fact="0.65"/>
+          <dgm:constr type="ctrY" for="ch" forName="FourConn_3-4" refType="h" fact="0.76"/>
+          <dgm:constr type="r" for="ch" forName="FourConn_3-4" refType="r" refFor="ch" refForName="FourNodes_3"/>
+          <dgm:constr type="r" for="ch" forName="FourNodes_1_text" refType="l" refFor="ch" refForName="FourConn_1-2"/>
+          <dgm:constr type="rOff" for="ch" forName="FourNodes_1_text" refType="w" refFor="ch" refForName="FourConn_1-2" fact="-0.7"/>
+          <dgm:constr type="t" for="ch" forName="FourNodes_1_text" refType="t" refFor="ch" refForName="FourNodes_1"/>
+          <dgm:constr type="b" for="ch" forName="FourNodes_1_text" refType="b" refFor="ch" refForName="FourNodes_1"/>
+          <dgm:constr type="l" for="ch" forName="FourNodes_1_text" refType="l" refFor="ch" refForName="FourNodes_1"/>
+          <dgm:constr type="r" for="ch" forName="FourNodes_2_text" refType="l" refFor="ch" refForName="FourConn_1-2"/>
+          <dgm:constr type="t" for="ch" forName="FourNodes_2_text" refType="t" refFor="ch" refForName="FourNodes_2"/>
+          <dgm:constr type="b" for="ch" forName="FourNodes_2_text" refType="b" refFor="ch" refForName="FourNodes_2"/>
+          <dgm:constr type="l" for="ch" forName="FourNodes_2_text" refType="l" refFor="ch" refForName="FourNodes_2"/>
+          <dgm:constr type="r" for="ch" forName="FourNodes_3_text" refType="l" refFor="ch" refForName="FourConn_2-3"/>
+          <dgm:constr type="t" for="ch" forName="FourNodes_3_text" refType="t" refFor="ch" refForName="FourNodes_3"/>
+          <dgm:constr type="b" for="ch" forName="FourNodes_3_text" refType="b" refFor="ch" refForName="FourNodes_3"/>
+          <dgm:constr type="l" for="ch" forName="FourNodes_3_text" refType="l" refFor="ch" refForName="FourNodes_3"/>
+          <dgm:constr type="r" for="ch" forName="FourNodes_4_text" refType="l" refFor="ch" refForName="FourConn_3-4"/>
+          <dgm:constr type="t" for="ch" forName="FourNodes_4_text" refType="t" refFor="ch" refForName="FourNodes_4"/>
+          <dgm:constr type="b" for="ch" forName="FourNodes_4_text" refType="b" refFor="ch" refForName="FourNodes_4"/>
+          <dgm:constr type="l" for="ch" forName="FourNodes_4_text" refType="l" refFor="ch" refForName="FourNodes_4"/>
+          <dgm:constr type="w" for="ch" forName="FiveNodes_1" refType="w" fact="0.77"/>
+          <dgm:constr type="h" for="ch" forName="FiveNodes_1" refType="h" fact="0.18"/>
+          <dgm:constr type="t" for="ch" forName="FiveNodes_1"/>
+          <dgm:constr type="l" for="ch" forName="FiveNodes_1"/>
+          <dgm:constr type="w" for="ch" forName="FiveNodes_2" refType="w" fact="0.77"/>
+          <dgm:constr type="h" for="ch" forName="FiveNodes_2" refType="h" fact="0.18"/>
+          <dgm:constr type="ctrY" for="ch" forName="FiveNodes_2" refType="h" fact="0.295"/>
+          <dgm:constr type="ctrX" for="ch" forName="FiveNodes_2" refType="w" fact="0.4425"/>
+          <dgm:constr type="w" for="ch" forName="FiveNodes_3" refType="w" fact="0.77"/>
+          <dgm:constr type="h" for="ch" forName="FiveNodes_3" refType="h" fact="0.18"/>
+          <dgm:constr type="ctrY" for="ch" forName="FiveNodes_3" refType="h" fact="0.5"/>
+          <dgm:constr type="ctrX" for="ch" forName="FiveNodes_3" refType="w" fact="0.5"/>
+          <dgm:constr type="w" for="ch" forName="FiveNodes_4" refType="w" fact="0.77"/>
+          <dgm:constr type="h" for="ch" forName="FiveNodes_4" refType="h" fact="0.18"/>
+          <dgm:constr type="ctrY" for="ch" forName="FiveNodes_4" refType="h" fact="0.705"/>
+          <dgm:constr type="ctrX" for="ch" forName="FiveNodes_4" refType="w" fact="0.5575"/>
+          <dgm:constr type="w" for="ch" forName="FiveNodes_5" refType="w" fact="0.77"/>
+          <dgm:constr type="h" for="ch" forName="FiveNodes_5" refType="h" fact="0.18"/>
+          <dgm:constr type="b" for="ch" forName="FiveNodes_5" refType="h"/>
+          <dgm:constr type="r" for="ch" forName="FiveNodes_5" refType="w"/>
+          <dgm:constr type="w" for="ch" forName="FiveConn_1-2" refType="h" refFor="ch" refForName="FiveNodes_1" fact="0.65"/>
+          <dgm:constr type="h" for="ch" forName="FiveConn_1-2" refType="h" refFor="ch" refForName="FiveNodes_1" fact="0.65"/>
+          <dgm:constr type="ctrY" for="ch" forName="FiveConn_1-2" refType="h" fact="0.19"/>
+          <dgm:constr type="r" for="ch" forName="FiveConn_1-2" refType="r" refFor="ch" refForName="FiveNodes_1"/>
+          <dgm:constr type="w" for="ch" forName="FiveConn_2-3" refType="h" refFor="ch" refForName="FiveNodes_2" fact="0.65"/>
+          <dgm:constr type="h" for="ch" forName="FiveConn_2-3" refType="h" refFor="ch" refForName="FiveNodes_2" fact="0.65"/>
+          <dgm:constr type="ctrY" for="ch" forName="FiveConn_2-3" refType="h" fact="0.395"/>
+          <dgm:constr type="r" for="ch" forName="FiveConn_2-3" refType="r" refFor="ch" refForName="FiveNodes_2"/>
+          <dgm:constr type="w" for="ch" forName="FiveConn_3-4" refType="h" refFor="ch" refForName="FiveNodes_3" fact="0.65"/>
+          <dgm:constr type="h" for="ch" forName="FiveConn_3-4" refType="h" refFor="ch" refForName="FiveNodes_3" fact="0.65"/>
+          <dgm:constr type="ctrY" for="ch" forName="FiveConn_3-4" refType="h" fact="0.597"/>
+          <dgm:constr type="r" for="ch" forName="FiveConn_3-4" refType="r" refFor="ch" refForName="FiveNodes_3"/>
+          <dgm:constr type="w" for="ch" forName="FiveConn_4-5" refType="h" refFor="ch" refForName="FiveNodes_4" fact="0.65"/>
+          <dgm:constr type="h" for="ch" forName="FiveConn_4-5" refType="h" refFor="ch" refForName="FiveNodes_4" fact="0.65"/>
+          <dgm:constr type="ctrY" for="ch" forName="FiveConn_4-5" refType="h" fact="0.804"/>
+          <dgm:constr type="r" for="ch" forName="FiveConn_4-5" refType="r" refFor="ch" refForName="FiveNodes_4"/>
+          <dgm:constr type="r" for="ch" forName="FiveNodes_1_text" refType="l" refFor="ch" refForName="FiveConn_1-2"/>
+          <dgm:constr type="rOff" for="ch" forName="FiveNodes_1_text" refType="w" refFor="ch" refForName="FiveConn_1-2" fact="-0.75"/>
+          <dgm:constr type="t" for="ch" forName="FiveNodes_1_text" refType="t" refFor="ch" refForName="FiveNodes_1"/>
+          <dgm:constr type="b" for="ch" forName="FiveNodes_1_text" refType="b" refFor="ch" refForName="FiveNodes_1"/>
+          <dgm:constr type="l" for="ch" forName="FiveNodes_1_text" refType="l" refFor="ch" refForName="FiveNodes_1"/>
+          <dgm:constr type="r" for="ch" forName="FiveNodes_2_text" refType="l" refFor="ch" refForName="FiveConn_1-2"/>
+          <dgm:constr type="t" for="ch" forName="FiveNodes_2_text" refType="t" refFor="ch" refForName="FiveNodes_2"/>
+          <dgm:constr type="b" for="ch" forName="FiveNodes_2_text" refType="b" refFor="ch" refForName="FiveNodes_2"/>
+          <dgm:constr type="l" for="ch" forName="FiveNodes_2_text" refType="l" refFor="ch" refForName="FiveNodes_2"/>
+          <dgm:constr type="r" for="ch" forName="FiveNodes_3_text" refType="l" refFor="ch" refForName="FiveConn_2-3"/>
+          <dgm:constr type="t" for="ch" forName="FiveNodes_3_text" refType="t" refFor="ch" refForName="FiveNodes_3"/>
+          <dgm:constr type="b" for="ch" forName="FiveNodes_3_text" refType="b" refFor="ch" refForName="FiveNodes_3"/>
+          <dgm:constr type="l" for="ch" forName="FiveNodes_3_text" refType="l" refFor="ch" refForName="FiveNodes_3"/>
+          <dgm:constr type="r" for="ch" forName="FiveNodes_4_text" refType="l" refFor="ch" refForName="FiveConn_3-4"/>
+          <dgm:constr type="t" for="ch" forName="FiveNodes_4_text" refType="t" refFor="ch" refForName="FiveNodes_4"/>
+          <dgm:constr type="b" for="ch" forName="FiveNodes_4_text" refType="b" refFor="ch" refForName="FiveNodes_4"/>
+          <dgm:constr type="l" for="ch" forName="FiveNodes_4_text" refType="l" refFor="ch" refForName="FiveNodes_4"/>
+          <dgm:constr type="r" for="ch" forName="FiveNodes_5_text" refType="l" refFor="ch" refForName="FiveConn_4-5"/>
+          <dgm:constr type="t" for="ch" forName="FiveNodes_5_text" refType="t" refFor="ch" refForName="FiveNodes_5"/>
+          <dgm:constr type="b" for="ch" forName="FiveNodes_5_text" refType="b" refFor="ch" refForName="FiveNodes_5"/>
+          <dgm:constr type="l" for="ch" forName="FiveNodes_5_text" refType="l" refFor="ch" refForName="FiveNodes_5"/>
+        </dgm:constrLst>
+      </dgm:if>
+      <dgm:else name="Name2">
+        <dgm:constrLst>
+          <dgm:constr type="primFontSz" for="ch" ptType="node" op="equ" val="65"/>
+          <dgm:constr type="w" for="ch" forName="dummyMaxCanvas" refType="w"/>
+          <dgm:constr type="h" for="ch" forName="dummyMaxCanvas" refType="h"/>
+          <dgm:constr type="w" for="ch" forName="OneNode_1" refType="w"/>
+          <dgm:constr type="h" for="ch" forName="OneNode_1" refType="h" fact="0.5"/>
+          <dgm:constr type="ctrY" for="ch" forName="OneNode_1" refType="h" fact="0.5"/>
+          <dgm:constr type="w" for="ch" forName="TwoNodes_1" refType="w" fact="0.85"/>
+          <dgm:constr type="h" for="ch" forName="TwoNodes_1" refType="h" fact="0.45"/>
+          <dgm:constr type="t" for="ch" forName="TwoNodes_1"/>
+          <dgm:constr type="r" for="ch" forName="TwoNodes_1" refType="w"/>
+          <dgm:constr type="w" for="ch" forName="TwoNodes_2" refType="w" fact="0.85"/>
+          <dgm:constr type="h" for="ch" forName="TwoNodes_2" refType="h" fact="0.45"/>
+          <dgm:constr type="b" for="ch" forName="TwoNodes_2" refType="h"/>
+          <dgm:constr type="l" for="ch" forName="TwoNodes_2"/>
+          <dgm:constr type="w" for="ch" forName="TwoConn_1-2" refType="h" refFor="ch" refForName="TwoNodes_1" fact="0.65"/>
+          <dgm:constr type="h" for="ch" forName="TwoConn_1-2" refType="h" refFor="ch" refForName="TwoNodes_1" fact="0.65"/>
+          <dgm:constr type="ctrY" for="ch" forName="TwoConn_1-2" refType="h" fact="0.5"/>
+          <dgm:constr type="l" for="ch" forName="TwoConn_1-2" refType="l" refFor="ch" refForName="TwoNodes_1"/>
+          <dgm:constr type="l" for="ch" forName="TwoNodes_1_text" refType="r" refFor="ch" refForName="TwoConn_1-2"/>
+          <dgm:constr type="lOff" for="ch" forName="TwoNodes_1_text" refType="w" refFor="ch" refForName="TwoConn_1-2" fact="0.5"/>
+          <dgm:constr type="t" for="ch" forName="TwoNodes_1_text" refType="t" refFor="ch" refForName="TwoNodes_1"/>
+          <dgm:constr type="b" for="ch" forName="TwoNodes_1_text" refType="b" refFor="ch" refForName="TwoNodes_1"/>
+          <dgm:constr type="r" for="ch" forName="TwoNodes_1_text" refType="r" refFor="ch" refForName="TwoNodes_1"/>
+          <dgm:constr type="l" for="ch" forName="TwoNodes_2_text" refType="r" refFor="ch" refForName="TwoConn_1-2"/>
+          <dgm:constr type="t" for="ch" forName="TwoNodes_2_text" refType="t" refFor="ch" refForName="TwoNodes_2"/>
+          <dgm:constr type="b" for="ch" forName="TwoNodes_2_text" refType="b" refFor="ch" refForName="TwoNodes_2"/>
+          <dgm:constr type="r" for="ch" forName="TwoNodes_2_text" refType="r" refFor="ch" refForName="TwoNodes_2"/>
+          <dgm:constr type="w" for="ch" forName="ThreeNodes_1" refType="w" fact="0.85"/>
+          <dgm:constr type="h" for="ch" forName="ThreeNodes_1" refType="h" fact="0.3"/>
+          <dgm:constr type="t" for="ch" forName="ThreeNodes_1"/>
+          <dgm:constr type="r" for="ch" forName="ThreeNodes_1" refType="w"/>
+          <dgm:constr type="w" for="ch" forName="ThreeNodes_2" refType="w" fact="0.85"/>
+          <dgm:constr type="h" for="ch" forName="ThreeNodes_2" refType="h" fact="0.3"/>
+          <dgm:constr type="ctrY" for="ch" forName="ThreeNodes_2" refType="h" fact="0.5"/>
+          <dgm:constr type="ctrX" for="ch" forName="ThreeNodes_2" refType="w" fact="0.5"/>
+          <dgm:constr type="w" for="ch" forName="ThreeNodes_3" refType="w" fact="0.85"/>
+          <dgm:constr type="h" for="ch" forName="ThreeNodes_3" refType="h" fact="0.3"/>
+          <dgm:constr type="b" for="ch" forName="ThreeNodes_3" refType="h"/>
+          <dgm:constr type="l" for="ch" forName="ThreeNodes_3"/>
+          <dgm:constr type="w" for="ch" forName="ThreeConn_1-2" refType="h" refFor="ch" refForName="ThreeNodes_1" fact="0.65"/>
+          <dgm:constr type="h" for="ch" forName="ThreeConn_1-2" refType="h" refFor="ch" refForName="ThreeNodes_1" fact="0.65"/>
+          <dgm:constr type="ctrY" for="ch" forName="ThreeConn_1-2" refType="h" fact="0.325"/>
+          <dgm:constr type="l" for="ch" forName="ThreeConn_1-2" refType="l" refFor="ch" refForName="ThreeNodes_1"/>
+          <dgm:constr type="w" for="ch" forName="ThreeConn_2-3" refType="h" refFor="ch" refForName="ThreeNodes_2" fact="0.65"/>
+          <dgm:constr type="h" for="ch" forName="ThreeConn_2-3" refType="h" refFor="ch" refForName="ThreeNodes_2" fact="0.65"/>
+          <dgm:constr type="ctrY" for="ch" forName="ThreeConn_2-3" refType="h" fact="0.673"/>
+          <dgm:constr type="l" for="ch" forName="ThreeConn_2-3" refType="l" refFor="ch" refForName="ThreeNodes_2"/>
+          <dgm:constr type="l" for="ch" forName="ThreeNodes_1_text" refType="r" refFor="ch" refForName="ThreeConn_1-2"/>
+          <dgm:constr type="lOff" for="ch" forName="ThreeNodes_1_text" refType="w" refFor="ch" refForName="ThreeConn_1-2" fact="0.55"/>
+          <dgm:constr type="t" for="ch" forName="ThreeNodes_1_text" refType="t" refFor="ch" refForName="ThreeNodes_1"/>
+          <dgm:constr type="b" for="ch" forName="ThreeNodes_1_text" refType="b" refFor="ch" refForName="ThreeNodes_1"/>
+          <dgm:constr type="r" for="ch" forName="ThreeNodes_1_text" refType="r" refFor="ch" refForName="ThreeNodes_1"/>
+          <dgm:constr type="l" for="ch" forName="ThreeNodes_2_text" refType="r" refFor="ch" refForName="ThreeConn_1-2"/>
+          <dgm:constr type="t" for="ch" forName="ThreeNodes_2_text" refType="t" refFor="ch" refForName="ThreeNodes_2"/>
+          <dgm:constr type="b" for="ch" forName="ThreeNodes_2_text" refType="b" refFor="ch" refForName="ThreeNodes_2"/>
+          <dgm:constr type="r" for="ch" forName="ThreeNodes_2_text" refType="r" refFor="ch" refForName="ThreeNodes_2"/>
+          <dgm:constr type="l" for="ch" forName="ThreeNodes_3_text" refType="r" refFor="ch" refForName="ThreeConn_2-3"/>
+          <dgm:constr type="t" for="ch" forName="ThreeNodes_3_text" refType="t" refFor="ch" refForName="ThreeNodes_3"/>
+          <dgm:constr type="b" for="ch" forName="ThreeNodes_3_text" refType="b" refFor="ch" refForName="ThreeNodes_3"/>
+          <dgm:constr type="r" for="ch" forName="ThreeNodes_3_text" refType="r" refFor="ch" refForName="ThreeNodes_3"/>
+          <dgm:constr type="w" for="ch" forName="FourNodes_1" refType="w" fact="0.8"/>
+          <dgm:constr type="h" for="ch" forName="FourNodes_1" refType="h" fact="0.22"/>
+          <dgm:constr type="t" for="ch" forName="FourNodes_1"/>
+          <dgm:constr type="r" for="ch" forName="FourNodes_1" refType="w"/>
+          <dgm:constr type="w" for="ch" forName="FourNodes_2" refType="w" fact="0.8"/>
+          <dgm:constr type="h" for="ch" forName="FourNodes_2" refType="h" fact="0.22"/>
+          <dgm:constr type="ctrY" for="ch" forName="FourNodes_2" refType="h" fact="0.37"/>
+          <dgm:constr type="ctrX" for="ch" forName="FourNodes_2" refType="w" fact="0.533"/>
+          <dgm:constr type="w" for="ch" forName="FourNodes_3" refType="w" fact="0.8"/>
+          <dgm:constr type="h" for="ch" forName="FourNodes_3" refType="h" fact="0.22"/>
+          <dgm:constr type="ctrY" for="ch" forName="FourNodes_3" refType="h" fact="0.63"/>
+          <dgm:constr type="ctrX" for="ch" forName="FourNodes_3" refType="w" fact="0.467"/>
+          <dgm:constr type="w" for="ch" forName="FourNodes_4" refType="w" fact="0.8"/>
+          <dgm:constr type="h" for="ch" forName="FourNodes_4" refType="h" fact="0.22"/>
+          <dgm:constr type="b" for="ch" forName="FourNodes_4" refType="h"/>
+          <dgm:constr type="l" for="ch" forName="FourNodes_4"/>
+          <dgm:constr type="w" for="ch" forName="FourConn_1-2" refType="h" refFor="ch" refForName="FourNodes_1" fact="0.65"/>
+          <dgm:constr type="h" for="ch" forName="FourConn_1-2" refType="h" refFor="ch" refForName="FourNodes_1" fact="0.65"/>
+          <dgm:constr type="ctrY" for="ch" forName="FourConn_1-2" refType="h" fact="0.24"/>
+          <dgm:constr type="l" for="ch" forName="FourConn_1-2" refType="l" refFor="ch" refForName="FourNodes_1"/>
+          <dgm:constr type="w" for="ch" forName="FourConn_2-3" refType="h" refFor="ch" refForName="FourNodes_2" fact="0.65"/>
+          <dgm:constr type="h" for="ch" forName="FourConn_2-3" refType="h" refFor="ch" refForName="FourNodes_2" fact="0.65"/>
+          <dgm:constr type="ctrY" for="ch" forName="FourConn_2-3" refType="h" fact="0.5"/>
+          <dgm:constr type="l" for="ch" forName="FourConn_2-3" refType="l" refFor="ch" refForName="FourNodes_2"/>
+          <dgm:constr type="w" for="ch" forName="FourConn_3-4" refType="h" refFor="ch" refForName="FourNodes_3" fact="0.65"/>
+          <dgm:constr type="h" for="ch" forName="FourConn_3-4" refType="h" refFor="ch" refForName="FourNodes_3" fact="0.65"/>
+          <dgm:constr type="ctrY" for="ch" forName="FourConn_3-4" refType="h" fact="0.76"/>
+          <dgm:constr type="l" for="ch" forName="FourConn_3-4" refType="l" refFor="ch" refForName="FourNodes_3"/>
+          <dgm:constr type="l" for="ch" forName="FourNodes_1_text" refType="r" refFor="ch" refForName="FourConn_1-2"/>
+          <dgm:constr type="lOff" for="ch" forName="FourNodes_1_text" refType="w" refFor="ch" refForName="FourConn_1-2" fact="0.69"/>
+          <dgm:constr type="t" for="ch" forName="FourNodes_1_text" refType="t" refFor="ch" refForName="FourNodes_1"/>
+          <dgm:constr type="b" for="ch" forName="FourNodes_1_text" refType="b" refFor="ch" refForName="FourNodes_1"/>
+          <dgm:constr type="r" for="ch" forName="FourNodes_1_text" refType="r" refFor="ch" refForName="FourNodes_1"/>
+          <dgm:constr type="l" for="ch" forName="FourNodes_2_text" refType="r" refFor="ch" refForName="FourConn_1-2"/>
+          <dgm:constr type="t" for="ch" forName="FourNodes_2_text" refType="t" refFor="ch" refForName="FourNodes_2"/>
+          <dgm:constr type="b" for="ch" forName="FourNodes_2_text" refType="b" refFor="ch" refForName="FourNodes_2"/>
+          <dgm:constr type="r" for="ch" forName="FourNodes_2_text" refType="r" refFor="ch" refForName="FourNodes_2"/>
+          <dgm:constr type="l" for="ch" forName="FourNodes_3_text" refType="r" refFor="ch" refForName="FourConn_2-3"/>
+          <dgm:constr type="t" for="ch" forName="FourNodes_3_text" refType="t" refFor="ch" refForName="FourNodes_3"/>
+          <dgm:constr type="b" for="ch" forName="FourNodes_3_text" refType="b" refFor="ch" refForName="FourNodes_3"/>
+          <dgm:constr type="r" for="ch" forName="FourNodes_3_text" refType="r" refFor="ch" refForName="FourNodes_3"/>
+          <dgm:constr type="l" for="ch" forName="FourNodes_4_text" refType="r" refFor="ch" refForName="FourConn_3-4"/>
+          <dgm:constr type="t" for="ch" forName="FourNodes_4_text" refType="t" refFor="ch" refForName="FourNodes_4"/>
+          <dgm:constr type="b" for="ch" forName="FourNodes_4_text" refType="b" refFor="ch" refForName="FourNodes_4"/>
+          <dgm:constr type="r" for="ch" forName="FourNodes_4_text" refType="r" refFor="ch" refForName="FourNodes_4"/>
+          <dgm:constr type="w" for="ch" forName="FiveNodes_1" refType="w" fact="0.77"/>
+          <dgm:constr type="h" for="ch" forName="FiveNodes_1" refType="h" fact="0.18"/>
+          <dgm:constr type="t" for="ch" forName="FiveNodes_1"/>
+          <dgm:constr type="r" for="ch" forName="FiveNodes_1" refType="w"/>
+          <dgm:constr type="w" for="ch" forName="FiveNodes_2" refType="w" fact="0.77"/>
+          <dgm:constr type="h" for="ch" forName="FiveNodes_2" refType="h" fact="0.18"/>
+          <dgm:constr type="ctrY" for="ch" forName="FiveNodes_2" refType="h" fact="0.295"/>
+          <dgm:constr type="ctrX" for="ch" forName="FiveNodes_2" refType="w" fact="0.5575"/>
+          <dgm:constr type="w" for="ch" forName="FiveNodes_3" refType="w" fact="0.77"/>
+          <dgm:constr type="h" for="ch" forName="FiveNodes_3" refType="h" fact="0.18"/>
+          <dgm:constr type="ctrY" for="ch" forName="FiveNodes_3" refType="h" fact="0.5"/>
+          <dgm:constr type="ctrX" for="ch" forName="FiveNodes_3" refType="w" fact="0.5"/>
+          <dgm:constr type="w" for="ch" forName="FiveNodes_4" refType="w" fact="0.77"/>
+          <dgm:constr type="h" for="ch" forName="FiveNodes_4" refType="h" fact="0.18"/>
+          <dgm:constr type="ctrY" for="ch" forName="FiveNodes_4" refType="h" fact="0.705"/>
+          <dgm:constr type="ctrX" for="ch" forName="FiveNodes_4" refType="w" fact="0.4425"/>
+          <dgm:constr type="w" for="ch" forName="FiveNodes_5" refType="w" fact="0.77"/>
+          <dgm:constr type="h" for="ch" forName="FiveNodes_5" refType="h" fact="0.18"/>
+          <dgm:constr type="b" for="ch" forName="FiveNodes_5" refType="h"/>
+          <dgm:constr type="l" for="ch" forName="FiveNodes_5"/>
+          <dgm:constr type="w" for="ch" forName="FiveConn_1-2" refType="h" refFor="ch" refForName="FiveNodes_1" fact="0.65"/>
+          <dgm:constr type="h" for="ch" forName="FiveConn_1-2" refType="h" refFor="ch" refForName="FiveNodes_1" fact="0.65"/>
+          <dgm:constr type="ctrY" for="ch" forName="FiveConn_1-2" refType="h" fact="0.19"/>
+          <dgm:constr type="l" for="ch" forName="FiveConn_1-2" refType="l" refFor="ch" refForName="FiveNodes_1"/>
+          <dgm:constr type="w" for="ch" forName="FiveConn_2-3" refType="h" refFor="ch" refForName="FiveNodes_2" fact="0.65"/>
+          <dgm:constr type="h" for="ch" forName="FiveConn_2-3" refType="h" refFor="ch" refForName="FiveNodes_2" fact="0.65"/>
+          <dgm:constr type="ctrY" for="ch" forName="FiveConn_2-3" refType="h" fact="0.395"/>
+          <dgm:constr type="l" for="ch" forName="FiveConn_2-3" refType="l" refFor="ch" refForName="FiveNodes_2"/>
+          <dgm:constr type="w" for="ch" forName="FiveConn_3-4" refType="h" refFor="ch" refForName="FiveNodes_3" fact="0.65"/>
+          <dgm:constr type="h" for="ch" forName="FiveConn_3-4" refType="h" refFor="ch" refForName="FiveNodes_3" fact="0.65"/>
+          <dgm:constr type="ctrY" for="ch" forName="FiveConn_3-4" refType="h" fact="0.597"/>
+          <dgm:constr type="l" for="ch" forName="FiveConn_3-4" refType="l" refFor="ch" refForName="FiveNodes_3"/>
+          <dgm:constr type="w" for="ch" forName="FiveConn_4-5" refType="h" refFor="ch" refForName="FiveNodes_4" fact="0.65"/>
+          <dgm:constr type="h" for="ch" forName="FiveConn_4-5" refType="h" refFor="ch" refForName="FiveNodes_4" fact="0.65"/>
+          <dgm:constr type="ctrY" for="ch" forName="FiveConn_4-5" refType="h" fact="0.804"/>
+          <dgm:constr type="l" for="ch" forName="FiveConn_4-5" refType="l" refFor="ch" refForName="FiveNodes_4"/>
+          <dgm:constr type="l" for="ch" forName="FiveNodes_1_text" refType="r" refFor="ch" refForName="FiveConn_1-2"/>
+          <dgm:constr type="lOff" for="ch" forName="FiveNodes_1_text" refType="w" refFor="ch" refForName="FiveConn_1-2" fact="0.73"/>
+          <dgm:constr type="t" for="ch" forName="FiveNodes_1_text" refType="t" refFor="ch" refForName="FiveNodes_1"/>
+          <dgm:constr type="b" for="ch" forName="FiveNodes_1_text" refType="b" refFor="ch" refForName="FiveNodes_1"/>
+          <dgm:constr type="r" for="ch" forName="FiveNodes_1_text" refType="r" refFor="ch" refForName="FiveNodes_1"/>
+          <dgm:constr type="l" for="ch" forName="FiveNodes_2_text" refType="r" refFor="ch" refForName="FiveConn_1-2"/>
+          <dgm:constr type="t" for="ch" forName="FiveNodes_2_text" refType="t" refFor="ch" refForName="FiveNodes_2"/>
+          <dgm:constr type="b" for="ch" forName="FiveNodes_2_text" refType="b" refFor="ch" refForName="FiveNodes_2"/>
+          <dgm:constr type="r" for="ch" forName="FiveNodes_2_text" refType="r" refFor="ch" refForName="FiveNodes_2"/>
+          <dgm:constr type="l" for="ch" forName="FiveNodes_3_text" refType="r" refFor="ch" refForName="FiveConn_2-3"/>
+          <dgm:constr type="t" for="ch" forName="FiveNodes_3_text" refType="t" refFor="ch" refForName="FiveNodes_3"/>
+          <dgm:constr type="b" for="ch" forName="FiveNodes_3_text" refType="b" refFor="ch" refForName="FiveNodes_3"/>
+          <dgm:constr type="r" for="ch" forName="FiveNodes_3_text" refType="r" refFor="ch" refForName="FiveNodes_3"/>
+          <dgm:constr type="l" for="ch" forName="FiveNodes_4_text" refType="r" refFor="ch" refForName="FiveConn_3-4"/>
+          <dgm:constr type="t" for="ch" forName="FiveNodes_4_text" refType="t" refFor="ch" refForName="FiveNodes_4"/>
+          <dgm:constr type="b" for="ch" forName="FiveNodes_4_text" refType="b" refFor="ch" refForName="FiveNodes_4"/>
+          <dgm:constr type="r" for="ch" forName="FiveNodes_4_text" refType="r" refFor="ch" refForName="FiveNodes_4"/>
+          <dgm:constr type="l" for="ch" forName="FiveNodes_5_text" refType="r" refFor="ch" refForName="FiveConn_4-5"/>
+          <dgm:constr type="t" for="ch" forName="FiveNodes_5_text" refType="t" refFor="ch" refForName="FiveNodes_5"/>
+          <dgm:constr type="b" for="ch" forName="FiveNodes_5_text" refType="b" refFor="ch" refForName="FiveNodes_5"/>
+          <dgm:constr type="r" for="ch" forName="FiveNodes_5_text" refType="r" refFor="ch" refForName="FiveNodes_5"/>
+        </dgm:constrLst>
+      </dgm:else>
+    </dgm:choose>
+    <dgm:ruleLst/>
+    <dgm:layoutNode name="dummyMaxCanvas">
+      <dgm:varLst/>
+      <dgm:alg type="sp"/>
+      <dgm:shape xmlns:r="http://schemas.openxmlformats.org/officeDocument/2006/relationships" r:blip="">
+        <dgm:adjLst/>
+      </dgm:shape>
+      <dgm:presOf/>
+      <dgm:constrLst/>
+      <dgm:ruleLst/>
+    </dgm:layoutNode>
+    <dgm:choose name="Name3">
+      <dgm:if name="Name4" axis="ch" ptType="node" func="cnt" op="equ" val="1">
+        <dgm:layoutNode name="OneNode_1">
+          <dgm:varLst>
+            <dgm:bulletEnabled val="1"/>
+          </dgm:varLst>
+          <dgm:alg type="tx"/>
+          <dgm:shape xmlns:r="http://schemas.openxmlformats.org/officeDocument/2006/relationships" type="roundRect" r:blip="">
+            <dgm:adjLst>
+              <dgm:adj idx="1" val="0.1"/>
+            </dgm:adjLst>
+          </dgm:shape>
+          <dgm:presOf axis="ch desOrSelf" ptType="node node" st="1 1" cnt="1 0"/>
+          <dgm:constrLst>
+            <dgm:constr type="lMarg" refType="primFontSz" fact="0.3"/>
+            <dgm:constr type="rMarg" refType="primFontSz" fact="0.3"/>
+            <dgm:constr type="tMarg" refType="primFontSz" fact="0.3"/>
+            <dgm:constr type="bMarg" refType="primFontSz" fact="0.3"/>
+          </dgm:constrLst>
+          <dgm:ruleLst>
+            <dgm:rule type="primFontSz" val="5" fact="NaN" max="NaN"/>
+          </dgm:ruleLst>
+        </dgm:layoutNode>
+      </dgm:if>
+      <dgm:else name="Name5">
+        <dgm:choose name="Name6">
+          <dgm:if name="Name7" axis="ch" ptType="node" func="cnt" op="equ" val="2">
+            <dgm:layoutNode name="TwoNodes_1">
+              <dgm:varLst>
+                <dgm:bulletEnabled val="1"/>
+              </dgm:varLst>
+              <dgm:alg type="sp"/>
+              <dgm:shape xmlns:r="http://schemas.openxmlformats.org/officeDocument/2006/relationships" type="roundRect" r:blip="">
+                <dgm:adjLst>
+                  <dgm:adj idx="1" val="0.1"/>
+                </dgm:adjLst>
+              </dgm:shape>
+              <dgm:presOf axis="ch desOrSelf" ptType="node node" st="1 1" cnt="1 0"/>
+              <dgm:constrLst/>
+              <dgm:ruleLst/>
+            </dgm:layoutNode>
+            <dgm:layoutNode name="TwoNodes_2">
+              <dgm:varLst>
+                <dgm:bulletEnabled val="1"/>
+              </dgm:varLst>
+              <dgm:alg type="sp"/>
+              <dgm:shape xmlns:r="http://schemas.openxmlformats.org/officeDocument/2006/relationships" type="roundRect" r:blip="">
+                <dgm:adjLst>
+                  <dgm:adj idx="1" val="0.1"/>
+                </dgm:adjLst>
+              </dgm:shape>
+              <dgm:presOf axis="ch desOrSelf" ptType="node node" st="2 1" cnt="1 0"/>
+              <dgm:constrLst/>
+              <dgm:ruleLst/>
+            </dgm:layoutNode>
+            <dgm:layoutNode name="TwoConn_1-2" styleLbl="fgAccFollowNode1">
+              <dgm:varLst>
+                <dgm:bulletEnabled val="1"/>
+              </dgm:varLst>
+              <dgm:alg type="tx"/>
+              <dgm:shape xmlns:r="http://schemas.openxmlformats.org/officeDocument/2006/relationships" type="downArrow" r:blip="">
+                <dgm:adjLst>
+                  <dgm:adj idx="1" val="0.55"/>
+                  <dgm:adj idx="2" val="0.45"/>
+                </dgm:adjLst>
+              </dgm:shape>
+              <dgm:presOf axis="ch" ptType="sibTrans" cnt="1"/>
+              <dgm:constrLst>
+                <dgm:constr type="lMarg" refType="primFontSz" fact="0.1"/>
+                <dgm:constr type="rMarg" refType="primFontSz" fact="0.1"/>
+                <dgm:constr type="tMarg" refType="primFontSz" fact="0.1"/>
+                <dgm:constr type="bMarg" refType="primFontSz" fact="0.1"/>
+              </dgm:constrLst>
+              <dgm:ruleLst>
+                <dgm:rule type="primFontSz" val="5" fact="NaN" max="NaN"/>
+              </dgm:ruleLst>
+            </dgm:layoutNode>
+            <dgm:layoutNode name="TwoNodes_1_text">
+              <dgm:varLst>
+                <dgm:bulletEnabled val="1"/>
+              </dgm:varLst>
+              <dgm:alg type="tx">
+                <dgm:param type="parTxLTRAlign" val="l"/>
+                <dgm:param type="txAnchorVertCh" val="mid"/>
+              </dgm:alg>
+              <dgm:shape xmlns:r="http://schemas.openxmlformats.org/officeDocument/2006/relationships" type="roundRect" r:blip="" hideGeom="1">
+                <dgm:adjLst>
+                  <dgm:adj idx="1" val="0.1"/>
+                </dgm:adjLst>
+              </dgm:shape>
+              <dgm:presOf axis="ch desOrSelf" ptType="node node" st="1 1" cnt="1 0"/>
+              <dgm:constrLst>
+                <dgm:constr type="lMarg" refType="primFontSz" fact="0.3"/>
+                <dgm:constr type="rMarg" refType="primFontSz" fact="0.3"/>
+                <dgm:constr type="tMarg" refType="primFontSz" fact="0.3"/>
+                <dgm:constr type="bMarg" refType="primFontSz" fact="0.3"/>
+              </dgm:constrLst>
+              <dgm:ruleLst>
+                <dgm:rule type="primFontSz" val="5" fact="NaN" max="NaN"/>
+              </dgm:ruleLst>
+            </dgm:layoutNode>
+            <dgm:layoutNode name="TwoNodes_2_text">
+              <dgm:varLst>
+                <dgm:bulletEnabled val="1"/>
+              </dgm:varLst>
+              <dgm:alg type="tx">
+                <dgm:param type="parTxLTRAlign" val="l"/>
+                <dgm:param type="txAnchorVertCh" val="mid"/>
+              </dgm:alg>
+              <dgm:shape xmlns:r="http://schemas.openxmlformats.org/officeDocument/2006/relationships" type="roundRect" r:blip="" hideGeom="1">
+                <dgm:adjLst>
+                  <dgm:adj idx="1" val="0.1"/>
+                </dgm:adjLst>
+              </dgm:shape>
+              <dgm:presOf axis="ch desOrSelf" ptType="node node" st="2 1" cnt="1 0"/>
+              <dgm:constrLst>
+                <dgm:constr type="lMarg" refType="primFontSz" fact="0.3"/>
+                <dgm:constr type="rMarg" refType="primFontSz" fact="0.3"/>
+                <dgm:constr type="tMarg" refType="primFontSz" fact="0.3"/>
+                <dgm:constr type="bMarg" refType="primFontSz" fact="0.3"/>
+              </dgm:constrLst>
+              <dgm:ruleLst>
+                <dgm:rule type="primFontSz" val="5" fact="NaN" max="NaN"/>
+              </dgm:ruleLst>
+            </dgm:layoutNode>
+          </dgm:if>
+          <dgm:else name="Name8">
+            <dgm:choose name="Name9">
+              <dgm:if name="Name10" axis="ch" ptType="node" func="cnt" op="equ" val="3">
+                <dgm:layoutNode name="ThreeNodes_1">
+                  <dgm:varLst>
+                    <dgm:bulletEnabled val="1"/>
+                  </dgm:varLst>
+                  <dgm:alg type="sp"/>
+                  <dgm:shape xmlns:r="http://schemas.openxmlformats.org/officeDocument/2006/relationships" type="roundRect" r:blip="">
+                    <dgm:adjLst>
+                      <dgm:adj idx="1" val="0.1"/>
+                    </dgm:adjLst>
+                  </dgm:shape>
+                  <dgm:presOf axis="ch desOrSelf" ptType="node node" st="1 1" cnt="1 0"/>
+                  <dgm:constrLst/>
+                  <dgm:ruleLst/>
+                </dgm:layoutNode>
+                <dgm:layoutNode name="ThreeNodes_2">
+                  <dgm:varLst>
+                    <dgm:bulletEnabled val="1"/>
+                  </dgm:varLst>
+                  <dgm:alg type="sp"/>
+                  <dgm:shape xmlns:r="http://schemas.openxmlformats.org/officeDocument/2006/relationships" type="roundRect" r:blip="">
+                    <dgm:adjLst>
+                      <dgm:adj idx="1" val="0.1"/>
+                    </dgm:adjLst>
+                  </dgm:shape>
+                  <dgm:presOf axis="ch desOrSelf" ptType="node node" st="2 1" cnt="1 0"/>
+                  <dgm:constrLst/>
+                  <dgm:ruleLst/>
+                </dgm:layoutNode>
+                <dgm:layoutNode name="ThreeNodes_3">
+                  <dgm:varLst>
+                    <dgm:bulletEnabled val="1"/>
+                  </dgm:varLst>
+                  <dgm:alg type="sp"/>
+                  <dgm:shape xmlns:r="http://schemas.openxmlformats.org/officeDocument/2006/relationships" type="roundRect" r:blip="">
+                    <dgm:adjLst>
+                      <dgm:adj idx="1" val="0.1"/>
+                    </dgm:adjLst>
+                  </dgm:shape>
+                  <dgm:presOf axis="ch desOrSelf" ptType="node node" st="3 1" cnt="1 0"/>
+                  <dgm:constrLst/>
+                  <dgm:ruleLst/>
+                </dgm:layoutNode>
+                <dgm:layoutNode name="ThreeConn_1-2" styleLbl="fgAccFollowNode1">
+                  <dgm:varLst>
+                    <dgm:bulletEnabled val="1"/>
+                  </dgm:varLst>
+                  <dgm:alg type="tx"/>
+                  <dgm:shape xmlns:r="http://schemas.openxmlformats.org/officeDocument/2006/relationships" type="downArrow" r:blip="">
+                    <dgm:adjLst>
+                      <dgm:adj idx="1" val="0.55"/>
+                      <dgm:adj idx="2" val="0.45"/>
+                    </dgm:adjLst>
+                  </dgm:shape>
+                  <dgm:presOf axis="ch" ptType="sibTrans" cnt="1"/>
+                  <dgm:constrLst>
+                    <dgm:constr type="lMarg" refType="primFontSz" fact="0.1"/>
+                    <dgm:constr type="rMarg" refType="primFontSz" fact="0.1"/>
+                    <dgm:constr type="tMarg" refType="primFontSz" fact="0.1"/>
+                    <dgm:constr type="bMarg" refType="primFontSz" fact="0.1"/>
+                  </dgm:constrLst>
+                  <dgm:ruleLst>
+                    <dgm:rule type="primFontSz" val="5" fact="NaN" max="NaN"/>
+                  </dgm:ruleLst>
+                </dgm:layoutNode>
+                <dgm:layoutNode name="ThreeConn_2-3" styleLbl="fgAccFollowNode1">
+                  <dgm:varLst>
+                    <dgm:bulletEnabled val="1"/>
+                  </dgm:varLst>
+                  <dgm:alg type="tx"/>
+                  <dgm:shape xmlns:r="http://schemas.openxmlformats.org/officeDocument/2006/relationships" type="downArrow" r:blip="">
+                    <dgm:adjLst>
+                      <dgm:adj idx="1" val="0.55"/>
+                      <dgm:adj idx="2" val="0.45"/>
+                    </dgm:adjLst>
+                  </dgm:shape>
+                  <dgm:presOf axis="ch" ptType="sibTrans" st="2" cnt="1"/>
+                  <dgm:constrLst>
+                    <dgm:constr type="lMarg" refType="primFontSz" fact="0.1"/>
+                    <dgm:constr type="rMarg" refType="primFontSz" fact="0.1"/>
+                    <dgm:constr type="tMarg" refType="primFontSz" fact="0.1"/>
+                    <dgm:constr type="bMarg" refType="primFontSz" fact="0.1"/>
+                  </dgm:constrLst>
+                  <dgm:ruleLst>
+                    <dgm:rule type="primFontSz" val="5" fact="NaN" max="NaN"/>
+                  </dgm:ruleLst>
+                </dgm:layoutNode>
+                <dgm:layoutNode name="ThreeNodes_1_text">
+                  <dgm:varLst>
+                    <dgm:bulletEnabled val="1"/>
+                  </dgm:varLst>
+                  <dgm:alg type="tx">
+                    <dgm:param type="parTxLTRAlign" val="l"/>
+                    <dgm:param type="txAnchorVertCh" val="mid"/>
+                  </dgm:alg>
+                  <dgm:shape xmlns:r="http://schemas.openxmlformats.org/officeDocument/2006/relationships" type="roundRect" r:blip="" hideGeom="1">
+                    <dgm:adjLst>
+                      <dgm:adj idx="1" val="0.1"/>
+                    </dgm:adjLst>
+                  </dgm:shape>
+                  <dgm:presOf axis="ch desOrSelf" ptType="node node" st="1 1" cnt="1 0"/>
+                  <dgm:constrLst>
+                    <dgm:constr type="lMarg" refType="primFontSz" fact="0.3"/>
+                    <dgm:constr type="rMarg" refType="primFontSz" fact="0.3"/>
+                    <dgm:constr type="tMarg" refType="primFontSz" fact="0.3"/>
+                    <dgm:constr type="bMarg" refType="primFontSz" fact="0.3"/>
+                  </dgm:constrLst>
+                  <dgm:ruleLst>
+                    <dgm:rule type="primFontSz" val="5" fact="NaN" max="NaN"/>
+                  </dgm:ruleLst>
+                </dgm:layoutNode>
+                <dgm:layoutNode name="ThreeNodes_2_text">
+                  <dgm:varLst>
+                    <dgm:bulletEnabled val="1"/>
+                  </dgm:varLst>
+                  <dgm:alg type="tx">
+                    <dgm:param type="parTxLTRAlign" val="l"/>
+                    <dgm:param type="txAnchorVertCh" val="mid"/>
+                  </dgm:alg>
+                  <dgm:shape xmlns:r="http://schemas.openxmlformats.org/officeDocument/2006/relationships" type="roundRect" r:blip="" hideGeom="1">
+                    <dgm:adjLst>
+                      <dgm:adj idx="1" val="0.1"/>
+                    </dgm:adjLst>
+                  </dgm:shape>
+                  <dgm:presOf axis="ch desOrSelf" ptType="node node" st="2 1" cnt="1 0"/>
+                  <dgm:constrLst>
+                    <dgm:constr type="lMarg" refType="primFontSz" fact="0.3"/>
+                    <dgm:constr type="rMarg" refType="primFontSz" fact="0.3"/>
+                    <dgm:constr type="tMarg" refType="primFontSz" fact="0.3"/>
+                    <dgm:constr type="bMarg" refType="primFontSz" fact="0.3"/>
+                  </dgm:constrLst>
+                  <dgm:ruleLst>
+                    <dgm:rule type="primFontSz" val="5" fact="NaN" max="NaN"/>
+                  </dgm:ruleLst>
+                </dgm:layoutNode>
+                <dgm:layoutNode name="ThreeNodes_3_text">
+                  <dgm:varLst>
+                    <dgm:bulletEnabled val="1"/>
+                  </dgm:varLst>
+                  <dgm:alg type="tx">
+                    <dgm:param type="parTxLTRAlign" val="l"/>
+                    <dgm:param type="txAnchorVertCh" val="mid"/>
+                  </dgm:alg>
+                  <dgm:shape xmlns:r="http://schemas.openxmlformats.org/officeDocument/2006/relationships" type="roundRect" r:blip="" hideGeom="1">
+                    <dgm:adjLst>
+                      <dgm:adj idx="1" val="0.1"/>
+                    </dgm:adjLst>
+                  </dgm:shape>
+                  <dgm:presOf axis="ch desOrSelf" ptType="node node" st="3 1" cnt="1 0"/>
+                  <dgm:constrLst>
+                    <dgm:constr type="lMarg" refType="primFontSz" fact="0.3"/>
+                    <dgm:constr type="rMarg" refType="primFontSz" fact="0.3"/>
+                    <dgm:constr type="tMarg" refType="primFontSz" fact="0.3"/>
+                    <dgm:constr type="bMarg" refType="primFontSz" fact="0.3"/>
+                  </dgm:constrLst>
+                  <dgm:ruleLst>
+                    <dgm:rule type="primFontSz" val="5" fact="NaN" max="NaN"/>
+                  </dgm:ruleLst>
+                </dgm:layoutNode>
+              </dgm:if>
+              <dgm:else name="Name11">
+                <dgm:choose name="Name12">
+                  <dgm:if name="Name13" axis="ch" ptType="node" func="cnt" op="equ" val="4">
+                    <dgm:layoutNode name="FourNodes_1">
+                      <dgm:varLst>
+                        <dgm:bulletEnabled val="1"/>
+                      </dgm:varLst>
+                      <dgm:alg type="sp"/>
+                      <dgm:shape xmlns:r="http://schemas.openxmlformats.org/officeDocument/2006/relationships" type="roundRect" r:blip="">
+                        <dgm:adjLst>
+                          <dgm:adj idx="1" val="0.1"/>
+                        </dgm:adjLst>
+                      </dgm:shape>
+                      <dgm:presOf axis="ch desOrSelf" ptType="node node" st="1 1" cnt="1 0"/>
+                      <dgm:constrLst/>
+                      <dgm:ruleLst/>
+                    </dgm:layoutNode>
+                    <dgm:layoutNode name="FourNodes_2">
+                      <dgm:varLst>
+                        <dgm:bulletEnabled val="1"/>
+                      </dgm:varLst>
+                      <dgm:alg type="sp"/>
+                      <dgm:shape xmlns:r="http://schemas.openxmlformats.org/officeDocument/2006/relationships" type="roundRect" r:blip="">
+                        <dgm:adjLst>
+                          <dgm:adj idx="1" val="0.1"/>
+                        </dgm:adjLst>
+                      </dgm:shape>
+                      <dgm:presOf axis="ch desOrSelf" ptType="node node" st="2 1" cnt="1 0"/>
+                      <dgm:constrLst/>
+                      <dgm:ruleLst/>
+                    </dgm:layoutNode>
+                    <dgm:layoutNode name="FourNodes_3">
+                      <dgm:varLst>
+                        <dgm:bulletEnabled val="1"/>
+                      </dgm:varLst>
+                      <dgm:alg type="sp"/>
+                      <dgm:shape xmlns:r="http://schemas.openxmlformats.org/officeDocument/2006/relationships" type="roundRect" r:blip="">
+                        <dgm:adjLst>
+                          <dgm:adj idx="1" val="0.1"/>
+                        </dgm:adjLst>
+                      </dgm:shape>
+                      <dgm:presOf axis="ch desOrSelf" ptType="node node" st="3 1" cnt="1 0"/>
+                      <dgm:constrLst/>
+                      <dgm:ruleLst/>
+                    </dgm:layoutNode>
+                    <dgm:layoutNode name="FourNodes_4">
+                      <dgm:varLst>
+                        <dgm:bulletEnabled val="1"/>
+                      </dgm:varLst>
+                      <dgm:alg type="sp"/>
+                      <dgm:shape xmlns:r="http://schemas.openxmlformats.org/officeDocument/2006/relationships" type="roundRect" r:blip="">
+                        <dgm:adjLst>
+                          <dgm:adj idx="1" val="0.1"/>
+                        </dgm:adjLst>
+                      </dgm:shape>
+                      <dgm:presOf axis="ch desOrSelf" ptType="node node" st="4 1" cnt="1 0"/>
+                      <dgm:constrLst/>
+                      <dgm:ruleLst/>
+                    </dgm:layoutNode>
+                    <dgm:layoutNode name="FourConn_1-2" styleLbl="fgAccFollowNode1">
+                      <dgm:varLst>
+                        <dgm:bulletEnabled val="1"/>
+                      </dgm:varLst>
+                      <dgm:alg type="tx"/>
+                      <dgm:shape xmlns:r="http://schemas.openxmlformats.org/officeDocument/2006/relationships" type="downArrow" r:blip="">
+                        <dgm:adjLst>
+                          <dgm:adj idx="1" val="0.55"/>
+                          <dgm:adj idx="2" val="0.45"/>
+                        </dgm:adjLst>
+                      </dgm:shape>
+                      <dgm:presOf axis="ch" ptType="sibTrans" cnt="1"/>
+                      <dgm:constrLst>
+                        <dgm:constr type="lMarg" refType="primFontSz" fact="0.1"/>
+                        <dgm:constr type="rMarg" refType="primFontSz" fact="0.1"/>
+                        <dgm:constr type="tMarg" refType="primFontSz" fact="0.1"/>
+                        <dgm:constr type="bMarg" refType="primFontSz" fact="0.1"/>
+                      </dgm:constrLst>
+                      <dgm:ruleLst>
+                        <dgm:rule type="primFontSz" val="5" fact="NaN" max="NaN"/>
+                      </dgm:ruleLst>
+                    </dgm:layoutNode>
+                    <dgm:layoutNode name="FourConn_2-3" styleLbl="fgAccFollowNode1">
+                      <dgm:varLst>
+                        <dgm:bulletEnabled val="1"/>
+                      </dgm:varLst>
+                      <dgm:alg type="tx"/>
+                      <dgm:shape xmlns:r="http://schemas.openxmlformats.org/officeDocument/2006/relationships" type="downArrow" r:blip="">
+                        <dgm:adjLst>
+                          <dgm:adj idx="1" val="0.55"/>
+                          <dgm:adj idx="2" val="0.45"/>
+                        </dgm:adjLst>
+                      </dgm:shape>
+                      <dgm:presOf axis="ch" ptType="sibTrans" st="2" cnt="1"/>
+                      <dgm:constrLst>
+                        <dgm:constr type="lMarg" refType="primFontSz" fact="0.1"/>
+                        <dgm:constr type="rMarg" refType="primFontSz" fact="0.1"/>
+                        <dgm:constr type="tMarg" refType="primFontSz" fact="0.1"/>
+                        <dgm:constr type="bMarg" refType="primFontSz" fact="0.1"/>
+                      </dgm:constrLst>
+                      <dgm:ruleLst>
+                        <dgm:rule type="primFontSz" val="5" fact="NaN" max="NaN"/>
+                      </dgm:ruleLst>
+                    </dgm:layoutNode>
+                    <dgm:layoutNode name="FourConn_3-4" styleLbl="fgAccFollowNode1">
+                      <dgm:varLst>
+                        <dgm:bulletEnabled val="1"/>
+                      </dgm:varLst>
+                      <dgm:alg type="tx"/>
+                      <dgm:shape xmlns:r="http://schemas.openxmlformats.org/officeDocument/2006/relationships" type="downArrow" r:blip="">
+                        <dgm:adjLst>
+                          <dgm:adj idx="1" val="0.55"/>
+                          <dgm:adj idx="2" val="0.45"/>
+                        </dgm:adjLst>
+                      </dgm:shape>
+                      <dgm:presOf axis="ch" ptType="sibTrans" st="3" cnt="1"/>
+                      <dgm:constrLst>
+                        <dgm:constr type="lMarg" refType="primFontSz" fact="0.1"/>
+                        <dgm:constr type="rMarg" refType="primFontSz" fact="0.1"/>
+                        <dgm:constr type="tMarg" refType="primFontSz" fact="0.1"/>
+                        <dgm:constr type="bMarg" refType="primFontSz" fact="0.1"/>
+                      </dgm:constrLst>
+                      <dgm:ruleLst>
+                        <dgm:rule type="primFontSz" val="5" fact="NaN" max="NaN"/>
+                      </dgm:ruleLst>
+                    </dgm:layoutNode>
+                    <dgm:layoutNode name="FourNodes_1_text">
+                      <dgm:varLst>
+                        <dgm:bulletEnabled val="1"/>
+                      </dgm:varLst>
+                      <dgm:alg type="tx">
+                        <dgm:param type="parTxLTRAlign" val="l"/>
+                        <dgm:param type="txAnchorVertCh" val="mid"/>
+                      </dgm:alg>
+                      <dgm:shape xmlns:r="http://schemas.openxmlformats.org/officeDocument/2006/relationships" type="roundRect" r:blip="" hideGeom="1">
+                        <dgm:adjLst>
+                          <dgm:adj idx="1" val="0.1"/>
+                        </dgm:adjLst>
+                      </dgm:shape>
+                      <dgm:presOf axis="ch desOrSelf" ptType="node node" st="1 1" cnt="1 0"/>
+                      <dgm:constrLst>
+                        <dgm:constr type="lMarg" refType="primFontSz" fact="0.3"/>
+                        <dgm:constr type="rMarg" refType="primFontSz" fact="0.3"/>
+                        <dgm:constr type="tMarg" refType="primFontSz" fact="0.3"/>
+                        <dgm:constr type="bMarg" refType="primFontSz" fact="0.3"/>
+                      </dgm:constrLst>
+                      <dgm:ruleLst>
+                        <dgm:rule type="primFontSz" val="5" fact="NaN" max="NaN"/>
+                      </dgm:ruleLst>
+                    </dgm:layoutNode>
+                    <dgm:layoutNode name="FourNodes_2_text">
+                      <dgm:varLst>
+                        <dgm:bulletEnabled val="1"/>
+                      </dgm:varLst>
+                      <dgm:alg type="tx">
+                        <dgm:param type="parTxLTRAlign" val="l"/>
+                        <dgm:param type="txAnchorVertCh" val="mid"/>
+                      </dgm:alg>
+                      <dgm:shape xmlns:r="http://schemas.openxmlformats.org/officeDocument/2006/relationships" type="roundRect" r:blip="" hideGeom="1">
+                        <dgm:adjLst>
+                          <dgm:adj idx="1" val="0.1"/>
+                        </dgm:adjLst>
+                      </dgm:shape>
+                      <dgm:presOf axis="ch desOrSelf" ptType="node node" st="2 1" cnt="1 0"/>
+                      <dgm:constrLst>
+                        <dgm:constr type="lMarg" refType="primFontSz" fact="0.3"/>
+                        <dgm:constr type="rMarg" refType="primFontSz" fact="0.3"/>
+                        <dgm:constr type="tMarg" refType="primFontSz" fact="0.3"/>
+                        <dgm:constr type="bMarg" refType="primFontSz" fact="0.3"/>
+                      </dgm:constrLst>
+                      <dgm:ruleLst>
+                        <dgm:rule type="primFontSz" val="5" fact="NaN" max="NaN"/>
+                      </dgm:ruleLst>
+                    </dgm:layoutNode>
+                    <dgm:layoutNode name="FourNodes_3_text">
+                      <dgm:varLst>
+                        <dgm:bulletEnabled val="1"/>
+                      </dgm:varLst>
+                      <dgm:alg type="tx">
+                        <dgm:param type="parTxLTRAlign" val="l"/>
+                        <dgm:param type="txAnchorVertCh" val="mid"/>
+                      </dgm:alg>
+                      <dgm:shape xmlns:r="http://schemas.openxmlformats.org/officeDocument/2006/relationships" type="roundRect" r:blip="" hideGeom="1">
+                        <dgm:adjLst>
+                          <dgm:adj idx="1" val="0.1"/>
+                        </dgm:adjLst>
+                      </dgm:shape>
+                      <dgm:presOf axis="ch desOrSelf" ptType="node node" st="3 1" cnt="1 0"/>
+                      <dgm:constrLst>
+                        <dgm:constr type="lMarg" refType="primFontSz" fact="0.3"/>
+                        <dgm:constr type="rMarg" refType="primFontSz" fact="0.3"/>
+                        <dgm:constr type="tMarg" refType="primFontSz" fact="0.3"/>
+                        <dgm:constr type="bMarg" refType="primFontSz" fact="0.3"/>
+                      </dgm:constrLst>
+                      <dgm:ruleLst>
+                        <dgm:rule type="primFontSz" val="5" fact="NaN" max="NaN"/>
+                      </dgm:ruleLst>
+                    </dgm:layoutNode>
+                    <dgm:layoutNode name="FourNodes_4_text">
+                      <dgm:varLst>
+                        <dgm:bulletEnabled val="1"/>
+                      </dgm:varLst>
+                      <dgm:alg type="tx">
+                        <dgm:param type="parTxLTRAlign" val="l"/>
+                        <dgm:param type="txAnchorVertCh" val="mid"/>
+                      </dgm:alg>
+                      <dgm:shape xmlns:r="http://schemas.openxmlformats.org/officeDocument/2006/relationships" type="roundRect" r:blip="" hideGeom="1">
+                        <dgm:adjLst>
+                          <dgm:adj idx="1" val="0.1"/>
+                        </dgm:adjLst>
+                      </dgm:shape>
+                      <dgm:presOf axis="ch desOrSelf" ptType="node node" st="4 1" cnt="1 0"/>
+                      <dgm:constrLst>
+                        <dgm:constr type="lMarg" refType="primFontSz" fact="0.3"/>
+                        <dgm:constr type="rMarg" refType="primFontSz" fact="0.3"/>
+                        <dgm:constr type="tMarg" refType="primFontSz" fact="0.3"/>
+                        <dgm:constr type="bMarg" refType="primFontSz" fact="0.3"/>
+                      </dgm:constrLst>
+                      <dgm:ruleLst>
+                        <dgm:rule type="primFontSz" val="5" fact="NaN" max="NaN"/>
+                      </dgm:ruleLst>
+                    </dgm:layoutNode>
+                  </dgm:if>
+                  <dgm:else name="Name14">
+                    <dgm:choose name="Name15">
+                      <dgm:if name="Name16" axis="ch" ptType="node" func="cnt" op="gte" val="5">
+                        <dgm:layoutNode name="FiveNodes_1">
+                          <dgm:varLst>
+                            <dgm:bulletEnabled val="1"/>
+                          </dgm:varLst>
+                          <dgm:alg type="sp"/>
+                          <dgm:shape xmlns:r="http://schemas.openxmlformats.org/officeDocument/2006/relationships" type="roundRect" r:blip="">
+                            <dgm:adjLst>
+                              <dgm:adj idx="1" val="0.1"/>
+                            </dgm:adjLst>
+                          </dgm:shape>
+                          <dgm:presOf axis="ch desOrSelf" ptType="node node" st="1 1" cnt="1 0"/>
+                          <dgm:constrLst/>
+                          <dgm:ruleLst/>
+                        </dgm:layoutNode>
+                        <dgm:layoutNode name="FiveNodes_2">
+                          <dgm:varLst>
+                            <dgm:bulletEnabled val="1"/>
+                          </dgm:varLst>
+                          <dgm:alg type="sp"/>
+                          <dgm:shape xmlns:r="http://schemas.openxmlformats.org/officeDocument/2006/relationships" type="roundRect" r:blip="">
+                            <dgm:adjLst>
+                              <dgm:adj idx="1" val="0.1"/>
+                            </dgm:adjLst>
+                          </dgm:shape>
+                          <dgm:presOf axis="ch desOrSelf" ptType="node node" st="2 1" cnt="1 0"/>
+                          <dgm:constrLst/>
+                          <dgm:ruleLst/>
+                        </dgm:layoutNode>
+                        <dgm:layoutNode name="FiveNodes_3">
+                          <dgm:varLst>
+                            <dgm:bulletEnabled val="1"/>
+                          </dgm:varLst>
+                          <dgm:alg type="sp"/>
+                          <dgm:shape xmlns:r="http://schemas.openxmlformats.org/officeDocument/2006/relationships" type="roundRect" r:blip="">
+                            <dgm:adjLst>
+                              <dgm:adj idx="1" val="0.1"/>
+                            </dgm:adjLst>
+                          </dgm:shape>
+                          <dgm:presOf axis="ch desOrSelf" ptType="node node" st="3 1" cnt="1 0"/>
+                          <dgm:constrLst/>
+                          <dgm:ruleLst/>
+                        </dgm:layoutNode>
+                        <dgm:layoutNode name="FiveNodes_4">
+                          <dgm:varLst>
+                            <dgm:bulletEnabled val="1"/>
+                          </dgm:varLst>
+                          <dgm:alg type="sp"/>
+                          <dgm:shape xmlns:r="http://schemas.openxmlformats.org/officeDocument/2006/relationships" type="roundRect" r:blip="">
+                            <dgm:adjLst>
+                              <dgm:adj idx="1" val="0.1"/>
+                            </dgm:adjLst>
+                          </dgm:shape>
+                          <dgm:presOf axis="ch desOrSelf" ptType="node node" st="4 1" cnt="1 0"/>
+                          <dgm:constrLst/>
+                          <dgm:ruleLst/>
+                        </dgm:layoutNode>
+                        <dgm:layoutNode name="FiveNodes_5">
+                          <dgm:varLst>
+                            <dgm:bulletEnabled val="1"/>
+                          </dgm:varLst>
+                          <dgm:alg type="sp"/>
+                          <dgm:shape xmlns:r="http://schemas.openxmlformats.org/officeDocument/2006/relationships" type="roundRect" r:blip="">
+                            <dgm:adjLst>
+                              <dgm:adj idx="1" val="0.1"/>
+                            </dgm:adjLst>
+                          </dgm:shape>
+                          <dgm:presOf axis="ch desOrSelf" ptType="node node" st="5 1" cnt="1 0"/>
+                          <dgm:constrLst/>
+                          <dgm:ruleLst/>
+                        </dgm:layoutNode>
+                        <dgm:layoutNode name="FiveConn_1-2" styleLbl="fgAccFollowNode1">
+                          <dgm:varLst>
+                            <dgm:bulletEnabled val="1"/>
+                          </dgm:varLst>
+                          <dgm:alg type="tx"/>
+                          <dgm:shape xmlns:r="http://schemas.openxmlformats.org/officeDocument/2006/relationships" type="downArrow" r:blip="">
+                            <dgm:adjLst>
+                              <dgm:adj idx="1" val="0.55"/>
+                              <dgm:adj idx="2" val="0.45"/>
+                            </dgm:adjLst>
+                          </dgm:shape>
+                          <dgm:presOf axis="ch" ptType="sibTrans" cnt="1"/>
+                          <dgm:constrLst>
+                            <dgm:constr type="lMarg" refType="primFontSz" fact="0.1"/>
+                            <dgm:constr type="rMarg" refType="primFontSz" fact="0.1"/>
+                            <dgm:constr type="tMarg" refType="primFontSz" fact="0.1"/>
+                            <dgm:constr type="bMarg" refType="primFontSz" fact="0.1"/>
+                          </dgm:constrLst>
+                          <dgm:ruleLst>
+                            <dgm:rule type="primFontSz" val="5" fact="NaN" max="NaN"/>
+                          </dgm:ruleLst>
+                        </dgm:layoutNode>
+                        <dgm:layoutNode name="FiveConn_2-3" styleLbl="fgAccFollowNode1">
+                          <dgm:varLst>
+                            <dgm:bulletEnabled val="1"/>
+                          </dgm:varLst>
+                          <dgm:alg type="tx"/>
+                          <dgm:shape xmlns:r="http://schemas.openxmlformats.org/officeDocument/2006/relationships" type="downArrow" r:blip="">
+                            <dgm:adjLst>
+                              <dgm:adj idx="1" val="0.55"/>
+                              <dgm:adj idx="2" val="0.45"/>
+                            </dgm:adjLst>
+                          </dgm:shape>
+                          <dgm:presOf axis="ch" ptType="sibTrans" st="2" cnt="1"/>
+                          <dgm:constrLst>
+                            <dgm:constr type="lMarg" refType="primFontSz" fact="0.1"/>
+                            <dgm:constr type="rMarg" refType="primFontSz" fact="0.1"/>
+                            <dgm:constr type="tMarg" refType="primFontSz" fact="0.1"/>
+                            <dgm:constr type="bMarg" refType="primFontSz" fact="0.1"/>
+                          </dgm:constrLst>
+                          <dgm:ruleLst>
+                            <dgm:rule type="primFontSz" val="5" fact="NaN" max="NaN"/>
+                          </dgm:ruleLst>
+                        </dgm:layoutNode>
+                        <dgm:layoutNode name="FiveConn_3-4" styleLbl="fgAccFollowNode1">
+                          <dgm:varLst>
+                            <dgm:bulletEnabled val="1"/>
+                          </dgm:varLst>
+                          <dgm:alg type="tx"/>
+                          <dgm:shape xmlns:r="http://schemas.openxmlformats.org/officeDocument/2006/relationships" type="downArrow" r:blip="">
+                            <dgm:adjLst>
+                              <dgm:adj idx="1" val="0.55"/>
+                              <dgm:adj idx="2" val="0.45"/>
+                            </dgm:adjLst>
+                          </dgm:shape>
+                          <dgm:presOf axis="ch" ptType="sibTrans" st="3" cnt="1"/>
+                          <dgm:constrLst>
+                            <dgm:constr type="lMarg" refType="primFontSz" fact="0.1"/>
+                            <dgm:constr type="rMarg" refType="primFontSz" fact="0.1"/>
+                            <dgm:constr type="tMarg" refType="primFontSz" fact="0.1"/>
+                            <dgm:constr type="bMarg" refType="primFontSz" fact="0.1"/>
+                          </dgm:constrLst>
+                          <dgm:ruleLst>
+                            <dgm:rule type="primFontSz" val="5" fact="NaN" max="NaN"/>
+                          </dgm:ruleLst>
+                        </dgm:layoutNode>
+                        <dgm:layoutNode name="FiveConn_4-5" styleLbl="fgAccFollowNode1">
+                          <dgm:varLst>
+                            <dgm:bulletEnabled val="1"/>
+                          </dgm:varLst>
+                          <dgm:alg type="tx"/>
+                          <dgm:shape xmlns:r="http://schemas.openxmlformats.org/officeDocument/2006/relationships" type="downArrow" r:blip="">
+                            <dgm:adjLst>
+                              <dgm:adj idx="1" val="0.55"/>
+                              <dgm:adj idx="2" val="0.45"/>
+                            </dgm:adjLst>
+                          </dgm:shape>
+                          <dgm:presOf axis="ch" ptType="sibTrans" st="4" cnt="1"/>
+                          <dgm:constrLst>
+                            <dgm:constr type="lMarg" refType="primFontSz" fact="0.1"/>
+                            <dgm:constr type="rMarg" refType="primFontSz" fact="0.1"/>
+                            <dgm:constr type="tMarg" refType="primFontSz" fact="0.1"/>
+                            <dgm:constr type="bMarg" refType="primFontSz" fact="0.1"/>
+                          </dgm:constrLst>
+                          <dgm:ruleLst>
+                            <dgm:rule type="primFontSz" val="5" fact="NaN" max="NaN"/>
+                          </dgm:ruleLst>
+                        </dgm:layoutNode>
+                        <dgm:layoutNode name="FiveNodes_1_text">
+                          <dgm:varLst>
+                            <dgm:bulletEnabled val="1"/>
+                          </dgm:varLst>
+                          <dgm:alg type="tx">
+                            <dgm:param type="parTxLTRAlign" val="l"/>
+                            <dgm:param type="txAnchorVertCh" val="mid"/>
+                          </dgm:alg>
+                          <dgm:shape xmlns:r="http://schemas.openxmlformats.org/officeDocument/2006/relationships" type="roundRect" r:blip="" hideGeom="1">
+                            <dgm:adjLst>
+                              <dgm:adj idx="1" val="0.1"/>
+                            </dgm:adjLst>
+                          </dgm:shape>
+                          <dgm:presOf axis="ch desOrSelf" ptType="node node" st="1 1" cnt="1 0"/>
+                          <dgm:constrLst>
+                            <dgm:constr type="lMarg" refType="primFontSz" fact="0.3"/>
+                            <dgm:constr type="rMarg" refType="primFontSz" fact="0.3"/>
+                            <dgm:constr type="tMarg" refType="primFontSz" fact="0.3"/>
+                            <dgm:constr type="bMarg" refType="primFontSz" fact="0.3"/>
+                          </dgm:constrLst>
+                          <dgm:ruleLst>
+                            <dgm:rule type="primFontSz" val="5" fact="NaN" max="NaN"/>
+                          </dgm:ruleLst>
+                        </dgm:layoutNode>
+                        <dgm:layoutNode name="FiveNodes_2_text">
+                          <dgm:varLst>
+                            <dgm:bulletEnabled val="1"/>
+                          </dgm:varLst>
+                          <dgm:alg type="tx">
+                            <dgm:param type="parTxLTRAlign" val="l"/>
+                            <dgm:param type="txAnchorVertCh" val="mid"/>
+                          </dgm:alg>
+                          <dgm:shape xmlns:r="http://schemas.openxmlformats.org/officeDocument/2006/relationships" type="roundRect" r:blip="" hideGeom="1">
+                            <dgm:adjLst>
+                              <dgm:adj idx="1" val="0.1"/>
+                            </dgm:adjLst>
+                          </dgm:shape>
+                          <dgm:presOf axis="ch desOrSelf" ptType="node node" st="2 1" cnt="1 0"/>
+                          <dgm:constrLst>
+                            <dgm:constr type="lMarg" refType="primFontSz" fact="0.3"/>
+                            <dgm:constr type="rMarg" refType="primFontSz" fact="0.3"/>
+                            <dgm:constr type="tMarg" refType="primFontSz" fact="0.3"/>
+                            <dgm:constr type="bMarg" refType="primFontSz" fact="0.3"/>
+                          </dgm:constrLst>
+                          <dgm:ruleLst>
+                            <dgm:rule type="primFontSz" val="5" fact="NaN" max="NaN"/>
+                          </dgm:ruleLst>
+                        </dgm:layoutNode>
+                        <dgm:layoutNode name="FiveNodes_3_text">
+                          <dgm:varLst>
+                            <dgm:bulletEnabled val="1"/>
+                          </dgm:varLst>
+                          <dgm:alg type="tx">
+                            <dgm:param type="parTxLTRAlign" val="l"/>
+                            <dgm:param type="txAnchorVertCh" val="mid"/>
+                          </dgm:alg>
+                          <dgm:shape xmlns:r="http://schemas.openxmlformats.org/officeDocument/2006/relationships" type="roundRect" r:blip="" hideGeom="1">
+                            <dgm:adjLst>
+                              <dgm:adj idx="1" val="0.1"/>
+                            </dgm:adjLst>
+                          </dgm:shape>
+                          <dgm:presOf axis="ch desOrSelf" ptType="node node" st="3 1" cnt="1 0"/>
+                          <dgm:constrLst>
+                            <dgm:constr type="lMarg" refType="primFontSz" fact="0.3"/>
+                            <dgm:constr type="rMarg" refType="primFontSz" fact="0.3"/>
+                            <dgm:constr type="tMarg" refType="primFontSz" fact="0.3"/>
+                            <dgm:constr type="bMarg" refType="primFontSz" fact="0.3"/>
+                          </dgm:constrLst>
+                          <dgm:ruleLst>
+                            <dgm:rule type="primFontSz" val="5" fact="NaN" max="NaN"/>
+                          </dgm:ruleLst>
+                        </dgm:layoutNode>
+                        <dgm:layoutNode name="FiveNodes_4_text">
+                          <dgm:varLst>
+                            <dgm:bulletEnabled val="1"/>
+                          </dgm:varLst>
+                          <dgm:alg type="tx">
+                            <dgm:param type="parTxLTRAlign" val="l"/>
+                            <dgm:param type="txAnchorVertCh" val="mid"/>
+                          </dgm:alg>
+                          <dgm:shape xmlns:r="http://schemas.openxmlformats.org/officeDocument/2006/relationships" type="roundRect" r:blip="" hideGeom="1">
+                            <dgm:adjLst>
+                              <dgm:adj idx="1" val="0.1"/>
+                            </dgm:adjLst>
+                          </dgm:shape>
+                          <dgm:presOf axis="ch desOrSelf" ptType="node node" st="4 1" cnt="1 0"/>
+                          <dgm:constrLst>
+                            <dgm:constr type="lMarg" refType="primFontSz" fact="0.3"/>
+                            <dgm:constr type="rMarg" refType="primFontSz" fact="0.3"/>
+                            <dgm:constr type="tMarg" refType="primFontSz" fact="0.3"/>
+                            <dgm:constr type="bMarg" refType="primFontSz" fact="0.3"/>
+                          </dgm:constrLst>
+                          <dgm:ruleLst>
+                            <dgm:rule type="primFontSz" val="5" fact="NaN" max="NaN"/>
+                          </dgm:ruleLst>
+                        </dgm:layoutNode>
+                        <dgm:layoutNode name="FiveNodes_5_text">
+                          <dgm:varLst>
+                            <dgm:bulletEnabled val="1"/>
+                          </dgm:varLst>
+                          <dgm:alg type="tx">
+                            <dgm:param type="parTxLTRAlign" val="l"/>
+                            <dgm:param type="txAnchorVertCh" val="mid"/>
+                          </dgm:alg>
+                          <dgm:shape xmlns:r="http://schemas.openxmlformats.org/officeDocument/2006/relationships" type="roundRect" r:blip="" hideGeom="1">
+                            <dgm:adjLst>
+                              <dgm:adj idx="1" val="0.1"/>
+                            </dgm:adjLst>
+                          </dgm:shape>
+                          <dgm:presOf axis="ch desOrSelf" ptType="node node" st="5 1" cnt="1 0"/>
+                          <dgm:constrLst>
+                            <dgm:constr type="lMarg" refType="primFontSz" fact="0.3"/>
+                            <dgm:constr type="rMarg" refType="primFontSz" fact="0.3"/>
+                            <dgm:constr type="tMarg" refType="primFontSz" fact="0.3"/>
+                            <dgm:constr type="bMarg" refType="primFontSz" fact="0.3"/>
+                          </dgm:constrLst>
+                          <dgm:ruleLst>
+                            <dgm:rule type="primFontSz" val="5" fact="NaN" max="NaN"/>
+                          </dgm:ruleLst>
+                        </dgm:layoutNode>
+                      </dgm:if>
+                      <dgm:else name="Name17"/>
+                    </dgm:choose>
+                  </dgm:else>
+                </dgm:choose>
+              </dgm:else>
+            </dgm:choose>
+          </dgm:else>
+        </dgm:choose>
+      </dgm:else>
+    </dgm:choose>
+  </dgm:layoutNode>
+</dgm:layoutDef>
+</file>
+
+<file path=ppt/diagrams/layout2.xml><?xml version="1.0" encoding="utf-8"?>
 <dgm:layoutDef xmlns:dgm="http://schemas.openxmlformats.org/drawingml/2006/diagram" xmlns:a="http://schemas.openxmlformats.org/drawingml/2006/main" uniqueId="urn:microsoft.com/office/officeart/2005/8/layout/pyramid1">
   <dgm:title val=""/>
   <dgm:desc val=""/>
@@ -2154,6 +5530,1040 @@
 </file>
 
 <file path=ppt/diagrams/quickStyle1.xml><?xml version="1.0" encoding="utf-8"?>
+<dgm:styleDef xmlns:dgm="http://schemas.openxmlformats.org/drawingml/2006/diagram" xmlns:a="http://schemas.openxmlformats.org/drawingml/2006/main" uniqueId="urn:microsoft.com/office/officeart/2005/8/quickstyle/simple1">
+  <dgm:title val=""/>
+  <dgm:desc val=""/>
+  <dgm:catLst>
+    <dgm:cat type="simple" pri="10100"/>
+  </dgm:catLst>
+  <dgm:scene3d>
+    <a:camera prst="orthographicFront"/>
+    <a:lightRig rig="threePt" dir="t"/>
+  </dgm:scene3d>
+  <dgm:styleLbl name="node0">
+    <dgm:scene3d>
+      <a:camera prst="orthographicFront"/>
+      <a:lightRig rig="threePt" dir="t"/>
+    </dgm:scene3d>
+    <dgm:sp3d/>
+    <dgm:txPr/>
+    <dgm:style>
+      <a:lnRef idx="2">
+        <a:scrgbClr r="0" g="0" b="0"/>
+      </a:lnRef>
+      <a:fillRef idx="1">
+        <a:scrgbClr r="0" g="0" b="0"/>
+      </a:fillRef>
+      <a:effectRef idx="0">
+        <a:scrgbClr r="0" g="0" b="0"/>
+      </a:effectRef>
+      <a:fontRef idx="minor">
+        <a:schemeClr val="lt1"/>
+      </a:fontRef>
+    </dgm:style>
+  </dgm:styleLbl>
+  <dgm:styleLbl name="lnNode1">
+    <dgm:scene3d>
+      <a:camera prst="orthographicFront"/>
+      <a:lightRig rig="threePt" dir="t"/>
+    </dgm:scene3d>
+    <dgm:sp3d/>
+    <dgm:txPr/>
+    <dgm:style>
+      <a:lnRef idx="2">
+        <a:scrgbClr r="0" g="0" b="0"/>
+      </a:lnRef>
+      <a:fillRef idx="1">
+        <a:scrgbClr r="0" g="0" b="0"/>
+      </a:fillRef>
+      <a:effectRef idx="0">
+        <a:scrgbClr r="0" g="0" b="0"/>
+      </a:effectRef>
+      <a:fontRef idx="minor">
+        <a:schemeClr val="lt1"/>
+      </a:fontRef>
+    </dgm:style>
+  </dgm:styleLbl>
+  <dgm:styleLbl name="vennNode1">
+    <dgm:scene3d>
+      <a:camera prst="orthographicFront"/>
+      <a:lightRig rig="threePt" dir="t"/>
+    </dgm:scene3d>
+    <dgm:sp3d/>
+    <dgm:txPr/>
+    <dgm:style>
+      <a:lnRef idx="2">
+        <a:scrgbClr r="0" g="0" b="0"/>
+      </a:lnRef>
+      <a:fillRef idx="1">
+        <a:scrgbClr r="0" g="0" b="0"/>
+      </a:fillRef>
+      <a:effectRef idx="0">
+        <a:scrgbClr r="0" g="0" b="0"/>
+      </a:effectRef>
+      <a:fontRef idx="minor">
+        <a:schemeClr val="tx1"/>
+      </a:fontRef>
+    </dgm:style>
+  </dgm:styleLbl>
+  <dgm:styleLbl name="alignNode1">
+    <dgm:scene3d>
+      <a:camera prst="orthographicFront"/>
+      <a:lightRig rig="threePt" dir="t"/>
+    </dgm:scene3d>
+    <dgm:sp3d/>
+    <dgm:txPr/>
+    <dgm:style>
+      <a:lnRef idx="2">
+        <a:scrgbClr r="0" g="0" b="0"/>
+      </a:lnRef>
+      <a:fillRef idx="1">
+        <a:scrgbClr r="0" g="0" b="0"/>
+      </a:fillRef>
+      <a:effectRef idx="0">
+        <a:scrgbClr r="0" g="0" b="0"/>
+      </a:effectRef>
+      <a:fontRef idx="minor">
+        <a:schemeClr val="lt1"/>
+      </a:fontRef>
+    </dgm:style>
+  </dgm:styleLbl>
+  <dgm:styleLbl name="node1">
+    <dgm:scene3d>
+      <a:camera prst="orthographicFront"/>
+      <a:lightRig rig="threePt" dir="t"/>
+    </dgm:scene3d>
+    <dgm:sp3d/>
+    <dgm:txPr/>
+    <dgm:style>
+      <a:lnRef idx="2">
+        <a:scrgbClr r="0" g="0" b="0"/>
+      </a:lnRef>
+      <a:fillRef idx="1">
+        <a:scrgbClr r="0" g="0" b="0"/>
+      </a:fillRef>
+      <a:effectRef idx="0">
+        <a:scrgbClr r="0" g="0" b="0"/>
+      </a:effectRef>
+      <a:fontRef idx="minor">
+        <a:schemeClr val="lt1"/>
+      </a:fontRef>
+    </dgm:style>
+  </dgm:styleLbl>
+  <dgm:styleLbl name="node2">
+    <dgm:scene3d>
+      <a:camera prst="orthographicFront"/>
+      <a:lightRig rig="threePt" dir="t"/>
+    </dgm:scene3d>
+    <dgm:sp3d/>
+    <dgm:txPr/>
+    <dgm:style>
+      <a:lnRef idx="2">
+        <a:scrgbClr r="0" g="0" b="0"/>
+      </a:lnRef>
+      <a:fillRef idx="1">
+        <a:scrgbClr r="0" g="0" b="0"/>
+      </a:fillRef>
+      <a:effectRef idx="0">
+        <a:scrgbClr r="0" g="0" b="0"/>
+      </a:effectRef>
+      <a:fontRef idx="minor">
+        <a:schemeClr val="lt1"/>
+      </a:fontRef>
+    </dgm:style>
+  </dgm:styleLbl>
+  <dgm:styleLbl name="node3">
+    <dgm:scene3d>
+      <a:camera prst="orthographicFront"/>
+      <a:lightRig rig="threePt" dir="t"/>
+    </dgm:scene3d>
+    <dgm:sp3d/>
+    <dgm:txPr/>
+    <dgm:style>
+      <a:lnRef idx="2">
+        <a:scrgbClr r="0" g="0" b="0"/>
+      </a:lnRef>
+      <a:fillRef idx="1">
+        <a:scrgbClr r="0" g="0" b="0"/>
+      </a:fillRef>
+      <a:effectRef idx="0">
+        <a:scrgbClr r="0" g="0" b="0"/>
+      </a:effectRef>
+      <a:fontRef idx="minor">
+        <a:schemeClr val="lt1"/>
+      </a:fontRef>
+    </dgm:style>
+  </dgm:styleLbl>
+  <dgm:styleLbl name="node4">
+    <dgm:scene3d>
+      <a:camera prst="orthographicFront"/>
+      <a:lightRig rig="threePt" dir="t"/>
+    </dgm:scene3d>
+    <dgm:sp3d/>
+    <dgm:txPr/>
+    <dgm:style>
+      <a:lnRef idx="2">
+        <a:scrgbClr r="0" g="0" b="0"/>
+      </a:lnRef>
+      <a:fillRef idx="1">
+        <a:scrgbClr r="0" g="0" b="0"/>
+      </a:fillRef>
+      <a:effectRef idx="0">
+        <a:scrgbClr r="0" g="0" b="0"/>
+      </a:effectRef>
+      <a:fontRef idx="minor">
+        <a:schemeClr val="lt1"/>
+      </a:fontRef>
+    </dgm:style>
+  </dgm:styleLbl>
+  <dgm:styleLbl name="fgImgPlace1">
+    <dgm:scene3d>
+      <a:camera prst="orthographicFront"/>
+      <a:lightRig rig="threePt" dir="t"/>
+    </dgm:scene3d>
+    <dgm:sp3d/>
+    <dgm:txPr/>
+    <dgm:style>
+      <a:lnRef idx="2">
+        <a:scrgbClr r="0" g="0" b="0"/>
+      </a:lnRef>
+      <a:fillRef idx="1">
+        <a:scrgbClr r="0" g="0" b="0"/>
+      </a:fillRef>
+      <a:effectRef idx="0">
+        <a:scrgbClr r="0" g="0" b="0"/>
+      </a:effectRef>
+      <a:fontRef idx="minor"/>
+    </dgm:style>
+  </dgm:styleLbl>
+  <dgm:styleLbl name="alignImgPlace1">
+    <dgm:scene3d>
+      <a:camera prst="orthographicFront"/>
+      <a:lightRig rig="threePt" dir="t"/>
+    </dgm:scene3d>
+    <dgm:sp3d/>
+    <dgm:txPr/>
+    <dgm:style>
+      <a:lnRef idx="2">
+        <a:scrgbClr r="0" g="0" b="0"/>
+      </a:lnRef>
+      <a:fillRef idx="1">
+        <a:scrgbClr r="0" g="0" b="0"/>
+      </a:fillRef>
+      <a:effectRef idx="0">
+        <a:scrgbClr r="0" g="0" b="0"/>
+      </a:effectRef>
+      <a:fontRef idx="minor"/>
+    </dgm:style>
+  </dgm:styleLbl>
+  <dgm:styleLbl name="bgImgPlace1">
+    <dgm:scene3d>
+      <a:camera prst="orthographicFront"/>
+      <a:lightRig rig="threePt" dir="t"/>
+    </dgm:scene3d>
+    <dgm:sp3d/>
+    <dgm:txPr/>
+    <dgm:style>
+      <a:lnRef idx="2">
+        <a:scrgbClr r="0" g="0" b="0"/>
+      </a:lnRef>
+      <a:fillRef idx="1">
+        <a:scrgbClr r="0" g="0" b="0"/>
+      </a:fillRef>
+      <a:effectRef idx="0">
+        <a:scrgbClr r="0" g="0" b="0"/>
+      </a:effectRef>
+      <a:fontRef idx="minor"/>
+    </dgm:style>
+  </dgm:styleLbl>
+  <dgm:styleLbl name="sibTrans2D1">
+    <dgm:scene3d>
+      <a:camera prst="orthographicFront"/>
+      <a:lightRig rig="threePt" dir="t"/>
+    </dgm:scene3d>
+    <dgm:sp3d/>
+    <dgm:txPr/>
+    <dgm:style>
+      <a:lnRef idx="0">
+        <a:scrgbClr r="0" g="0" b="0"/>
+      </a:lnRef>
+      <a:fillRef idx="1">
+        <a:scrgbClr r="0" g="0" b="0"/>
+      </a:fillRef>
+      <a:effectRef idx="0">
+        <a:scrgbClr r="0" g="0" b="0"/>
+      </a:effectRef>
+      <a:fontRef idx="minor">
+        <a:schemeClr val="lt1"/>
+      </a:fontRef>
+    </dgm:style>
+  </dgm:styleLbl>
+  <dgm:styleLbl name="fgSibTrans2D1">
+    <dgm:scene3d>
+      <a:camera prst="orthographicFront"/>
+      <a:lightRig rig="threePt" dir="t"/>
+    </dgm:scene3d>
+    <dgm:sp3d/>
+    <dgm:txPr/>
+    <dgm:style>
+      <a:lnRef idx="0">
+        <a:scrgbClr r="0" g="0" b="0"/>
+      </a:lnRef>
+      <a:fillRef idx="1">
+        <a:scrgbClr r="0" g="0" b="0"/>
+      </a:fillRef>
+      <a:effectRef idx="0">
+        <a:scrgbClr r="0" g="0" b="0"/>
+      </a:effectRef>
+      <a:fontRef idx="minor">
+        <a:schemeClr val="lt1"/>
+      </a:fontRef>
+    </dgm:style>
+  </dgm:styleLbl>
+  <dgm:styleLbl name="bgSibTrans2D1">
+    <dgm:scene3d>
+      <a:camera prst="orthographicFront"/>
+      <a:lightRig rig="threePt" dir="t"/>
+    </dgm:scene3d>
+    <dgm:sp3d/>
+    <dgm:txPr/>
+    <dgm:style>
+      <a:lnRef idx="0">
+        <a:scrgbClr r="0" g="0" b="0"/>
+      </a:lnRef>
+      <a:fillRef idx="1">
+        <a:scrgbClr r="0" g="0" b="0"/>
+      </a:fillRef>
+      <a:effectRef idx="0">
+        <a:scrgbClr r="0" g="0" b="0"/>
+      </a:effectRef>
+      <a:fontRef idx="minor">
+        <a:schemeClr val="lt1"/>
+      </a:fontRef>
+    </dgm:style>
+  </dgm:styleLbl>
+  <dgm:styleLbl name="sibTrans1D1">
+    <dgm:scene3d>
+      <a:camera prst="orthographicFront"/>
+      <a:lightRig rig="threePt" dir="t"/>
+    </dgm:scene3d>
+    <dgm:sp3d/>
+    <dgm:txPr/>
+    <dgm:style>
+      <a:lnRef idx="1">
+        <a:scrgbClr r="0" g="0" b="0"/>
+      </a:lnRef>
+      <a:fillRef idx="0">
+        <a:scrgbClr r="0" g="0" b="0"/>
+      </a:fillRef>
+      <a:effectRef idx="0">
+        <a:scrgbClr r="0" g="0" b="0"/>
+      </a:effectRef>
+      <a:fontRef idx="minor"/>
+    </dgm:style>
+  </dgm:styleLbl>
+  <dgm:styleLbl name="callout">
+    <dgm:scene3d>
+      <a:camera prst="orthographicFront"/>
+      <a:lightRig rig="threePt" dir="t"/>
+    </dgm:scene3d>
+    <dgm:sp3d/>
+    <dgm:txPr/>
+    <dgm:style>
+      <a:lnRef idx="2">
+        <a:scrgbClr r="0" g="0" b="0"/>
+      </a:lnRef>
+      <a:fillRef idx="1">
+        <a:scrgbClr r="0" g="0" b="0"/>
+      </a:fillRef>
+      <a:effectRef idx="0">
+        <a:scrgbClr r="0" g="0" b="0"/>
+      </a:effectRef>
+      <a:fontRef idx="minor"/>
+    </dgm:style>
+  </dgm:styleLbl>
+  <dgm:styleLbl name="asst0">
+    <dgm:scene3d>
+      <a:camera prst="orthographicFront"/>
+      <a:lightRig rig="threePt" dir="t"/>
+    </dgm:scene3d>
+    <dgm:sp3d/>
+    <dgm:txPr/>
+    <dgm:style>
+      <a:lnRef idx="2">
+        <a:scrgbClr r="0" g="0" b="0"/>
+      </a:lnRef>
+      <a:fillRef idx="1">
+        <a:scrgbClr r="0" g="0" b="0"/>
+      </a:fillRef>
+      <a:effectRef idx="0">
+        <a:scrgbClr r="0" g="0" b="0"/>
+      </a:effectRef>
+      <a:fontRef idx="minor">
+        <a:schemeClr val="lt1"/>
+      </a:fontRef>
+    </dgm:style>
+  </dgm:styleLbl>
+  <dgm:styleLbl name="asst1">
+    <dgm:scene3d>
+      <a:camera prst="orthographicFront"/>
+      <a:lightRig rig="threePt" dir="t"/>
+    </dgm:scene3d>
+    <dgm:sp3d/>
+    <dgm:txPr/>
+    <dgm:style>
+      <a:lnRef idx="2">
+        <a:scrgbClr r="0" g="0" b="0"/>
+      </a:lnRef>
+      <a:fillRef idx="1">
+        <a:scrgbClr r="0" g="0" b="0"/>
+      </a:fillRef>
+      <a:effectRef idx="0">
+        <a:scrgbClr r="0" g="0" b="0"/>
+      </a:effectRef>
+      <a:fontRef idx="minor">
+        <a:schemeClr val="lt1"/>
+      </a:fontRef>
+    </dgm:style>
+  </dgm:styleLbl>
+  <dgm:styleLbl name="asst2">
+    <dgm:scene3d>
+      <a:camera prst="orthographicFront"/>
+      <a:lightRig rig="threePt" dir="t"/>
+    </dgm:scene3d>
+    <dgm:sp3d/>
+    <dgm:txPr/>
+    <dgm:style>
+      <a:lnRef idx="2">
+        <a:scrgbClr r="0" g="0" b="0"/>
+      </a:lnRef>
+      <a:fillRef idx="1">
+        <a:scrgbClr r="0" g="0" b="0"/>
+      </a:fillRef>
+      <a:effectRef idx="0">
+        <a:scrgbClr r="0" g="0" b="0"/>
+      </a:effectRef>
+      <a:fontRef idx="minor">
+        <a:schemeClr val="lt1"/>
+      </a:fontRef>
+    </dgm:style>
+  </dgm:styleLbl>
+  <dgm:styleLbl name="asst3">
+    <dgm:scene3d>
+      <a:camera prst="orthographicFront"/>
+      <a:lightRig rig="threePt" dir="t"/>
+    </dgm:scene3d>
+    <dgm:sp3d/>
+    <dgm:txPr/>
+    <dgm:style>
+      <a:lnRef idx="2">
+        <a:scrgbClr r="0" g="0" b="0"/>
+      </a:lnRef>
+      <a:fillRef idx="1">
+        <a:scrgbClr r="0" g="0" b="0"/>
+      </a:fillRef>
+      <a:effectRef idx="0">
+        <a:scrgbClr r="0" g="0" b="0"/>
+      </a:effectRef>
+      <a:fontRef idx="minor">
+        <a:schemeClr val="lt1"/>
+      </a:fontRef>
+    </dgm:style>
+  </dgm:styleLbl>
+  <dgm:styleLbl name="asst4">
+    <dgm:scene3d>
+      <a:camera prst="orthographicFront"/>
+      <a:lightRig rig="threePt" dir="t"/>
+    </dgm:scene3d>
+    <dgm:sp3d/>
+    <dgm:txPr/>
+    <dgm:style>
+      <a:lnRef idx="2">
+        <a:scrgbClr r="0" g="0" b="0"/>
+      </a:lnRef>
+      <a:fillRef idx="1">
+        <a:scrgbClr r="0" g="0" b="0"/>
+      </a:fillRef>
+      <a:effectRef idx="0">
+        <a:scrgbClr r="0" g="0" b="0"/>
+      </a:effectRef>
+      <a:fontRef idx="minor">
+        <a:schemeClr val="lt1"/>
+      </a:fontRef>
+    </dgm:style>
+  </dgm:styleLbl>
+  <dgm:styleLbl name="parChTrans2D1">
+    <dgm:scene3d>
+      <a:camera prst="orthographicFront"/>
+      <a:lightRig rig="threePt" dir="t"/>
+    </dgm:scene3d>
+    <dgm:sp3d/>
+    <dgm:txPr/>
+    <dgm:style>
+      <a:lnRef idx="2">
+        <a:scrgbClr r="0" g="0" b="0"/>
+      </a:lnRef>
+      <a:fillRef idx="1">
+        <a:scrgbClr r="0" g="0" b="0"/>
+      </a:fillRef>
+      <a:effectRef idx="0">
+        <a:scrgbClr r="0" g="0" b="0"/>
+      </a:effectRef>
+      <a:fontRef idx="minor">
+        <a:schemeClr val="lt1"/>
+      </a:fontRef>
+    </dgm:style>
+  </dgm:styleLbl>
+  <dgm:styleLbl name="parChTrans2D2">
+    <dgm:scene3d>
+      <a:camera prst="orthographicFront"/>
+      <a:lightRig rig="threePt" dir="t"/>
+    </dgm:scene3d>
+    <dgm:sp3d/>
+    <dgm:txPr/>
+    <dgm:style>
+      <a:lnRef idx="2">
+        <a:scrgbClr r="0" g="0" b="0"/>
+      </a:lnRef>
+      <a:fillRef idx="1">
+        <a:scrgbClr r="0" g="0" b="0"/>
+      </a:fillRef>
+      <a:effectRef idx="0">
+        <a:scrgbClr r="0" g="0" b="0"/>
+      </a:effectRef>
+      <a:fontRef idx="minor">
+        <a:schemeClr val="lt1"/>
+      </a:fontRef>
+    </dgm:style>
+  </dgm:styleLbl>
+  <dgm:styleLbl name="parChTrans2D3">
+    <dgm:scene3d>
+      <a:camera prst="orthographicFront"/>
+      <a:lightRig rig="threePt" dir="t"/>
+    </dgm:scene3d>
+    <dgm:sp3d/>
+    <dgm:txPr/>
+    <dgm:style>
+      <a:lnRef idx="2">
+        <a:scrgbClr r="0" g="0" b="0"/>
+      </a:lnRef>
+      <a:fillRef idx="1">
+        <a:scrgbClr r="0" g="0" b="0"/>
+      </a:fillRef>
+      <a:effectRef idx="0">
+        <a:scrgbClr r="0" g="0" b="0"/>
+      </a:effectRef>
+      <a:fontRef idx="minor">
+        <a:schemeClr val="lt1"/>
+      </a:fontRef>
+    </dgm:style>
+  </dgm:styleLbl>
+  <dgm:styleLbl name="parChTrans2D4">
+    <dgm:scene3d>
+      <a:camera prst="orthographicFront"/>
+      <a:lightRig rig="threePt" dir="t"/>
+    </dgm:scene3d>
+    <dgm:sp3d/>
+    <dgm:txPr/>
+    <dgm:style>
+      <a:lnRef idx="2">
+        <a:scrgbClr r="0" g="0" b="0"/>
+      </a:lnRef>
+      <a:fillRef idx="1">
+        <a:scrgbClr r="0" g="0" b="0"/>
+      </a:fillRef>
+      <a:effectRef idx="0">
+        <a:scrgbClr r="0" g="0" b="0"/>
+      </a:effectRef>
+      <a:fontRef idx="minor">
+        <a:schemeClr val="lt1"/>
+      </a:fontRef>
+    </dgm:style>
+  </dgm:styleLbl>
+  <dgm:styleLbl name="parChTrans1D1">
+    <dgm:scene3d>
+      <a:camera prst="orthographicFront"/>
+      <a:lightRig rig="threePt" dir="t"/>
+    </dgm:scene3d>
+    <dgm:sp3d/>
+    <dgm:txPr/>
+    <dgm:style>
+      <a:lnRef idx="2">
+        <a:scrgbClr r="0" g="0" b="0"/>
+      </a:lnRef>
+      <a:fillRef idx="0">
+        <a:scrgbClr r="0" g="0" b="0"/>
+      </a:fillRef>
+      <a:effectRef idx="0">
+        <a:scrgbClr r="0" g="0" b="0"/>
+      </a:effectRef>
+      <a:fontRef idx="minor"/>
+    </dgm:style>
+  </dgm:styleLbl>
+  <dgm:styleLbl name="parChTrans1D2">
+    <dgm:scene3d>
+      <a:camera prst="orthographicFront"/>
+      <a:lightRig rig="threePt" dir="t"/>
+    </dgm:scene3d>
+    <dgm:sp3d/>
+    <dgm:txPr/>
+    <dgm:style>
+      <a:lnRef idx="2">
+        <a:scrgbClr r="0" g="0" b="0"/>
+      </a:lnRef>
+      <a:fillRef idx="0">
+        <a:scrgbClr r="0" g="0" b="0"/>
+      </a:fillRef>
+      <a:effectRef idx="0">
+        <a:scrgbClr r="0" g="0" b="0"/>
+      </a:effectRef>
+      <a:fontRef idx="minor"/>
+    </dgm:style>
+  </dgm:styleLbl>
+  <dgm:styleLbl name="parChTrans1D3">
+    <dgm:scene3d>
+      <a:camera prst="orthographicFront"/>
+      <a:lightRig rig="threePt" dir="t"/>
+    </dgm:scene3d>
+    <dgm:sp3d/>
+    <dgm:txPr/>
+    <dgm:style>
+      <a:lnRef idx="2">
+        <a:scrgbClr r="0" g="0" b="0"/>
+      </a:lnRef>
+      <a:fillRef idx="0">
+        <a:scrgbClr r="0" g="0" b="0"/>
+      </a:fillRef>
+      <a:effectRef idx="0">
+        <a:scrgbClr r="0" g="0" b="0"/>
+      </a:effectRef>
+      <a:fontRef idx="minor"/>
+    </dgm:style>
+  </dgm:styleLbl>
+  <dgm:styleLbl name="parChTrans1D4">
+    <dgm:scene3d>
+      <a:camera prst="orthographicFront"/>
+      <a:lightRig rig="threePt" dir="t"/>
+    </dgm:scene3d>
+    <dgm:sp3d/>
+    <dgm:txPr/>
+    <dgm:style>
+      <a:lnRef idx="2">
+        <a:scrgbClr r="0" g="0" b="0"/>
+      </a:lnRef>
+      <a:fillRef idx="0">
+        <a:scrgbClr r="0" g="0" b="0"/>
+      </a:fillRef>
+      <a:effectRef idx="0">
+        <a:scrgbClr r="0" g="0" b="0"/>
+      </a:effectRef>
+      <a:fontRef idx="minor"/>
+    </dgm:style>
+  </dgm:styleLbl>
+  <dgm:styleLbl name="fgAcc1">
+    <dgm:scene3d>
+      <a:camera prst="orthographicFront"/>
+      <a:lightRig rig="threePt" dir="t"/>
+    </dgm:scene3d>
+    <dgm:sp3d/>
+    <dgm:txPr/>
+    <dgm:style>
+      <a:lnRef idx="2">
+        <a:scrgbClr r="0" g="0" b="0"/>
+      </a:lnRef>
+      <a:fillRef idx="1">
+        <a:scrgbClr r="0" g="0" b="0"/>
+      </a:fillRef>
+      <a:effectRef idx="0">
+        <a:scrgbClr r="0" g="0" b="0"/>
+      </a:effectRef>
+      <a:fontRef idx="minor"/>
+    </dgm:style>
+  </dgm:styleLbl>
+  <dgm:styleLbl name="conFgAcc1">
+    <dgm:scene3d>
+      <a:camera prst="orthographicFront"/>
+      <a:lightRig rig="threePt" dir="t"/>
+    </dgm:scene3d>
+    <dgm:sp3d/>
+    <dgm:txPr/>
+    <dgm:style>
+      <a:lnRef idx="2">
+        <a:scrgbClr r="0" g="0" b="0"/>
+      </a:lnRef>
+      <a:fillRef idx="1">
+        <a:scrgbClr r="0" g="0" b="0"/>
+      </a:fillRef>
+      <a:effectRef idx="0">
+        <a:scrgbClr r="0" g="0" b="0"/>
+      </a:effectRef>
+      <a:fontRef idx="minor"/>
+    </dgm:style>
+  </dgm:styleLbl>
+  <dgm:styleLbl name="alignAcc1">
+    <dgm:scene3d>
+      <a:camera prst="orthographicFront"/>
+      <a:lightRig rig="threePt" dir="t"/>
+    </dgm:scene3d>
+    <dgm:sp3d/>
+    <dgm:txPr/>
+    <dgm:style>
+      <a:lnRef idx="2">
+        <a:scrgbClr r="0" g="0" b="0"/>
+      </a:lnRef>
+      <a:fillRef idx="1">
+        <a:scrgbClr r="0" g="0" b="0"/>
+      </a:fillRef>
+      <a:effectRef idx="0">
+        <a:scrgbClr r="0" g="0" b="0"/>
+      </a:effectRef>
+      <a:fontRef idx="minor"/>
+    </dgm:style>
+  </dgm:styleLbl>
+  <dgm:styleLbl name="trAlignAcc1">
+    <dgm:scene3d>
+      <a:camera prst="orthographicFront"/>
+      <a:lightRig rig="threePt" dir="t"/>
+    </dgm:scene3d>
+    <dgm:sp3d/>
+    <dgm:txPr/>
+    <dgm:style>
+      <a:lnRef idx="1">
+        <a:scrgbClr r="0" g="0" b="0"/>
+      </a:lnRef>
+      <a:fillRef idx="1">
+        <a:scrgbClr r="0" g="0" b="0"/>
+      </a:fillRef>
+      <a:effectRef idx="0">
+        <a:scrgbClr r="0" g="0" b="0"/>
+      </a:effectRef>
+      <a:fontRef idx="minor"/>
+    </dgm:style>
+  </dgm:styleLbl>
+  <dgm:styleLbl name="bgAcc1">
+    <dgm:scene3d>
+      <a:camera prst="orthographicFront"/>
+      <a:lightRig rig="threePt" dir="t"/>
+    </dgm:scene3d>
+    <dgm:sp3d/>
+    <dgm:txPr/>
+    <dgm:style>
+      <a:lnRef idx="2">
+        <a:scrgbClr r="0" g="0" b="0"/>
+      </a:lnRef>
+      <a:fillRef idx="1">
+        <a:scrgbClr r="0" g="0" b="0"/>
+      </a:fillRef>
+      <a:effectRef idx="0">
+        <a:scrgbClr r="0" g="0" b="0"/>
+      </a:effectRef>
+      <a:fontRef idx="minor"/>
+    </dgm:style>
+  </dgm:styleLbl>
+  <dgm:styleLbl name="solidFgAcc1">
+    <dgm:scene3d>
+      <a:camera prst="orthographicFront"/>
+      <a:lightRig rig="threePt" dir="t"/>
+    </dgm:scene3d>
+    <dgm:sp3d/>
+    <dgm:txPr/>
+    <dgm:style>
+      <a:lnRef idx="2">
+        <a:scrgbClr r="0" g="0" b="0"/>
+      </a:lnRef>
+      <a:fillRef idx="1">
+        <a:scrgbClr r="0" g="0" b="0"/>
+      </a:fillRef>
+      <a:effectRef idx="0">
+        <a:scrgbClr r="0" g="0" b="0"/>
+      </a:effectRef>
+      <a:fontRef idx="minor"/>
+    </dgm:style>
+  </dgm:styleLbl>
+  <dgm:styleLbl name="solidAlignAcc1">
+    <dgm:scene3d>
+      <a:camera prst="orthographicFront"/>
+      <a:lightRig rig="threePt" dir="t"/>
+    </dgm:scene3d>
+    <dgm:sp3d/>
+    <dgm:txPr/>
+    <dgm:style>
+      <a:lnRef idx="2">
+        <a:scrgbClr r="0" g="0" b="0"/>
+      </a:lnRef>
+      <a:fillRef idx="1">
+        <a:scrgbClr r="0" g="0" b="0"/>
+      </a:fillRef>
+      <a:effectRef idx="0">
+        <a:scrgbClr r="0" g="0" b="0"/>
+      </a:effectRef>
+      <a:fontRef idx="minor"/>
+    </dgm:style>
+  </dgm:styleLbl>
+  <dgm:styleLbl name="solidBgAcc1">
+    <dgm:scene3d>
+      <a:camera prst="orthographicFront"/>
+      <a:lightRig rig="threePt" dir="t"/>
+    </dgm:scene3d>
+    <dgm:sp3d/>
+    <dgm:txPr/>
+    <dgm:style>
+      <a:lnRef idx="2">
+        <a:scrgbClr r="0" g="0" b="0"/>
+      </a:lnRef>
+      <a:fillRef idx="1">
+        <a:scrgbClr r="0" g="0" b="0"/>
+      </a:fillRef>
+      <a:effectRef idx="0">
+        <a:scrgbClr r="0" g="0" b="0"/>
+      </a:effectRef>
+      <a:fontRef idx="minor"/>
+    </dgm:style>
+  </dgm:styleLbl>
+  <dgm:styleLbl name="fgAccFollowNode1">
+    <dgm:scene3d>
+      <a:camera prst="orthographicFront"/>
+      <a:lightRig rig="threePt" dir="t"/>
+    </dgm:scene3d>
+    <dgm:sp3d/>
+    <dgm:txPr/>
+    <dgm:style>
+      <a:lnRef idx="2">
+        <a:scrgbClr r="0" g="0" b="0"/>
+      </a:lnRef>
+      <a:fillRef idx="1">
+        <a:scrgbClr r="0" g="0" b="0"/>
+      </a:fillRef>
+      <a:effectRef idx="0">
+        <a:scrgbClr r="0" g="0" b="0"/>
+      </a:effectRef>
+      <a:fontRef idx="minor"/>
+    </dgm:style>
+  </dgm:styleLbl>
+  <dgm:styleLbl name="alignAccFollowNode1">
+    <dgm:scene3d>
+      <a:camera prst="orthographicFront"/>
+      <a:lightRig rig="threePt" dir="t"/>
+    </dgm:scene3d>
+    <dgm:sp3d/>
+    <dgm:txPr/>
+    <dgm:style>
+      <a:lnRef idx="2">
+        <a:scrgbClr r="0" g="0" b="0"/>
+      </a:lnRef>
+      <a:fillRef idx="1">
+        <a:scrgbClr r="0" g="0" b="0"/>
+      </a:fillRef>
+      <a:effectRef idx="0">
+        <a:scrgbClr r="0" g="0" b="0"/>
+      </a:effectRef>
+      <a:fontRef idx="minor"/>
+    </dgm:style>
+  </dgm:styleLbl>
+  <dgm:styleLbl name="bgAccFollowNode1">
+    <dgm:scene3d>
+      <a:camera prst="orthographicFront"/>
+      <a:lightRig rig="threePt" dir="t"/>
+    </dgm:scene3d>
+    <dgm:sp3d/>
+    <dgm:txPr/>
+    <dgm:style>
+      <a:lnRef idx="2">
+        <a:scrgbClr r="0" g="0" b="0"/>
+      </a:lnRef>
+      <a:fillRef idx="1">
+        <a:scrgbClr r="0" g="0" b="0"/>
+      </a:fillRef>
+      <a:effectRef idx="0">
+        <a:scrgbClr r="0" g="0" b="0"/>
+      </a:effectRef>
+      <a:fontRef idx="minor"/>
+    </dgm:style>
+  </dgm:styleLbl>
+  <dgm:styleLbl name="fgAcc0">
+    <dgm:scene3d>
+      <a:camera prst="orthographicFront"/>
+      <a:lightRig rig="threePt" dir="t"/>
+    </dgm:scene3d>
+    <dgm:sp3d/>
+    <dgm:txPr/>
+    <dgm:style>
+      <a:lnRef idx="2">
+        <a:scrgbClr r="0" g="0" b="0"/>
+      </a:lnRef>
+      <a:fillRef idx="1">
+        <a:scrgbClr r="0" g="0" b="0"/>
+      </a:fillRef>
+      <a:effectRef idx="0">
+        <a:scrgbClr r="0" g="0" b="0"/>
+      </a:effectRef>
+      <a:fontRef idx="minor"/>
+    </dgm:style>
+  </dgm:styleLbl>
+  <dgm:styleLbl name="fgAcc2">
+    <dgm:scene3d>
+      <a:camera prst="orthographicFront"/>
+      <a:lightRig rig="threePt" dir="t"/>
+    </dgm:scene3d>
+    <dgm:sp3d/>
+    <dgm:txPr/>
+    <dgm:style>
+      <a:lnRef idx="2">
+        <a:scrgbClr r="0" g="0" b="0"/>
+      </a:lnRef>
+      <a:fillRef idx="1">
+        <a:scrgbClr r="0" g="0" b="0"/>
+      </a:fillRef>
+      <a:effectRef idx="0">
+        <a:scrgbClr r="0" g="0" b="0"/>
+      </a:effectRef>
+      <a:fontRef idx="minor"/>
+    </dgm:style>
+  </dgm:styleLbl>
+  <dgm:styleLbl name="fgAcc3">
+    <dgm:scene3d>
+      <a:camera prst="orthographicFront"/>
+      <a:lightRig rig="threePt" dir="t"/>
+    </dgm:scene3d>
+    <dgm:sp3d/>
+    <dgm:txPr/>
+    <dgm:style>
+      <a:lnRef idx="2">
+        <a:scrgbClr r="0" g="0" b="0"/>
+      </a:lnRef>
+      <a:fillRef idx="1">
+        <a:scrgbClr r="0" g="0" b="0"/>
+      </a:fillRef>
+      <a:effectRef idx="0">
+        <a:scrgbClr r="0" g="0" b="0"/>
+      </a:effectRef>
+      <a:fontRef idx="minor"/>
+    </dgm:style>
+  </dgm:styleLbl>
+  <dgm:styleLbl name="fgAcc4">
+    <dgm:scene3d>
+      <a:camera prst="orthographicFront"/>
+      <a:lightRig rig="threePt" dir="t"/>
+    </dgm:scene3d>
+    <dgm:sp3d/>
+    <dgm:txPr/>
+    <dgm:style>
+      <a:lnRef idx="2">
+        <a:scrgbClr r="0" g="0" b="0"/>
+      </a:lnRef>
+      <a:fillRef idx="1">
+        <a:scrgbClr r="0" g="0" b="0"/>
+      </a:fillRef>
+      <a:effectRef idx="0">
+        <a:scrgbClr r="0" g="0" b="0"/>
+      </a:effectRef>
+      <a:fontRef idx="minor"/>
+    </dgm:style>
+  </dgm:styleLbl>
+  <dgm:styleLbl name="bgShp">
+    <dgm:scene3d>
+      <a:camera prst="orthographicFront"/>
+      <a:lightRig rig="threePt" dir="t"/>
+    </dgm:scene3d>
+    <dgm:sp3d/>
+    <dgm:txPr/>
+    <dgm:style>
+      <a:lnRef idx="0">
+        <a:scrgbClr r="0" g="0" b="0"/>
+      </a:lnRef>
+      <a:fillRef idx="1">
+        <a:scrgbClr r="0" g="0" b="0"/>
+      </a:fillRef>
+      <a:effectRef idx="0">
+        <a:scrgbClr r="0" g="0" b="0"/>
+      </a:effectRef>
+      <a:fontRef idx="minor"/>
+    </dgm:style>
+  </dgm:styleLbl>
+  <dgm:styleLbl name="dkBgShp">
+    <dgm:scene3d>
+      <a:camera prst="orthographicFront"/>
+      <a:lightRig rig="threePt" dir="t"/>
+    </dgm:scene3d>
+    <dgm:sp3d/>
+    <dgm:txPr/>
+    <dgm:style>
+      <a:lnRef idx="0">
+        <a:scrgbClr r="0" g="0" b="0"/>
+      </a:lnRef>
+      <a:fillRef idx="1">
+        <a:scrgbClr r="0" g="0" b="0"/>
+      </a:fillRef>
+      <a:effectRef idx="0">
+        <a:scrgbClr r="0" g="0" b="0"/>
+      </a:effectRef>
+      <a:fontRef idx="minor"/>
+    </dgm:style>
+  </dgm:styleLbl>
+  <dgm:styleLbl name="trBgShp">
+    <dgm:scene3d>
+      <a:camera prst="orthographicFront"/>
+      <a:lightRig rig="threePt" dir="t"/>
+    </dgm:scene3d>
+    <dgm:sp3d/>
+    <dgm:txPr/>
+    <dgm:style>
+      <a:lnRef idx="0">
+        <a:scrgbClr r="0" g="0" b="0"/>
+      </a:lnRef>
+      <a:fillRef idx="1">
+        <a:scrgbClr r="0" g="0" b="0"/>
+      </a:fillRef>
+      <a:effectRef idx="0">
+        <a:scrgbClr r="0" g="0" b="0"/>
+      </a:effectRef>
+      <a:fontRef idx="minor"/>
+    </dgm:style>
+  </dgm:styleLbl>
+  <dgm:styleLbl name="fgShp">
+    <dgm:scene3d>
+      <a:camera prst="orthographicFront"/>
+      <a:lightRig rig="threePt" dir="t"/>
+    </dgm:scene3d>
+    <dgm:sp3d/>
+    <dgm:txPr/>
+    <dgm:style>
+      <a:lnRef idx="2">
+        <a:scrgbClr r="0" g="0" b="0"/>
+      </a:lnRef>
+      <a:fillRef idx="1">
+        <a:scrgbClr r="0" g="0" b="0"/>
+      </a:fillRef>
+      <a:effectRef idx="0">
+        <a:scrgbClr r="0" g="0" b="0"/>
+      </a:effectRef>
+      <a:fontRef idx="minor"/>
+    </dgm:style>
+  </dgm:styleLbl>
+  <dgm:styleLbl name="revTx">
+    <dgm:scene3d>
+      <a:camera prst="orthographicFront"/>
+      <a:lightRig rig="threePt" dir="t"/>
+    </dgm:scene3d>
+    <dgm:sp3d/>
+    <dgm:txPr/>
+    <dgm:style>
+      <a:lnRef idx="0">
+        <a:scrgbClr r="0" g="0" b="0"/>
+      </a:lnRef>
+      <a:fillRef idx="0">
+        <a:scrgbClr r="0" g="0" b="0"/>
+      </a:fillRef>
+      <a:effectRef idx="0">
+        <a:scrgbClr r="0" g="0" b="0"/>
+      </a:effectRef>
+      <a:fontRef idx="minor"/>
+    </dgm:style>
+  </dgm:styleLbl>
+</dgm:styleDef>
+</file>
+
+<file path=ppt/diagrams/quickStyle2.xml><?xml version="1.0" encoding="utf-8"?>
 <dgm:styleDef xmlns:dgm="http://schemas.openxmlformats.org/drawingml/2006/diagram" xmlns:a="http://schemas.openxmlformats.org/drawingml/2006/main" uniqueId="urn:microsoft.com/office/officeart/2005/8/quickstyle/simple5">
   <dgm:title val=""/>
   <dgm:desc val=""/>
@@ -3269,7 +7679,7 @@
           <a:p>
             <a:fld id="{C8D18E60-4300-4729-A0D7-6AB984C3922D}" type="datetimeFigureOut">
               <a:rPr lang="en-US" smtClean="0"/>
-              <a:t>9/30/2019</a:t>
+              <a:t>10/3/2019</a:t>
             </a:fld>
             <a:endParaRPr lang="en-US"/>
           </a:p>
@@ -3534,6 +7944,182 @@
     </a:lvl9pPr>
   </p:notesStyle>
 </p:notesMaster>
+</file>
+
+<file path=ppt/notesSlides/notesSlide1.xml><?xml version="1.0" encoding="utf-8"?>
+<p:notes xmlns:a="http://schemas.openxmlformats.org/drawingml/2006/main" xmlns:r="http://schemas.openxmlformats.org/officeDocument/2006/relationships" xmlns:p="http://schemas.openxmlformats.org/presentationml/2006/main">
+  <p:cSld>
+    <p:spTree>
+      <p:nvGrpSpPr>
+        <p:cNvPr id="1" name=""/>
+        <p:cNvGrpSpPr/>
+        <p:nvPr/>
+      </p:nvGrpSpPr>
+      <p:grpSpPr>
+        <a:xfrm>
+          <a:off x="0" y="0"/>
+          <a:ext cx="0" cy="0"/>
+          <a:chOff x="0" y="0"/>
+          <a:chExt cx="0" cy="0"/>
+        </a:xfrm>
+      </p:grpSpPr>
+      <p:sp>
+        <p:nvSpPr>
+          <p:cNvPr id="2" name="Marcador de imagen de diapositiva 1"/>
+          <p:cNvSpPr>
+            <a:spLocks noGrp="1" noRot="1" noChangeAspect="1"/>
+          </p:cNvSpPr>
+          <p:nvPr>
+            <p:ph type="sldImg"/>
+          </p:nvPr>
+        </p:nvSpPr>
+        <p:spPr/>
+      </p:sp>
+      <p:sp>
+        <p:nvSpPr>
+          <p:cNvPr id="3" name="Marcador de notas 2"/>
+          <p:cNvSpPr>
+            <a:spLocks noGrp="1"/>
+          </p:cNvSpPr>
+          <p:nvPr>
+            <p:ph type="body" idx="1"/>
+          </p:nvPr>
+        </p:nvSpPr>
+        <p:spPr/>
+        <p:txBody>
+          <a:bodyPr/>
+          <a:lstStyle/>
+          <a:p>
+            <a:r>
+              <a:rPr lang="es-PE" dirty="0" smtClean="0"/>
+              <a:t>Porque</a:t>
+            </a:r>
+            <a:r>
+              <a:rPr lang="es-PE" baseline="0" dirty="0" smtClean="0"/>
+              <a:t> ROMA? Roma es la cuna del derecho, es un nombre familiar para los usuarios y al mismo tiempo es un nombre corto fácil de recordar</a:t>
+            </a:r>
+            <a:endParaRPr lang="es-PE" dirty="0"/>
+          </a:p>
+        </p:txBody>
+      </p:sp>
+      <p:sp>
+        <p:nvSpPr>
+          <p:cNvPr id="4" name="Marcador de número de diapositiva 3"/>
+          <p:cNvSpPr>
+            <a:spLocks noGrp="1"/>
+          </p:cNvSpPr>
+          <p:nvPr>
+            <p:ph type="sldNum" sz="quarter" idx="10"/>
+          </p:nvPr>
+        </p:nvSpPr>
+        <p:spPr/>
+        <p:txBody>
+          <a:bodyPr/>
+          <a:lstStyle/>
+          <a:p>
+            <a:fld id="{AF533E96-F078-4B3D-A8F4-F1AF21EBC357}" type="slidenum">
+              <a:rPr lang="en-US" smtClean="0"/>
+              <a:t>1</a:t>
+            </a:fld>
+            <a:endParaRPr lang="en-US"/>
+          </a:p>
+        </p:txBody>
+      </p:sp>
+    </p:spTree>
+    <p:extLst>
+      <p:ext uri="{BB962C8B-B14F-4D97-AF65-F5344CB8AC3E}">
+        <p14:creationId xmlns:p14="http://schemas.microsoft.com/office/powerpoint/2010/main" val="304995582"/>
+      </p:ext>
+    </p:extLst>
+  </p:cSld>
+  <p:clrMapOvr>
+    <a:masterClrMapping/>
+  </p:clrMapOvr>
+</p:notes>
+</file>
+
+<file path=ppt/notesSlides/notesSlide2.xml><?xml version="1.0" encoding="utf-8"?>
+<p:notes xmlns:a="http://schemas.openxmlformats.org/drawingml/2006/main" xmlns:r="http://schemas.openxmlformats.org/officeDocument/2006/relationships" xmlns:p="http://schemas.openxmlformats.org/presentationml/2006/main">
+  <p:cSld>
+    <p:spTree>
+      <p:nvGrpSpPr>
+        <p:cNvPr id="1" name=""/>
+        <p:cNvGrpSpPr/>
+        <p:nvPr/>
+      </p:nvGrpSpPr>
+      <p:grpSpPr>
+        <a:xfrm>
+          <a:off x="0" y="0"/>
+          <a:ext cx="0" cy="0"/>
+          <a:chOff x="0" y="0"/>
+          <a:chExt cx="0" cy="0"/>
+        </a:xfrm>
+      </p:grpSpPr>
+      <p:sp>
+        <p:nvSpPr>
+          <p:cNvPr id="2" name="Marcador de imagen de diapositiva 1"/>
+          <p:cNvSpPr>
+            <a:spLocks noGrp="1" noRot="1" noChangeAspect="1"/>
+          </p:cNvSpPr>
+          <p:nvPr>
+            <p:ph type="sldImg"/>
+          </p:nvPr>
+        </p:nvSpPr>
+        <p:spPr/>
+      </p:sp>
+      <p:sp>
+        <p:nvSpPr>
+          <p:cNvPr id="3" name="Marcador de notas 2"/>
+          <p:cNvSpPr>
+            <a:spLocks noGrp="1"/>
+          </p:cNvSpPr>
+          <p:nvPr>
+            <p:ph type="body" idx="1"/>
+          </p:nvPr>
+        </p:nvSpPr>
+        <p:spPr/>
+        <p:txBody>
+          <a:bodyPr/>
+          <a:lstStyle/>
+          <a:p>
+            <a:endParaRPr lang="es-PE" dirty="0"/>
+          </a:p>
+        </p:txBody>
+      </p:sp>
+      <p:sp>
+        <p:nvSpPr>
+          <p:cNvPr id="4" name="Marcador de número de diapositiva 3"/>
+          <p:cNvSpPr>
+            <a:spLocks noGrp="1"/>
+          </p:cNvSpPr>
+          <p:nvPr>
+            <p:ph type="sldNum" sz="quarter" idx="10"/>
+          </p:nvPr>
+        </p:nvSpPr>
+        <p:spPr/>
+        <p:txBody>
+          <a:bodyPr/>
+          <a:lstStyle/>
+          <a:p>
+            <a:fld id="{AF533E96-F078-4B3D-A8F4-F1AF21EBC357}" type="slidenum">
+              <a:rPr lang="en-US" smtClean="0"/>
+              <a:t>15</a:t>
+            </a:fld>
+            <a:endParaRPr lang="en-US"/>
+          </a:p>
+        </p:txBody>
+      </p:sp>
+    </p:spTree>
+    <p:extLst>
+      <p:ext uri="{BB962C8B-B14F-4D97-AF65-F5344CB8AC3E}">
+        <p14:creationId xmlns:p14="http://schemas.microsoft.com/office/powerpoint/2010/main" val="570578695"/>
+      </p:ext>
+    </p:extLst>
+  </p:cSld>
+  <p:clrMapOvr>
+    <a:masterClrMapping/>
+  </p:clrMapOvr>
+</p:notes>
 </file>
 
 <file path=ppt/slideLayouts/slideLayout1.xml><?xml version="1.0" encoding="utf-8"?>
@@ -3771,7 +8357,7 @@
             <a:fld id="{53074F12-AA26-4AC8-9962-C36BB8F32554}" type="datetimeFigureOut">
               <a:rPr lang="en-US" smtClean="0"/>
               <a:pPr/>
-              <a:t>9/30/2019</a:t>
+              <a:t>10/3/2019</a:t>
             </a:fld>
             <a:endParaRPr lang="en-US"/>
           </a:p>
@@ -4025,7 +8611,7 @@
             <a:fld id="{53074F12-AA26-4AC8-9962-C36BB8F32554}" type="datetimeFigureOut">
               <a:rPr lang="en-US" smtClean="0"/>
               <a:pPr/>
-              <a:t>9/30/2019</a:t>
+              <a:t>10/3/2019</a:t>
             </a:fld>
             <a:endParaRPr lang="en-US"/>
           </a:p>
@@ -4195,7 +8781,7 @@
             <a:fld id="{53074F12-AA26-4AC8-9962-C36BB8F32554}" type="datetimeFigureOut">
               <a:rPr lang="en-US" smtClean="0"/>
               <a:pPr/>
-              <a:t>9/30/2019</a:t>
+              <a:t>10/3/2019</a:t>
             </a:fld>
             <a:endParaRPr lang="en-US"/>
           </a:p>
@@ -4375,7 +8961,7 @@
             <a:fld id="{53074F12-AA26-4AC8-9962-C36BB8F32554}" type="datetimeFigureOut">
               <a:rPr lang="en-US" smtClean="0"/>
               <a:pPr/>
-              <a:t>9/30/2019</a:t>
+              <a:t>10/3/2019</a:t>
             </a:fld>
             <a:endParaRPr lang="en-US"/>
           </a:p>
@@ -4657,7 +9243,7 @@
             <a:fld id="{53074F12-AA26-4AC8-9962-C36BB8F32554}" type="datetimeFigureOut">
               <a:rPr lang="en-US" smtClean="0"/>
               <a:pPr/>
-              <a:t>9/30/2019</a:t>
+              <a:t>10/3/2019</a:t>
             </a:fld>
             <a:endParaRPr lang="en-US"/>
           </a:p>
@@ -4904,7 +9490,7 @@
             <a:fld id="{53074F12-AA26-4AC8-9962-C36BB8F32554}" type="datetimeFigureOut">
               <a:rPr lang="en-US" smtClean="0"/>
               <a:pPr/>
-              <a:t>9/30/2019</a:t>
+              <a:t>10/3/2019</a:t>
             </a:fld>
             <a:endParaRPr lang="en-US"/>
           </a:p>
@@ -5151,7 +9737,7 @@
             <a:fld id="{53074F12-AA26-4AC8-9962-C36BB8F32554}" type="datetimeFigureOut">
               <a:rPr lang="en-US" smtClean="0"/>
               <a:pPr/>
-              <a:t>9/30/2019</a:t>
+              <a:t>10/3/2019</a:t>
             </a:fld>
             <a:endParaRPr lang="en-US"/>
           </a:p>
@@ -5438,7 +10024,7 @@
             <a:fld id="{53074F12-AA26-4AC8-9962-C36BB8F32554}" type="datetimeFigureOut">
               <a:rPr lang="en-US" smtClean="0"/>
               <a:pPr/>
-              <a:t>9/30/2019</a:t>
+              <a:t>10/3/2019</a:t>
             </a:fld>
             <a:endParaRPr lang="en-US"/>
           </a:p>
@@ -5925,7 +10511,7 @@
             <a:fld id="{53074F12-AA26-4AC8-9962-C36BB8F32554}" type="datetimeFigureOut">
               <a:rPr lang="en-US" smtClean="0"/>
               <a:pPr/>
-              <a:t>9/30/2019</a:t>
+              <a:t>10/3/2019</a:t>
             </a:fld>
             <a:endParaRPr lang="en-US"/>
           </a:p>
@@ -6044,7 +10630,7 @@
             <a:fld id="{53074F12-AA26-4AC8-9962-C36BB8F32554}" type="datetimeFigureOut">
               <a:rPr lang="en-US" smtClean="0"/>
               <a:pPr/>
-              <a:t>9/30/2019</a:t>
+              <a:t>10/3/2019</a:t>
             </a:fld>
             <a:endParaRPr lang="en-US"/>
           </a:p>
@@ -6141,7 +10727,7 @@
             <a:fld id="{53074F12-AA26-4AC8-9962-C36BB8F32554}" type="datetimeFigureOut">
               <a:rPr lang="en-US" smtClean="0"/>
               <a:pPr/>
-              <a:t>9/30/2019</a:t>
+              <a:t>10/3/2019</a:t>
             </a:fld>
             <a:endParaRPr lang="en-US"/>
           </a:p>
@@ -6418,7 +11004,7 @@
             <a:fld id="{53074F12-AA26-4AC8-9962-C36BB8F32554}" type="datetimeFigureOut">
               <a:rPr lang="en-US" smtClean="0"/>
               <a:pPr/>
-              <a:t>9/30/2019</a:t>
+              <a:t>10/3/2019</a:t>
             </a:fld>
             <a:endParaRPr lang="en-US"/>
           </a:p>
@@ -6640,7 +11226,7 @@
             <a:fld id="{53074F12-AA26-4AC8-9962-C36BB8F32554}" type="datetimeFigureOut">
               <a:rPr lang="en-US" smtClean="0"/>
               <a:pPr/>
-              <a:t>9/30/2019</a:t>
+              <a:t>10/3/2019</a:t>
             </a:fld>
             <a:endParaRPr lang="en-US"/>
           </a:p>
@@ -7183,6 +11769,409 @@
       </p:grpSpPr>
       <p:sp>
         <p:nvSpPr>
+          <p:cNvPr id="2" name="Title 1"/>
+          <p:cNvSpPr>
+            <a:spLocks noGrp="1"/>
+          </p:cNvSpPr>
+          <p:nvPr>
+            <p:ph type="title"/>
+          </p:nvPr>
+        </p:nvSpPr>
+        <p:spPr/>
+        <p:txBody>
+          <a:bodyPr>
+            <a:normAutofit/>
+          </a:bodyPr>
+          <a:lstStyle/>
+          <a:p>
+            <a:r>
+              <a:rPr lang="en-US" dirty="0" err="1" smtClean="0"/>
+              <a:t>Problemática</a:t>
+            </a:r>
+            <a:endParaRPr lang="en-US" dirty="0"/>
+          </a:p>
+        </p:txBody>
+      </p:sp>
+      <p:sp>
+        <p:nvSpPr>
+          <p:cNvPr id="6" name="CuadroTexto 5"/>
+          <p:cNvSpPr txBox="1"/>
+          <p:nvPr/>
+        </p:nvSpPr>
+        <p:spPr>
+          <a:xfrm>
+            <a:off x="165100" y="4699117"/>
+            <a:ext cx="8788400" cy="461665"/>
+          </a:xfrm>
+          <a:prstGeom prst="rect">
+            <a:avLst/>
+          </a:prstGeom>
+          <a:noFill/>
+        </p:spPr>
+        <p:txBody>
+          <a:bodyPr wrap="square" rtlCol="0">
+            <a:spAutoFit/>
+          </a:bodyPr>
+          <a:lstStyle/>
+          <a:p>
+            <a:pPr algn="ctr"/>
+            <a:r>
+              <a:rPr lang="es-PE" sz="1200" dirty="0">
+                <a:hlinkClick r:id="rId2"/>
+              </a:rPr>
+              <a:t>http://www.incipp.org.pe/archivos/publicaciones/11_10_problemas_de_aplicacion_del_ncpp_a_nivel_de_investigacion_y_juzgamiento.pdf</a:t>
+            </a:r>
+            <a:endParaRPr lang="es-PE" sz="1200" dirty="0"/>
+          </a:p>
+        </p:txBody>
+      </p:sp>
+      <p:sp>
+        <p:nvSpPr>
+          <p:cNvPr id="7" name="CuadroTexto 6"/>
+          <p:cNvSpPr txBox="1"/>
+          <p:nvPr/>
+        </p:nvSpPr>
+        <p:spPr>
+          <a:xfrm>
+            <a:off x="165100" y="1315978"/>
+            <a:ext cx="5003800" cy="3139321"/>
+          </a:xfrm>
+          <a:prstGeom prst="rect">
+            <a:avLst/>
+          </a:prstGeom>
+          <a:noFill/>
+        </p:spPr>
+        <p:txBody>
+          <a:bodyPr wrap="square" rtlCol="0">
+            <a:spAutoFit/>
+          </a:bodyPr>
+          <a:lstStyle/>
+          <a:p>
+            <a:r>
+              <a:rPr lang="es-PE" sz="1600" b="1" i="1" dirty="0" smtClean="0"/>
+              <a:t>“</a:t>
+            </a:r>
+            <a:r>
+              <a:rPr lang="es-PE" dirty="0"/>
+              <a:t>Por ejemplo, cuando la Policía da cuenta de alguna intervención al fiscal de turno, muchas veces este requiere que tal comunicación sea efectuada por escrito, mediante oficio caso contrario la tiene como no comunicada, generando una serie de dificultades en la realización de tales diligencias, como demora, contratiempos, conflictos en la toma del caso entre los fiscales que están de turno, o con los que entrarán si es que la comunicación se ha realizado en el límite de tiempo en que termina el turno, un despacho y entra otro.</a:t>
+            </a:r>
+            <a:r>
+              <a:rPr lang="es-PE" sz="1600" b="1" i="1" dirty="0" smtClean="0"/>
+              <a:t>”</a:t>
+            </a:r>
+            <a:endParaRPr lang="es-PE" sz="1200" dirty="0"/>
+          </a:p>
+        </p:txBody>
+      </p:sp>
+      <p:pic>
+        <p:nvPicPr>
+          <p:cNvPr id="3" name="Imagen 2"/>
+          <p:cNvPicPr>
+            <a:picLocks noChangeAspect="1"/>
+          </p:cNvPicPr>
+          <p:nvPr/>
+        </p:nvPicPr>
+        <p:blipFill>
+          <a:blip r:embed="rId3"/>
+          <a:stretch>
+            <a:fillRect/>
+          </a:stretch>
+        </p:blipFill>
+        <p:spPr>
+          <a:xfrm>
+            <a:off x="5283200" y="1783381"/>
+            <a:ext cx="3670300" cy="2090120"/>
+          </a:xfrm>
+          <a:prstGeom prst="rect">
+            <a:avLst/>
+          </a:prstGeom>
+        </p:spPr>
+      </p:pic>
+    </p:spTree>
+    <p:extLst>
+      <p:ext uri="{BB962C8B-B14F-4D97-AF65-F5344CB8AC3E}">
+        <p14:creationId xmlns:p14="http://schemas.microsoft.com/office/powerpoint/2010/main" val="3060500331"/>
+      </p:ext>
+    </p:extLst>
+  </p:cSld>
+  <p:clrMapOvr>
+    <a:masterClrMapping/>
+  </p:clrMapOvr>
+  <p:timing>
+    <p:tnLst>
+      <p:par>
+        <p:cTn id="1" dur="indefinite" restart="never" nodeType="tmRoot"/>
+      </p:par>
+    </p:tnLst>
+  </p:timing>
+</p:sld>
+</file>
+
+<file path=ppt/slides/slide11.xml><?xml version="1.0" encoding="utf-8"?>
+<p:sld xmlns:a="http://schemas.openxmlformats.org/drawingml/2006/main" xmlns:r="http://schemas.openxmlformats.org/officeDocument/2006/relationships" xmlns:p="http://schemas.openxmlformats.org/presentationml/2006/main">
+  <p:cSld>
+    <p:spTree>
+      <p:nvGrpSpPr>
+        <p:cNvPr id="1" name=""/>
+        <p:cNvGrpSpPr/>
+        <p:nvPr/>
+      </p:nvGrpSpPr>
+      <p:grpSpPr>
+        <a:xfrm>
+          <a:off x="0" y="0"/>
+          <a:ext cx="0" cy="0"/>
+          <a:chOff x="0" y="0"/>
+          <a:chExt cx="0" cy="0"/>
+        </a:xfrm>
+      </p:grpSpPr>
+      <p:sp>
+        <p:nvSpPr>
+          <p:cNvPr id="2" name="Title 1"/>
+          <p:cNvSpPr>
+            <a:spLocks noGrp="1"/>
+          </p:cNvSpPr>
+          <p:nvPr>
+            <p:ph type="title"/>
+          </p:nvPr>
+        </p:nvSpPr>
+        <p:spPr/>
+        <p:txBody>
+          <a:bodyPr>
+            <a:normAutofit/>
+          </a:bodyPr>
+          <a:lstStyle/>
+          <a:p>
+            <a:r>
+              <a:rPr lang="en-US" dirty="0" smtClean="0"/>
+              <a:t>¿</a:t>
+            </a:r>
+            <a:r>
+              <a:rPr lang="en-US" dirty="0" err="1" smtClean="0"/>
+              <a:t>Qué</a:t>
+            </a:r>
+            <a:r>
+              <a:rPr lang="en-US" dirty="0" smtClean="0"/>
+              <a:t> ha </a:t>
+            </a:r>
+            <a:r>
+              <a:rPr lang="en-US" dirty="0" err="1" smtClean="0"/>
+              <a:t>hecho</a:t>
+            </a:r>
+            <a:r>
+              <a:rPr lang="en-US" dirty="0" smtClean="0"/>
+              <a:t> el Estado?</a:t>
+            </a:r>
+            <a:endParaRPr lang="en-US" dirty="0"/>
+          </a:p>
+        </p:txBody>
+      </p:sp>
+      <p:graphicFrame>
+        <p:nvGraphicFramePr>
+          <p:cNvPr id="4" name="Diagrama 3"/>
+          <p:cNvGraphicFramePr/>
+          <p:nvPr>
+            <p:extLst/>
+          </p:nvPr>
+        </p:nvGraphicFramePr>
+        <p:xfrm>
+          <a:off x="1523999" y="1152938"/>
+          <a:ext cx="6292133" cy="3848432"/>
+        </p:xfrm>
+        <a:graphic>
+          <a:graphicData uri="http://schemas.openxmlformats.org/drawingml/2006/diagram">
+            <dgm:relIds xmlns:dgm="http://schemas.openxmlformats.org/drawingml/2006/diagram" xmlns:r="http://schemas.openxmlformats.org/officeDocument/2006/relationships" r:dm="rId2" r:lo="rId3" r:qs="rId4" r:cs="rId5"/>
+          </a:graphicData>
+        </a:graphic>
+      </p:graphicFrame>
+      <p:sp>
+        <p:nvSpPr>
+          <p:cNvPr id="5" name="CuadroTexto 4"/>
+          <p:cNvSpPr txBox="1"/>
+          <p:nvPr/>
+        </p:nvSpPr>
+        <p:spPr>
+          <a:xfrm>
+            <a:off x="871257" y="1272209"/>
+            <a:ext cx="652743" cy="369332"/>
+          </a:xfrm>
+          <a:prstGeom prst="rect">
+            <a:avLst/>
+          </a:prstGeom>
+          <a:noFill/>
+        </p:spPr>
+        <p:txBody>
+          <a:bodyPr wrap="none" rtlCol="0">
+            <a:spAutoFit/>
+          </a:bodyPr>
+          <a:lstStyle/>
+          <a:p>
+            <a:r>
+              <a:rPr lang="es-PE" dirty="0" smtClean="0"/>
+              <a:t>2003</a:t>
+            </a:r>
+            <a:endParaRPr lang="es-PE" dirty="0"/>
+          </a:p>
+        </p:txBody>
+      </p:sp>
+      <p:sp>
+        <p:nvSpPr>
+          <p:cNvPr id="8" name="CuadroTexto 7"/>
+          <p:cNvSpPr txBox="1"/>
+          <p:nvPr/>
+        </p:nvSpPr>
+        <p:spPr>
+          <a:xfrm>
+            <a:off x="1197628" y="2113776"/>
+            <a:ext cx="652743" cy="369332"/>
+          </a:xfrm>
+          <a:prstGeom prst="rect">
+            <a:avLst/>
+          </a:prstGeom>
+          <a:noFill/>
+        </p:spPr>
+        <p:txBody>
+          <a:bodyPr wrap="none" rtlCol="0">
+            <a:spAutoFit/>
+          </a:bodyPr>
+          <a:lstStyle/>
+          <a:p>
+            <a:r>
+              <a:rPr lang="es-PE" dirty="0" smtClean="0"/>
+              <a:t>2004</a:t>
+            </a:r>
+            <a:endParaRPr lang="es-PE" dirty="0"/>
+          </a:p>
+        </p:txBody>
+      </p:sp>
+      <p:sp>
+        <p:nvSpPr>
+          <p:cNvPr id="9" name="CuadroTexto 8"/>
+          <p:cNvSpPr txBox="1"/>
+          <p:nvPr/>
+        </p:nvSpPr>
+        <p:spPr>
+          <a:xfrm>
+            <a:off x="1595558" y="2931490"/>
+            <a:ext cx="652743" cy="369332"/>
+          </a:xfrm>
+          <a:prstGeom prst="rect">
+            <a:avLst/>
+          </a:prstGeom>
+          <a:noFill/>
+        </p:spPr>
+        <p:txBody>
+          <a:bodyPr wrap="none" rtlCol="0">
+            <a:spAutoFit/>
+          </a:bodyPr>
+          <a:lstStyle/>
+          <a:p>
+            <a:r>
+              <a:rPr lang="es-PE" dirty="0" smtClean="0"/>
+              <a:t>2014</a:t>
+            </a:r>
+            <a:endParaRPr lang="es-PE" dirty="0"/>
+          </a:p>
+        </p:txBody>
+      </p:sp>
+      <p:sp>
+        <p:nvSpPr>
+          <p:cNvPr id="10" name="CuadroTexto 9"/>
+          <p:cNvSpPr txBox="1"/>
+          <p:nvPr/>
+        </p:nvSpPr>
+        <p:spPr>
+          <a:xfrm>
+            <a:off x="1961684" y="3696749"/>
+            <a:ext cx="652743" cy="369332"/>
+          </a:xfrm>
+          <a:prstGeom prst="rect">
+            <a:avLst/>
+          </a:prstGeom>
+          <a:noFill/>
+        </p:spPr>
+        <p:txBody>
+          <a:bodyPr wrap="none" rtlCol="0">
+            <a:spAutoFit/>
+          </a:bodyPr>
+          <a:lstStyle/>
+          <a:p>
+            <a:r>
+              <a:rPr lang="es-PE" dirty="0" smtClean="0"/>
+              <a:t>2017</a:t>
+            </a:r>
+            <a:endParaRPr lang="es-PE" dirty="0"/>
+          </a:p>
+        </p:txBody>
+      </p:sp>
+      <p:sp>
+        <p:nvSpPr>
+          <p:cNvPr id="11" name="CuadroTexto 10"/>
+          <p:cNvSpPr txBox="1"/>
+          <p:nvPr/>
+        </p:nvSpPr>
+        <p:spPr>
+          <a:xfrm>
+            <a:off x="2327811" y="4462008"/>
+            <a:ext cx="652743" cy="369332"/>
+          </a:xfrm>
+          <a:prstGeom prst="rect">
+            <a:avLst/>
+          </a:prstGeom>
+          <a:noFill/>
+        </p:spPr>
+        <p:txBody>
+          <a:bodyPr wrap="none" rtlCol="0">
+            <a:spAutoFit/>
+          </a:bodyPr>
+          <a:lstStyle/>
+          <a:p>
+            <a:r>
+              <a:rPr lang="es-PE" dirty="0" smtClean="0"/>
+              <a:t>2019</a:t>
+            </a:r>
+            <a:endParaRPr lang="es-PE" dirty="0"/>
+          </a:p>
+        </p:txBody>
+      </p:sp>
+    </p:spTree>
+    <p:extLst>
+      <p:ext uri="{BB962C8B-B14F-4D97-AF65-F5344CB8AC3E}">
+        <p14:creationId xmlns:p14="http://schemas.microsoft.com/office/powerpoint/2010/main" val="672848389"/>
+      </p:ext>
+    </p:extLst>
+  </p:cSld>
+  <p:clrMapOvr>
+    <a:masterClrMapping/>
+  </p:clrMapOvr>
+  <p:timing>
+    <p:tnLst>
+      <p:par>
+        <p:cTn id="1" dur="indefinite" restart="never" nodeType="tmRoot"/>
+      </p:par>
+    </p:tnLst>
+  </p:timing>
+</p:sld>
+</file>
+
+<file path=ppt/slides/slide12.xml><?xml version="1.0" encoding="utf-8"?>
+<p:sld xmlns:a="http://schemas.openxmlformats.org/drawingml/2006/main" xmlns:r="http://schemas.openxmlformats.org/officeDocument/2006/relationships" xmlns:p="http://schemas.openxmlformats.org/presentationml/2006/main">
+  <p:cSld>
+    <p:spTree>
+      <p:nvGrpSpPr>
+        <p:cNvPr id="1" name=""/>
+        <p:cNvGrpSpPr/>
+        <p:nvPr/>
+      </p:nvGrpSpPr>
+      <p:grpSpPr>
+        <a:xfrm>
+          <a:off x="0" y="0"/>
+          <a:ext cx="0" cy="0"/>
+          <a:chOff x="0" y="0"/>
+          <a:chExt cx="0" cy="0"/>
+        </a:xfrm>
+      </p:grpSpPr>
+      <p:sp>
+        <p:nvSpPr>
           <p:cNvPr id="4" name="Title 3"/>
           <p:cNvSpPr>
             <a:spLocks noGrp="1"/>
@@ -7589,7 +12578,7 @@
 </p:sld>
 </file>
 
-<file path=ppt/slides/slide11.xml><?xml version="1.0" encoding="utf-8"?>
+<file path=ppt/slides/slide13.xml><?xml version="1.0" encoding="utf-8"?>
 <p:sld xmlns:a="http://schemas.openxmlformats.org/drawingml/2006/main" xmlns:r="http://schemas.openxmlformats.org/officeDocument/2006/relationships" xmlns:p="http://schemas.openxmlformats.org/presentationml/2006/main">
   <p:cSld>
     <p:spTree>
@@ -7965,229 +12954,6 @@
     <p:extLst>
       <p:ext uri="{BB962C8B-B14F-4D97-AF65-F5344CB8AC3E}">
         <p14:creationId xmlns:p14="http://schemas.microsoft.com/office/powerpoint/2010/main" val="1736815024"/>
-      </p:ext>
-    </p:extLst>
-  </p:cSld>
-  <p:clrMapOvr>
-    <a:masterClrMapping/>
-  </p:clrMapOvr>
-  <p:timing>
-    <p:tnLst>
-      <p:par>
-        <p:cTn id="1" dur="indefinite" restart="never" nodeType="tmRoot"/>
-      </p:par>
-    </p:tnLst>
-  </p:timing>
-</p:sld>
-</file>
-
-<file path=ppt/slides/slide12.xml><?xml version="1.0" encoding="utf-8"?>
-<p:sld xmlns:a="http://schemas.openxmlformats.org/drawingml/2006/main" xmlns:r="http://schemas.openxmlformats.org/officeDocument/2006/relationships" xmlns:p="http://schemas.openxmlformats.org/presentationml/2006/main">
-  <p:cSld>
-    <p:spTree>
-      <p:nvGrpSpPr>
-        <p:cNvPr id="1" name=""/>
-        <p:cNvGrpSpPr/>
-        <p:nvPr/>
-      </p:nvGrpSpPr>
-      <p:grpSpPr>
-        <a:xfrm>
-          <a:off x="0" y="0"/>
-          <a:ext cx="0" cy="0"/>
-          <a:chOff x="0" y="0"/>
-          <a:chExt cx="0" cy="0"/>
-        </a:xfrm>
-      </p:grpSpPr>
-      <p:sp>
-        <p:nvSpPr>
-          <p:cNvPr id="2" name="Título 1"/>
-          <p:cNvSpPr>
-            <a:spLocks noGrp="1"/>
-          </p:cNvSpPr>
-          <p:nvPr>
-            <p:ph type="title"/>
-          </p:nvPr>
-        </p:nvSpPr>
-        <p:spPr>
-          <a:xfrm>
-            <a:off x="722313" y="2556429"/>
-            <a:ext cx="7772400" cy="1021556"/>
-          </a:xfrm>
-        </p:spPr>
-        <p:txBody>
-          <a:bodyPr>
-            <a:normAutofit fontScale="90000"/>
-          </a:bodyPr>
-          <a:lstStyle/>
-          <a:p>
-            <a:pPr algn="ctr"/>
-            <a:r>
-              <a:rPr lang="es-PE" cap="none" dirty="0" smtClean="0"/>
-              <a:t>Aplicación De Administración De Casos Penales Y Gestión Documentaria.</a:t>
-            </a:r>
-            <a:endParaRPr lang="es-PE" cap="none" dirty="0"/>
-          </a:p>
-        </p:txBody>
-      </p:sp>
-      <p:sp>
-        <p:nvSpPr>
-          <p:cNvPr id="3" name="Marcador de texto 2"/>
-          <p:cNvSpPr>
-            <a:spLocks noGrp="1"/>
-          </p:cNvSpPr>
-          <p:nvPr>
-            <p:ph type="body" idx="1"/>
-          </p:nvPr>
-        </p:nvSpPr>
-        <p:spPr>
-          <a:xfrm>
-            <a:off x="722313" y="1431288"/>
-            <a:ext cx="7772400" cy="1125140"/>
-          </a:xfrm>
-        </p:spPr>
-        <p:txBody>
-          <a:bodyPr/>
-          <a:lstStyle/>
-          <a:p>
-            <a:pPr algn="ctr"/>
-            <a:r>
-              <a:rPr lang="es-PE" dirty="0"/>
-              <a:t>Definición del Producto</a:t>
-            </a:r>
-          </a:p>
-        </p:txBody>
-      </p:sp>
-    </p:spTree>
-    <p:extLst>
-      <p:ext uri="{BB962C8B-B14F-4D97-AF65-F5344CB8AC3E}">
-        <p14:creationId xmlns:p14="http://schemas.microsoft.com/office/powerpoint/2010/main" val="958734418"/>
-      </p:ext>
-    </p:extLst>
-  </p:cSld>
-  <p:clrMapOvr>
-    <a:masterClrMapping/>
-  </p:clrMapOvr>
-  <p:timing>
-    <p:tnLst>
-      <p:par>
-        <p:cTn id="1" dur="indefinite" restart="never" nodeType="tmRoot"/>
-      </p:par>
-    </p:tnLst>
-  </p:timing>
-</p:sld>
-</file>
-
-<file path=ppt/slides/slide13.xml><?xml version="1.0" encoding="utf-8"?>
-<p:sld xmlns:a="http://schemas.openxmlformats.org/drawingml/2006/main" xmlns:r="http://schemas.openxmlformats.org/officeDocument/2006/relationships" xmlns:p="http://schemas.openxmlformats.org/presentationml/2006/main">
-  <p:cSld>
-    <p:spTree>
-      <p:nvGrpSpPr>
-        <p:cNvPr id="1" name=""/>
-        <p:cNvGrpSpPr/>
-        <p:nvPr/>
-      </p:nvGrpSpPr>
-      <p:grpSpPr>
-        <a:xfrm>
-          <a:off x="0" y="0"/>
-          <a:ext cx="0" cy="0"/>
-          <a:chOff x="0" y="0"/>
-          <a:chExt cx="0" cy="0"/>
-        </a:xfrm>
-      </p:grpSpPr>
-      <p:sp>
-        <p:nvSpPr>
-          <p:cNvPr id="2" name="Título 1"/>
-          <p:cNvSpPr>
-            <a:spLocks noGrp="1"/>
-          </p:cNvSpPr>
-          <p:nvPr>
-            <p:ph type="title"/>
-          </p:nvPr>
-        </p:nvSpPr>
-        <p:spPr/>
-        <p:txBody>
-          <a:bodyPr>
-            <a:normAutofit/>
-          </a:bodyPr>
-          <a:lstStyle/>
-          <a:p>
-            <a:r>
-              <a:rPr lang="es-PE" dirty="0" smtClean="0"/>
-              <a:t>Objetivos</a:t>
-            </a:r>
-            <a:endParaRPr lang="es-PE" dirty="0"/>
-          </a:p>
-        </p:txBody>
-      </p:sp>
-      <p:sp>
-        <p:nvSpPr>
-          <p:cNvPr id="3" name="Marcador de contenido 2"/>
-          <p:cNvSpPr>
-            <a:spLocks noGrp="1"/>
-          </p:cNvSpPr>
-          <p:nvPr>
-            <p:ph idx="1"/>
-          </p:nvPr>
-        </p:nvSpPr>
-        <p:spPr/>
-        <p:txBody>
-          <a:bodyPr>
-            <a:normAutofit/>
-          </a:bodyPr>
-          <a:lstStyle/>
-          <a:p>
-            <a:r>
-              <a:rPr lang="es-PE" dirty="0"/>
-              <a:t>Colaborar </a:t>
-            </a:r>
-            <a:r>
-              <a:rPr lang="es-PE" dirty="0" smtClean="0"/>
-              <a:t>con el Ministerio </a:t>
-            </a:r>
-            <a:r>
-              <a:rPr lang="es-PE" dirty="0"/>
-              <a:t>Público </a:t>
-            </a:r>
-            <a:r>
-              <a:rPr lang="es-PE" dirty="0" smtClean="0"/>
-              <a:t>en su transición hacia </a:t>
-            </a:r>
-            <a:r>
-              <a:rPr lang="es-PE" dirty="0"/>
-              <a:t>el Gobierno Electrónico</a:t>
-            </a:r>
-            <a:r>
-              <a:rPr lang="es-PE" dirty="0" smtClean="0"/>
-              <a:t>.</a:t>
-            </a:r>
-          </a:p>
-          <a:p>
-            <a:r>
-              <a:rPr lang="es-PE" dirty="0" smtClean="0"/>
-              <a:t>Mejorar la producción de los fiscales provinciales.</a:t>
-            </a:r>
-          </a:p>
-          <a:p>
-            <a:r>
-              <a:rPr lang="es-PE" dirty="0" smtClean="0"/>
-              <a:t>Mejorar la experiencia de los practicantes en los despachos fiscales.</a:t>
-            </a:r>
-          </a:p>
-          <a:p>
-            <a:endParaRPr lang="es-PE" dirty="0"/>
-          </a:p>
-          <a:p>
-            <a:pPr marL="0" indent="0">
-              <a:buNone/>
-            </a:pPr>
-            <a:endParaRPr lang="es-PE" dirty="0" smtClean="0"/>
-          </a:p>
-        </p:txBody>
-      </p:sp>
-    </p:spTree>
-    <p:extLst>
-      <p:ext uri="{BB962C8B-B14F-4D97-AF65-F5344CB8AC3E}">
-        <p14:creationId xmlns:p14="http://schemas.microsoft.com/office/powerpoint/2010/main" val="2414078274"/>
       </p:ext>
     </p:extLst>
   </p:cSld>
@@ -8231,73 +12997,59 @@
             <p:ph type="title"/>
           </p:nvPr>
         </p:nvSpPr>
-        <p:spPr/>
+        <p:spPr>
+          <a:xfrm>
+            <a:off x="722313" y="2556429"/>
+            <a:ext cx="7772400" cy="1021556"/>
+          </a:xfrm>
+        </p:spPr>
         <p:txBody>
           <a:bodyPr>
-            <a:normAutofit/>
+            <a:normAutofit fontScale="90000"/>
           </a:bodyPr>
           <a:lstStyle/>
           <a:p>
-            <a:r>
-              <a:rPr lang="es-PE" dirty="0" smtClean="0"/>
-              <a:t>¿Cómo lo lograremos?</a:t>
-            </a:r>
-            <a:endParaRPr lang="es-PE" dirty="0"/>
+            <a:pPr algn="ctr"/>
+            <a:r>
+              <a:rPr lang="es-PE" cap="none" dirty="0" smtClean="0"/>
+              <a:t>Aplicación De Administración De Casos Penales Y Gestión Documentaria.</a:t>
+            </a:r>
+            <a:endParaRPr lang="es-PE" cap="none" dirty="0"/>
           </a:p>
         </p:txBody>
       </p:sp>
       <p:sp>
         <p:nvSpPr>
-          <p:cNvPr id="3" name="Marcador de contenido 2"/>
+          <p:cNvPr id="3" name="Marcador de texto 2"/>
           <p:cNvSpPr>
             <a:spLocks noGrp="1"/>
           </p:cNvSpPr>
           <p:nvPr>
-            <p:ph idx="1"/>
+            <p:ph type="body" idx="1"/>
           </p:nvPr>
         </p:nvSpPr>
-        <p:spPr/>
+        <p:spPr>
+          <a:xfrm>
+            <a:off x="722313" y="1431288"/>
+            <a:ext cx="7772400" cy="1125140"/>
+          </a:xfrm>
+        </p:spPr>
         <p:txBody>
-          <a:bodyPr>
-            <a:normAutofit/>
-          </a:bodyPr>
+          <a:bodyPr/>
           <a:lstStyle/>
           <a:p>
+            <a:pPr algn="ctr"/>
             <a:r>
               <a:rPr lang="es-PE" dirty="0"/>
-              <a:t>Automatizando la producción de documentos.</a:t>
-            </a:r>
-          </a:p>
-          <a:p>
-            <a:r>
-              <a:rPr lang="es-PE" dirty="0" smtClean="0"/>
-              <a:t>Facilitando el </a:t>
-            </a:r>
-            <a:r>
-              <a:rPr lang="es-PE" dirty="0"/>
-              <a:t>seguimiento del los procesos a cargo del </a:t>
-            </a:r>
-            <a:r>
-              <a:rPr lang="es-PE" dirty="0" smtClean="0"/>
-              <a:t>fiscal provincial.</a:t>
-            </a:r>
-            <a:endParaRPr lang="es-PE" dirty="0"/>
-          </a:p>
-          <a:p>
-            <a:endParaRPr lang="es-PE" dirty="0"/>
-          </a:p>
-          <a:p>
-            <a:pPr marL="0" indent="0">
-              <a:buNone/>
-            </a:pPr>
-            <a:endParaRPr lang="es-PE" dirty="0" smtClean="0"/>
+              <a:t>Definición del Producto</a:t>
+            </a:r>
           </a:p>
         </p:txBody>
       </p:sp>
     </p:spTree>
     <p:extLst>
       <p:ext uri="{BB962C8B-B14F-4D97-AF65-F5344CB8AC3E}">
-        <p14:creationId xmlns:p14="http://schemas.microsoft.com/office/powerpoint/2010/main" val="896093743"/>
+        <p14:creationId xmlns:p14="http://schemas.microsoft.com/office/powerpoint/2010/main" val="958734418"/>
       </p:ext>
     </p:extLst>
   </p:cSld>
@@ -8350,41 +13102,81 @@
           <a:p>
             <a:r>
               <a:rPr lang="es-PE" dirty="0" smtClean="0"/>
-              <a:t>Beneficiarios</a:t>
+              <a:t>Objetivos</a:t>
             </a:r>
             <a:endParaRPr lang="es-PE" dirty="0"/>
           </a:p>
         </p:txBody>
       </p:sp>
-      <p:graphicFrame>
-        <p:nvGraphicFramePr>
-          <p:cNvPr id="5" name="Marcador de contenido 4"/>
-          <p:cNvGraphicFramePr>
-            <a:graphicFrameLocks noGrp="1"/>
-          </p:cNvGraphicFramePr>
+      <p:sp>
+        <p:nvSpPr>
+          <p:cNvPr id="3" name="Marcador de contenido 2"/>
+          <p:cNvSpPr>
+            <a:spLocks noGrp="1"/>
+          </p:cNvSpPr>
           <p:nvPr>
             <p:ph idx="1"/>
-            <p:extLst>
-              <p:ext uri="{D42A27DB-BD31-4B8C-83A1-F6EECF244321}">
-                <p14:modId xmlns:p14="http://schemas.microsoft.com/office/powerpoint/2010/main" val="3061133107"/>
-              </p:ext>
-            </p:extLst>
           </p:nvPr>
-        </p:nvGraphicFramePr>
-        <p:xfrm>
-          <a:off x="723281" y="1490868"/>
-          <a:ext cx="7785928" cy="3234497"/>
-        </p:xfrm>
-        <a:graphic>
-          <a:graphicData uri="http://schemas.openxmlformats.org/drawingml/2006/diagram">
-            <dgm:relIds xmlns:dgm="http://schemas.openxmlformats.org/drawingml/2006/diagram" xmlns:r="http://schemas.openxmlformats.org/officeDocument/2006/relationships" r:dm="rId2" r:lo="rId3" r:qs="rId4" r:cs="rId5"/>
-          </a:graphicData>
-        </a:graphic>
-      </p:graphicFrame>
+        </p:nvSpPr>
+        <p:spPr/>
+        <p:txBody>
+          <a:bodyPr>
+            <a:normAutofit/>
+          </a:bodyPr>
+          <a:lstStyle/>
+          <a:p>
+            <a:r>
+              <a:rPr lang="es-PE" dirty="0"/>
+              <a:t>Colaborar </a:t>
+            </a:r>
+            <a:r>
+              <a:rPr lang="es-PE" dirty="0" smtClean="0"/>
+              <a:t>con el Ministerio </a:t>
+            </a:r>
+            <a:r>
+              <a:rPr lang="es-PE" dirty="0"/>
+              <a:t>Público </a:t>
+            </a:r>
+            <a:r>
+              <a:rPr lang="es-PE" dirty="0" smtClean="0"/>
+              <a:t>en su transición hacia </a:t>
+            </a:r>
+            <a:r>
+              <a:rPr lang="es-PE" dirty="0"/>
+              <a:t>el Gobierno Electrónico</a:t>
+            </a:r>
+            <a:r>
+              <a:rPr lang="es-PE" dirty="0" smtClean="0"/>
+              <a:t>.</a:t>
+            </a:r>
+          </a:p>
+          <a:p>
+            <a:r>
+              <a:rPr lang="es-PE" dirty="0" smtClean="0"/>
+              <a:t>Mejorar la producción de los fiscales provinciales.</a:t>
+            </a:r>
+          </a:p>
+          <a:p>
+            <a:r>
+              <a:rPr lang="es-PE" dirty="0" smtClean="0"/>
+              <a:t>Mejorar la experiencia de los practicantes en los despachos fiscales.</a:t>
+            </a:r>
+          </a:p>
+          <a:p>
+            <a:endParaRPr lang="es-PE" dirty="0"/>
+          </a:p>
+          <a:p>
+            <a:pPr marL="0" indent="0">
+              <a:buNone/>
+            </a:pPr>
+            <a:endParaRPr lang="es-PE" dirty="0" smtClean="0"/>
+          </a:p>
+        </p:txBody>
+      </p:sp>
     </p:spTree>
     <p:extLst>
       <p:ext uri="{BB962C8B-B14F-4D97-AF65-F5344CB8AC3E}">
-        <p14:creationId xmlns:p14="http://schemas.microsoft.com/office/powerpoint/2010/main" val="331563724"/>
+        <p14:creationId xmlns:p14="http://schemas.microsoft.com/office/powerpoint/2010/main" val="2414078274"/>
       </p:ext>
     </p:extLst>
   </p:cSld>
@@ -8437,40 +13229,72 @@
           <a:p>
             <a:r>
               <a:rPr lang="es-PE" dirty="0" smtClean="0"/>
-              <a:t>Nuestra Aplicación</a:t>
+              <a:t>¿Cómo lo lograremos?</a:t>
             </a:r>
             <a:endParaRPr lang="es-PE" dirty="0"/>
           </a:p>
         </p:txBody>
       </p:sp>
-      <p:pic>
-        <p:nvPicPr>
-          <p:cNvPr id="7" name="Imagen 6"/>
-          <p:cNvPicPr>
-            <a:picLocks noChangeAspect="1"/>
-          </p:cNvPicPr>
-          <p:nvPr/>
-        </p:nvPicPr>
-        <p:blipFill>
-          <a:blip r:embed="rId2"/>
-          <a:stretch>
-            <a:fillRect/>
-          </a:stretch>
-        </p:blipFill>
-        <p:spPr>
-          <a:xfrm>
-            <a:off x="1774014" y="1217386"/>
-            <a:ext cx="5684462" cy="3809999"/>
-          </a:xfrm>
-          <a:prstGeom prst="rect">
-            <a:avLst/>
-          </a:prstGeom>
-        </p:spPr>
-      </p:pic>
+      <p:sp>
+        <p:nvSpPr>
+          <p:cNvPr id="3" name="Marcador de contenido 2"/>
+          <p:cNvSpPr>
+            <a:spLocks noGrp="1"/>
+          </p:cNvSpPr>
+          <p:nvPr>
+            <p:ph idx="1"/>
+          </p:nvPr>
+        </p:nvSpPr>
+        <p:spPr/>
+        <p:txBody>
+          <a:bodyPr>
+            <a:normAutofit/>
+          </a:bodyPr>
+          <a:lstStyle/>
+          <a:p>
+            <a:r>
+              <a:rPr lang="es-PE" dirty="0"/>
+              <a:t>Automatizando la producción de documentos.</a:t>
+            </a:r>
+          </a:p>
+          <a:p>
+            <a:r>
+              <a:rPr lang="es-PE" dirty="0" smtClean="0"/>
+              <a:t>Facilitando el </a:t>
+            </a:r>
+            <a:r>
+              <a:rPr lang="es-PE"/>
+              <a:t>seguimiento </a:t>
+            </a:r>
+            <a:r>
+              <a:rPr lang="es-PE" smtClean="0"/>
+              <a:t>de </a:t>
+            </a:r>
+            <a:r>
+              <a:rPr lang="es-PE" dirty="0"/>
+              <a:t>los procesos a cargo del </a:t>
+            </a:r>
+            <a:r>
+              <a:rPr lang="es-PE" dirty="0" smtClean="0"/>
+              <a:t>fiscal provincial.</a:t>
+            </a:r>
+            <a:endParaRPr lang="es-PE" dirty="0"/>
+          </a:p>
+          <a:p>
+            <a:endParaRPr lang="es-PE" dirty="0"/>
+          </a:p>
+          <a:p>
+            <a:pPr marL="0" indent="0">
+              <a:buNone/>
+            </a:pPr>
+            <a:endParaRPr lang="es-PE" dirty="0" smtClean="0"/>
+          </a:p>
+        </p:txBody>
+      </p:sp>
     </p:spTree>
     <p:extLst>
       <p:ext uri="{BB962C8B-B14F-4D97-AF65-F5344CB8AC3E}">
-        <p14:creationId xmlns:p14="http://schemas.microsoft.com/office/powerpoint/2010/main" val="3834195208"/>
+        <p14:creationId xmlns:p14="http://schemas.microsoft.com/office/powerpoint/2010/main" val="896093743"/>
       </p:ext>
     </p:extLst>
   </p:cSld>
@@ -8523,40 +13347,41 @@
           <a:p>
             <a:r>
               <a:rPr lang="es-PE" dirty="0" smtClean="0"/>
-              <a:t>Nuestra Aplicación</a:t>
+              <a:t>Beneficiarios</a:t>
             </a:r>
             <a:endParaRPr lang="es-PE" dirty="0"/>
           </a:p>
         </p:txBody>
       </p:sp>
-      <p:pic>
-        <p:nvPicPr>
-          <p:cNvPr id="3" name="Imagen 2"/>
-          <p:cNvPicPr>
-            <a:picLocks noChangeAspect="1"/>
-          </p:cNvPicPr>
-          <p:nvPr/>
-        </p:nvPicPr>
-        <p:blipFill>
-          <a:blip r:embed="rId2"/>
-          <a:stretch>
-            <a:fillRect/>
-          </a:stretch>
-        </p:blipFill>
-        <p:spPr>
-          <a:xfrm>
-            <a:off x="1981562" y="1188202"/>
-            <a:ext cx="5269366" cy="3955298"/>
-          </a:xfrm>
-          <a:prstGeom prst="rect">
-            <a:avLst/>
-          </a:prstGeom>
-        </p:spPr>
-      </p:pic>
+      <p:graphicFrame>
+        <p:nvGraphicFramePr>
+          <p:cNvPr id="5" name="Marcador de contenido 4"/>
+          <p:cNvGraphicFramePr>
+            <a:graphicFrameLocks noGrp="1"/>
+          </p:cNvGraphicFramePr>
+          <p:nvPr>
+            <p:ph idx="1"/>
+            <p:extLst>
+              <p:ext uri="{D42A27DB-BD31-4B8C-83A1-F6EECF244321}">
+                <p14:modId xmlns:p14="http://schemas.microsoft.com/office/powerpoint/2010/main" val="3061133107"/>
+              </p:ext>
+            </p:extLst>
+          </p:nvPr>
+        </p:nvGraphicFramePr>
+        <p:xfrm>
+          <a:off x="723281" y="1490868"/>
+          <a:ext cx="7785928" cy="3234497"/>
+        </p:xfrm>
+        <a:graphic>
+          <a:graphicData uri="http://schemas.openxmlformats.org/drawingml/2006/diagram">
+            <dgm:relIds xmlns:dgm="http://schemas.openxmlformats.org/drawingml/2006/diagram" xmlns:r="http://schemas.openxmlformats.org/officeDocument/2006/relationships" r:dm="rId2" r:lo="rId3" r:qs="rId4" r:cs="rId5"/>
+          </a:graphicData>
+        </a:graphic>
+      </p:graphicFrame>
     </p:spTree>
     <p:extLst>
       <p:ext uri="{BB962C8B-B14F-4D97-AF65-F5344CB8AC3E}">
-        <p14:creationId xmlns:p14="http://schemas.microsoft.com/office/powerpoint/2010/main" val="4025771359"/>
+        <p14:creationId xmlns:p14="http://schemas.microsoft.com/office/powerpoint/2010/main" val="331563724"/>
       </p:ext>
     </p:extLst>
   </p:cSld>
@@ -8617,7 +13442,7 @@
       </p:sp>
       <p:pic>
         <p:nvPicPr>
-          <p:cNvPr id="3" name="Imagen 2"/>
+          <p:cNvPr id="7" name="Imagen 6"/>
           <p:cNvPicPr>
             <a:picLocks noChangeAspect="1"/>
           </p:cNvPicPr>
@@ -8631,8 +13456,8 @@
         </p:blipFill>
         <p:spPr>
           <a:xfrm>
-            <a:off x="1806838" y="1244637"/>
-            <a:ext cx="5618813" cy="3898863"/>
+            <a:off x="1774014" y="1217386"/>
+            <a:ext cx="5684462" cy="3809999"/>
           </a:xfrm>
           <a:prstGeom prst="rect">
             <a:avLst/>
@@ -8642,7 +13467,7 @@
     </p:spTree>
     <p:extLst>
       <p:ext uri="{BB962C8B-B14F-4D97-AF65-F5344CB8AC3E}">
-        <p14:creationId xmlns:p14="http://schemas.microsoft.com/office/powerpoint/2010/main" val="1300693787"/>
+        <p14:creationId xmlns:p14="http://schemas.microsoft.com/office/powerpoint/2010/main" val="3834195208"/>
       </p:ext>
     </p:extLst>
   </p:cSld>
@@ -8717,8 +13542,8 @@
         </p:blipFill>
         <p:spPr>
           <a:xfrm>
-            <a:off x="1814286" y="1190496"/>
-            <a:ext cx="5834743" cy="3963222"/>
+            <a:off x="1981562" y="1188202"/>
+            <a:ext cx="5269366" cy="3955298"/>
           </a:xfrm>
           <a:prstGeom prst="rect">
             <a:avLst/>
@@ -8728,7 +13553,7 @@
     </p:spTree>
     <p:extLst>
       <p:ext uri="{BB962C8B-B14F-4D97-AF65-F5344CB8AC3E}">
-        <p14:creationId xmlns:p14="http://schemas.microsoft.com/office/powerpoint/2010/main" val="4129573626"/>
+        <p14:creationId xmlns:p14="http://schemas.microsoft.com/office/powerpoint/2010/main" val="4025771359"/>
       </p:ext>
     </p:extLst>
   </p:cSld>
@@ -8922,8 +13747,8 @@
         </p:blipFill>
         <p:spPr>
           <a:xfrm>
-            <a:off x="1813661" y="1248229"/>
-            <a:ext cx="5605167" cy="3895271"/>
+            <a:off x="1806838" y="1244637"/>
+            <a:ext cx="5618813" cy="3898863"/>
           </a:xfrm>
           <a:prstGeom prst="rect">
             <a:avLst/>
@@ -8933,7 +13758,7 @@
     </p:spTree>
     <p:extLst>
       <p:ext uri="{BB962C8B-B14F-4D97-AF65-F5344CB8AC3E}">
-        <p14:creationId xmlns:p14="http://schemas.microsoft.com/office/powerpoint/2010/main" val="3362954993"/>
+        <p14:creationId xmlns:p14="http://schemas.microsoft.com/office/powerpoint/2010/main" val="1300693787"/>
       </p:ext>
     </p:extLst>
   </p:cSld>
@@ -9008,8 +13833,8 @@
         </p:blipFill>
         <p:spPr>
           <a:xfrm>
-            <a:off x="1814988" y="1181195"/>
-            <a:ext cx="5602514" cy="3962305"/>
+            <a:off x="1814286" y="1190496"/>
+            <a:ext cx="5834743" cy="3963222"/>
           </a:xfrm>
           <a:prstGeom prst="rect">
             <a:avLst/>
@@ -9019,7 +13844,7 @@
     </p:spTree>
     <p:extLst>
       <p:ext uri="{BB962C8B-B14F-4D97-AF65-F5344CB8AC3E}">
-        <p14:creationId xmlns:p14="http://schemas.microsoft.com/office/powerpoint/2010/main" val="3633959082"/>
+        <p14:creationId xmlns:p14="http://schemas.microsoft.com/office/powerpoint/2010/main" val="4129573626"/>
       </p:ext>
     </p:extLst>
   </p:cSld>
@@ -9080,7 +13905,7 @@
       </p:sp>
       <p:pic>
         <p:nvPicPr>
-          <p:cNvPr id="4" name="Imagen 3"/>
+          <p:cNvPr id="3" name="Imagen 2"/>
           <p:cNvPicPr>
             <a:picLocks noChangeAspect="1"/>
           </p:cNvPicPr>
@@ -9094,8 +13919,8 @@
         </p:blipFill>
         <p:spPr>
           <a:xfrm>
-            <a:off x="1392032" y="1266825"/>
-            <a:ext cx="6448425" cy="3876675"/>
+            <a:off x="1813661" y="1248229"/>
+            <a:ext cx="5605167" cy="3895271"/>
           </a:xfrm>
           <a:prstGeom prst="rect">
             <a:avLst/>
@@ -9105,7 +13930,7 @@
     </p:spTree>
     <p:extLst>
       <p:ext uri="{BB962C8B-B14F-4D97-AF65-F5344CB8AC3E}">
-        <p14:creationId xmlns:p14="http://schemas.microsoft.com/office/powerpoint/2010/main" val="3601716545"/>
+        <p14:creationId xmlns:p14="http://schemas.microsoft.com/office/powerpoint/2010/main" val="3362954993"/>
       </p:ext>
     </p:extLst>
   </p:cSld>
@@ -9180,8 +14005,8 @@
         </p:blipFill>
         <p:spPr>
           <a:xfrm>
-            <a:off x="1120570" y="1285661"/>
-            <a:ext cx="6991350" cy="3857839"/>
+            <a:off x="1814988" y="1181195"/>
+            <a:ext cx="5602514" cy="3962305"/>
           </a:xfrm>
           <a:prstGeom prst="rect">
             <a:avLst/>
@@ -9191,7 +14016,7 @@
     </p:spTree>
     <p:extLst>
       <p:ext uri="{BB962C8B-B14F-4D97-AF65-F5344CB8AC3E}">
-        <p14:creationId xmlns:p14="http://schemas.microsoft.com/office/powerpoint/2010/main" val="3320704225"/>
+        <p14:creationId xmlns:p14="http://schemas.microsoft.com/office/powerpoint/2010/main" val="3633959082"/>
       </p:ext>
     </p:extLst>
   </p:cSld>
@@ -9252,6 +14077,178 @@
       </p:sp>
       <p:pic>
         <p:nvPicPr>
+          <p:cNvPr id="4" name="Imagen 3"/>
+          <p:cNvPicPr>
+            <a:picLocks noChangeAspect="1"/>
+          </p:cNvPicPr>
+          <p:nvPr/>
+        </p:nvPicPr>
+        <p:blipFill>
+          <a:blip r:embed="rId2"/>
+          <a:stretch>
+            <a:fillRect/>
+          </a:stretch>
+        </p:blipFill>
+        <p:spPr>
+          <a:xfrm>
+            <a:off x="1392032" y="1266825"/>
+            <a:ext cx="6448425" cy="3876675"/>
+          </a:xfrm>
+          <a:prstGeom prst="rect">
+            <a:avLst/>
+          </a:prstGeom>
+        </p:spPr>
+      </p:pic>
+    </p:spTree>
+    <p:extLst>
+      <p:ext uri="{BB962C8B-B14F-4D97-AF65-F5344CB8AC3E}">
+        <p14:creationId xmlns:p14="http://schemas.microsoft.com/office/powerpoint/2010/main" val="3601716545"/>
+      </p:ext>
+    </p:extLst>
+  </p:cSld>
+  <p:clrMapOvr>
+    <a:masterClrMapping/>
+  </p:clrMapOvr>
+  <p:timing>
+    <p:tnLst>
+      <p:par>
+        <p:cTn id="1" dur="indefinite" restart="never" nodeType="tmRoot"/>
+      </p:par>
+    </p:tnLst>
+  </p:timing>
+</p:sld>
+</file>
+
+<file path=ppt/slides/slide25.xml><?xml version="1.0" encoding="utf-8"?>
+<p:sld xmlns:a="http://schemas.openxmlformats.org/drawingml/2006/main" xmlns:r="http://schemas.openxmlformats.org/officeDocument/2006/relationships" xmlns:p="http://schemas.openxmlformats.org/presentationml/2006/main">
+  <p:cSld>
+    <p:spTree>
+      <p:nvGrpSpPr>
+        <p:cNvPr id="1" name=""/>
+        <p:cNvGrpSpPr/>
+        <p:nvPr/>
+      </p:nvGrpSpPr>
+      <p:grpSpPr>
+        <a:xfrm>
+          <a:off x="0" y="0"/>
+          <a:ext cx="0" cy="0"/>
+          <a:chOff x="0" y="0"/>
+          <a:chExt cx="0" cy="0"/>
+        </a:xfrm>
+      </p:grpSpPr>
+      <p:sp>
+        <p:nvSpPr>
+          <p:cNvPr id="2" name="Título 1"/>
+          <p:cNvSpPr>
+            <a:spLocks noGrp="1"/>
+          </p:cNvSpPr>
+          <p:nvPr>
+            <p:ph type="title"/>
+          </p:nvPr>
+        </p:nvSpPr>
+        <p:spPr/>
+        <p:txBody>
+          <a:bodyPr>
+            <a:normAutofit/>
+          </a:bodyPr>
+          <a:lstStyle/>
+          <a:p>
+            <a:r>
+              <a:rPr lang="es-PE" dirty="0" smtClean="0"/>
+              <a:t>Nuestra Aplicación</a:t>
+            </a:r>
+            <a:endParaRPr lang="es-PE" dirty="0"/>
+          </a:p>
+        </p:txBody>
+      </p:sp>
+      <p:pic>
+        <p:nvPicPr>
+          <p:cNvPr id="3" name="Imagen 2"/>
+          <p:cNvPicPr>
+            <a:picLocks noChangeAspect="1"/>
+          </p:cNvPicPr>
+          <p:nvPr/>
+        </p:nvPicPr>
+        <p:blipFill>
+          <a:blip r:embed="rId2"/>
+          <a:stretch>
+            <a:fillRect/>
+          </a:stretch>
+        </p:blipFill>
+        <p:spPr>
+          <a:xfrm>
+            <a:off x="1120570" y="1285661"/>
+            <a:ext cx="6991350" cy="3857839"/>
+          </a:xfrm>
+          <a:prstGeom prst="rect">
+            <a:avLst/>
+          </a:prstGeom>
+        </p:spPr>
+      </p:pic>
+    </p:spTree>
+    <p:extLst>
+      <p:ext uri="{BB962C8B-B14F-4D97-AF65-F5344CB8AC3E}">
+        <p14:creationId xmlns:p14="http://schemas.microsoft.com/office/powerpoint/2010/main" val="3320704225"/>
+      </p:ext>
+    </p:extLst>
+  </p:cSld>
+  <p:clrMapOvr>
+    <a:masterClrMapping/>
+  </p:clrMapOvr>
+  <p:timing>
+    <p:tnLst>
+      <p:par>
+        <p:cTn id="1" dur="indefinite" restart="never" nodeType="tmRoot"/>
+      </p:par>
+    </p:tnLst>
+  </p:timing>
+</p:sld>
+</file>
+
+<file path=ppt/slides/slide26.xml><?xml version="1.0" encoding="utf-8"?>
+<p:sld xmlns:a="http://schemas.openxmlformats.org/drawingml/2006/main" xmlns:r="http://schemas.openxmlformats.org/officeDocument/2006/relationships" xmlns:p="http://schemas.openxmlformats.org/presentationml/2006/main">
+  <p:cSld>
+    <p:spTree>
+      <p:nvGrpSpPr>
+        <p:cNvPr id="1" name=""/>
+        <p:cNvGrpSpPr/>
+        <p:nvPr/>
+      </p:nvGrpSpPr>
+      <p:grpSpPr>
+        <a:xfrm>
+          <a:off x="0" y="0"/>
+          <a:ext cx="0" cy="0"/>
+          <a:chOff x="0" y="0"/>
+          <a:chExt cx="0" cy="0"/>
+        </a:xfrm>
+      </p:grpSpPr>
+      <p:sp>
+        <p:nvSpPr>
+          <p:cNvPr id="2" name="Título 1"/>
+          <p:cNvSpPr>
+            <a:spLocks noGrp="1"/>
+          </p:cNvSpPr>
+          <p:nvPr>
+            <p:ph type="title"/>
+          </p:nvPr>
+        </p:nvSpPr>
+        <p:spPr/>
+        <p:txBody>
+          <a:bodyPr>
+            <a:normAutofit/>
+          </a:bodyPr>
+          <a:lstStyle/>
+          <a:p>
+            <a:r>
+              <a:rPr lang="es-PE" dirty="0" smtClean="0"/>
+              <a:t>Nuestra Aplicación</a:t>
+            </a:r>
+            <a:endParaRPr lang="es-PE" dirty="0"/>
+          </a:p>
+        </p:txBody>
+      </p:sp>
+      <p:pic>
+        <p:nvPicPr>
           <p:cNvPr id="3" name="Imagen 2"/>
           <p:cNvPicPr>
             <a:picLocks noChangeAspect="1"/>
@@ -9294,7 +14291,7 @@
 </p:sld>
 </file>
 
-<file path=ppt/slides/slide25.xml><?xml version="1.0" encoding="utf-8"?>
+<file path=ppt/slides/slide27.xml><?xml version="1.0" encoding="utf-8"?>
 <p:sld xmlns:a="http://schemas.openxmlformats.org/drawingml/2006/main" xmlns:r="http://schemas.openxmlformats.org/officeDocument/2006/relationships" xmlns:p="http://schemas.openxmlformats.org/presentationml/2006/main">
   <p:cSld>
     <p:spTree>
@@ -9363,6 +14360,13 @@
   <p:clrMapOvr>
     <a:masterClrMapping/>
   </p:clrMapOvr>
+  <p:timing>
+    <p:tnLst>
+      <p:par>
+        <p:cTn id="1" dur="indefinite" restart="never" nodeType="tmRoot"/>
+      </p:par>
+    </p:tnLst>
+  </p:timing>
 </p:sld>
 </file>
 
@@ -9488,7 +14492,6 @@
               <a:rPr lang="es-PE" sz="1400" dirty="0"/>
               <a:t> Orbe, Director de ABOGADOS, Directorio Jurídico del Perú.</a:t>
             </a:r>
-            <a:endParaRPr lang="es-PE" sz="1400" dirty="0"/>
           </a:p>
         </p:txBody>
       </p:sp>
@@ -10158,11 +15161,7 @@
             </a:r>
             <a:r>
               <a:rPr lang="es-PE" dirty="0"/>
-              <a:t>, siendo </a:t>
-            </a:r>
-            <a:r>
-              <a:rPr lang="es-PE" dirty="0"/>
-              <a:t>la segunda institución con más descrédito del país, a pesar de ello, la última vez que se habló de reforma judicial fue en el 2003, es decir, hace 13 años.</a:t>
+              <a:t>, siendo la segunda institución con más descrédito del país, a pesar de ello, la última vez que se habló de reforma judicial fue en el 2003, es decir, hace 13 años.</a:t>
             </a:r>
             <a:r>
               <a:rPr lang="es-PE" sz="1600" b="1" i="1" dirty="0" smtClean="0"/>
@@ -10433,7 +15432,7 @@
         <p:spPr>
           <a:xfrm>
             <a:off x="165100" y="4699117"/>
-            <a:ext cx="8788400" cy="461665"/>
+            <a:ext cx="8788400" cy="276999"/>
           </a:xfrm>
           <a:prstGeom prst="rect">
             <a:avLst/>
@@ -10451,7 +15450,7 @@
               <a:rPr lang="es-PE" sz="1200" dirty="0">
                 <a:hlinkClick r:id="rId2"/>
               </a:rPr>
-              <a:t>http://www.incipp.org.pe/archivos/publicaciones/11_10_problemas_de_aplicacion_del_ncpp_a_nivel_de_investigacion_y_juzgamiento.pdf</a:t>
+              <a:t>https://elperuano.pe/noticia-en-octubre-regira-reforma-procesal-penal-lima-este-81072.aspx</a:t>
             </a:r>
             <a:endParaRPr lang="es-PE" sz="1200" dirty="0"/>
           </a:p>
@@ -10465,8 +15464,8 @@
         </p:nvSpPr>
         <p:spPr>
           <a:xfrm>
-            <a:off x="165100" y="1315978"/>
-            <a:ext cx="5003800" cy="3139321"/>
+            <a:off x="685800" y="1422987"/>
+            <a:ext cx="4495800" cy="1200329"/>
           </a:xfrm>
           <a:prstGeom prst="rect">
             <a:avLst/>
@@ -10484,12 +15483,16 @@
               <a:t>“</a:t>
             </a:r>
             <a:r>
-              <a:rPr lang="es-PE" dirty="0"/>
-              <a:t>Por ejemplo, cuando la Policía da cuenta de alguna intervención al fiscal de turno, muchas veces este requiere que tal comunicación sea efectuada por escrito, mediante oficio caso contrario la tiene como no comunicada, generando una serie de dificultades en la realización de tales diligencias, como demora, contratiempos, conflictos en la toma del caso entre los fiscales que están de turno, o con los que entrarán si es que la comunicación se ha realizado en el límite de tiempo en que termina el turno, un despacho y entra otro.</a:t>
-            </a:r>
-            <a:r>
-              <a:rPr lang="es-PE" sz="1600" b="1" i="1" dirty="0" smtClean="0"/>
-              <a:t>”</a:t>
+              <a:rPr lang="es-PE" dirty="0" smtClean="0"/>
+              <a:t>El </a:t>
+            </a:r>
+            <a:r>
+              <a:rPr lang="es-PE" dirty="0" err="1" smtClean="0"/>
+              <a:t>Minjusdh</a:t>
+            </a:r>
+            <a:r>
+              <a:rPr lang="es-PE" dirty="0" smtClean="0"/>
+              <a:t>, además, confirmó que el 1 de julio de 2020 el citado código entrará en vigencia en las cortes superiores de justicia de Lima Sur y Lima Centro.”</a:t>
             </a:r>
             <a:endParaRPr lang="es-PE" sz="1200" dirty="0"/>
           </a:p>
@@ -10503,16 +15506,15 @@
           </p:cNvPicPr>
           <p:nvPr/>
         </p:nvPicPr>
-        <p:blipFill>
+        <p:blipFill rotWithShape="1">
           <a:blip r:embed="rId3"/>
-          <a:stretch>
-            <a:fillRect/>
-          </a:stretch>
+          <a:srcRect l="1136" t="14687" r="65628" b="5625"/>
+          <a:stretch/>
         </p:blipFill>
         <p:spPr>
           <a:xfrm>
-            <a:off x="5283200" y="1783381"/>
-            <a:ext cx="3670300" cy="2090120"/>
+            <a:off x="5829301" y="1391766"/>
+            <a:ext cx="2571750" cy="3073285"/>
           </a:xfrm>
           <a:prstGeom prst="rect">
             <a:avLst/>
@@ -10522,7 +15524,7 @@
     </p:spTree>
     <p:extLst>
       <p:ext uri="{BB962C8B-B14F-4D97-AF65-F5344CB8AC3E}">
-        <p14:creationId xmlns:p14="http://schemas.microsoft.com/office/powerpoint/2010/main" val="3060500331"/>
+        <p14:creationId xmlns:p14="http://schemas.microsoft.com/office/powerpoint/2010/main" val="2207397941"/>
       </p:ext>
     </p:extLst>
   </p:cSld>
